--- a/se/slides/03_ResponseabilityDrivenDesign.pptx
+++ b/se/slides/03_ResponseabilityDrivenDesign.pptx
@@ -40,8 +40,8 @@
     <p:sldId id="317" r:id="rId28"/>
     <p:sldId id="316" r:id="rId29"/>
     <p:sldId id="284" r:id="rId30"/>
-    <p:sldId id="285" r:id="rId31"/>
-    <p:sldId id="286" r:id="rId32"/>
+    <p:sldId id="286" r:id="rId31"/>
+    <p:sldId id="285" r:id="rId32"/>
     <p:sldId id="287" r:id="rId33"/>
     <p:sldId id="288" r:id="rId34"/>
     <p:sldId id="289" r:id="rId35"/>
@@ -3557,13 +3557,19 @@
             <a:pPr defTabSz="914400" eaLnBrk="1" hangingPunct="1"/>
             <a:r>
               <a:rPr lang="de-DE" baseline="0" dirty="0" smtClean="0"/>
-              <a:t>Aus Sicht der Bibliothek und aus Sicht des </a:t>
-            </a:r>
-            <a:r>
-              <a:rPr lang="de-DE" baseline="0" smtClean="0"/>
-              <a:t>Buches betrachten</a:t>
-            </a:r>
+              <a:t>Aus Sicht der Bibliothek und aus Sicht des Buches betrachten</a:t>
+            </a:r>
+          </a:p>
+          <a:p>
+            <a:pPr defTabSz="914400" eaLnBrk="1" hangingPunct="1"/>
             <a:endParaRPr lang="de-DE" baseline="0" dirty="0" smtClean="0"/>
+          </a:p>
+          <a:p>
+            <a:pPr defTabSz="914400" eaLnBrk="1" hangingPunct="1"/>
+            <a:r>
+              <a:rPr lang="de-DE" baseline="0" dirty="0" smtClean="0"/>
+              <a:t>Es kann natürlich Widersprüche geben, aber diese beiden Regeln sind immer eine erste Entscheidungshilfe; dann kann man das weiter aufteilen</a:t>
+            </a:r>
           </a:p>
         </p:txBody>
       </p:sp>
@@ -3609,7 +3615,7 @@
           <a:bodyPr/>
           <a:lstStyle/>
           <a:p>
-            <a:fld id="{4FFCEB18-F25F-4D50-B669-C43CCA05877B}" type="slidenum">
+            <a:fld id="{165E673C-309A-4F60-B3D3-AB7A4D257D41}" type="slidenum">
               <a:rPr lang="en-GB"/>
               <a:pPr/>
               <a:t>30</a:t>
@@ -3620,7 +3626,7 @@
       </p:sp>
       <p:sp>
         <p:nvSpPr>
-          <p:cNvPr id="538626" name="Rectangle 2"/>
+          <p:cNvPr id="540674" name="Rectangle 2"/>
           <p:cNvSpPr>
             <a:spLocks noGrp="1" noRot="1" noChangeAspect="1" noChangeArrowheads="1" noTextEdit="1"/>
           </p:cNvSpPr>
@@ -3633,11 +3639,14 @@
             <a:off x="381000" y="685800"/>
             <a:ext cx="6096000" cy="3429000"/>
           </a:xfrm>
+          <a:solidFill>
+            <a:srgbClr val="FFFFFF"/>
+          </a:solidFill>
         </p:spPr>
       </p:sp>
       <p:sp>
         <p:nvSpPr>
-          <p:cNvPr id="538627" name="Rectangle 3"/>
+          <p:cNvPr id="540675" name="Rectangle 3"/>
           <p:cNvSpPr>
             <a:spLocks noGrp="1" noChangeArrowheads="1"/>
           </p:cNvSpPr>
@@ -3650,14 +3659,27 @@
             <a:off x="914400" y="4343400"/>
             <a:ext cx="5029200" cy="4114800"/>
           </a:xfrm>
-          <a:noFill/>
+          <a:solidFill>
+            <a:srgbClr val="FFFFFF"/>
+          </a:solidFill>
+          <a:ln>
+            <a:solidFill>
+              <a:srgbClr val="000000"/>
+            </a:solidFill>
+            <a:round/>
+            <a:headEnd/>
+            <a:tailEnd/>
+          </a:ln>
         </p:spPr>
         <p:txBody>
           <a:bodyPr lIns="91440" tIns="45720" rIns="91440" bIns="45720"/>
           <a:lstStyle/>
           <a:p>
             <a:pPr defTabSz="914400" eaLnBrk="1" hangingPunct="1"/>
-            <a:endParaRPr lang="en-US"/>
+            <a:r>
+              <a:rPr lang="en-US" dirty="0"/>
+              <a:t>A Drawing Editor knows when the drawing has changed; the Drawing knows which elements to display; each Drawing Element knows how and where its presentation should be drawn ...</a:t>
+            </a:r>
           </a:p>
         </p:txBody>
       </p:sp>
@@ -3859,7 +3881,7 @@
           <a:bodyPr/>
           <a:lstStyle/>
           <a:p>
-            <a:fld id="{165E673C-309A-4F60-B3D3-AB7A4D257D41}" type="slidenum">
+            <a:fld id="{4FFCEB18-F25F-4D50-B669-C43CCA05877B}" type="slidenum">
               <a:rPr lang="en-GB"/>
               <a:pPr/>
               <a:t>31</a:t>
@@ -3870,7 +3892,7 @@
       </p:sp>
       <p:sp>
         <p:nvSpPr>
-          <p:cNvPr id="540674" name="Rectangle 2"/>
+          <p:cNvPr id="538626" name="Rectangle 2"/>
           <p:cNvSpPr>
             <a:spLocks noGrp="1" noRot="1" noChangeAspect="1" noChangeArrowheads="1" noTextEdit="1"/>
           </p:cNvSpPr>
@@ -3883,14 +3905,11 @@
             <a:off x="381000" y="685800"/>
             <a:ext cx="6096000" cy="3429000"/>
           </a:xfrm>
-          <a:solidFill>
-            <a:srgbClr val="FFFFFF"/>
-          </a:solidFill>
         </p:spPr>
       </p:sp>
       <p:sp>
         <p:nvSpPr>
-          <p:cNvPr id="540675" name="Rectangle 3"/>
+          <p:cNvPr id="538627" name="Rectangle 3"/>
           <p:cNvSpPr>
             <a:spLocks noGrp="1" noChangeArrowheads="1"/>
           </p:cNvSpPr>
@@ -3903,17 +3922,7 @@
             <a:off x="914400" y="4343400"/>
             <a:ext cx="5029200" cy="4114800"/>
           </a:xfrm>
-          <a:solidFill>
-            <a:srgbClr val="FFFFFF"/>
-          </a:solidFill>
-          <a:ln>
-            <a:solidFill>
-              <a:srgbClr val="000000"/>
-            </a:solidFill>
-            <a:round/>
-            <a:headEnd/>
-            <a:tailEnd/>
-          </a:ln>
+          <a:noFill/>
         </p:spPr>
         <p:txBody>
           <a:bodyPr lIns="91440" tIns="45720" rIns="91440" bIns="45720"/>
@@ -3921,9 +3930,14 @@
           <a:p>
             <a:pPr defTabSz="914400" eaLnBrk="1" hangingPunct="1"/>
             <a:r>
-              <a:rPr lang="en-US"/>
-              <a:t>A Drawing Editor knows when the drawing has changed; the Drawing knows which elements to display; each Drawing Element knows how and where its presentation should be drawn ...</a:t>
-            </a:r>
+              <a:rPr lang="de-DE" dirty="0" smtClean="0"/>
+              <a:t>Wenn</a:t>
+            </a:r>
+            <a:r>
+              <a:rPr lang="de-DE" baseline="0" dirty="0" smtClean="0"/>
+              <a:t> Systeme größer werden, werden Verantwortlichkeiten größer, und die sollten dann auch aufgeteilt werden; ein Objekt das Dutzende Verantwortlichkeiten verwaltet ist viel zu komplex</a:t>
+            </a:r>
+            <a:endParaRPr lang="en-US" dirty="0"/>
           </a:p>
         </p:txBody>
       </p:sp>
@@ -4017,7 +4031,39 @@
           <a:lstStyle/>
           <a:p>
             <a:pPr defTabSz="914400" eaLnBrk="1" hangingPunct="1"/>
-            <a:endParaRPr lang="en-US"/>
+            <a:r>
+              <a:rPr lang="de-DE" dirty="0" smtClean="0"/>
+              <a:t>Es gibt ja noch ein </a:t>
+            </a:r>
+            <a:r>
+              <a:rPr lang="de-DE" dirty="0" err="1" smtClean="0"/>
+              <a:t>Selection</a:t>
+            </a:r>
+            <a:r>
+              <a:rPr lang="de-DE" dirty="0" smtClean="0"/>
+              <a:t> Tool.</a:t>
+            </a:r>
+            <a:r>
+              <a:rPr lang="de-DE" baseline="0" dirty="0" smtClean="0"/>
+              <a:t>  Verantwortlichkeit 1 und 3 können in Oberklasse Tool ausgelagert werden. Tool bekommt eine neue Verantwortlichkeit, von </a:t>
+            </a:r>
+            <a:r>
+              <a:rPr lang="de-DE" baseline="0" dirty="0" err="1" smtClean="0"/>
+              <a:t>Creation</a:t>
+            </a:r>
+            <a:r>
+              <a:rPr lang="de-DE" baseline="0" dirty="0" smtClean="0"/>
+              <a:t> Tool/</a:t>
+            </a:r>
+            <a:r>
+              <a:rPr lang="de-DE" baseline="0" dirty="0" err="1" smtClean="0"/>
+              <a:t>Selection</a:t>
+            </a:r>
+            <a:r>
+              <a:rPr lang="de-DE" baseline="0" dirty="0" smtClean="0"/>
+              <a:t> Tool werden Verantwortlichkeiten entfernt</a:t>
+            </a:r>
+            <a:endParaRPr lang="en-US" dirty="0"/>
           </a:p>
         </p:txBody>
       </p:sp>
@@ -4111,7 +4157,26 @@
           <a:lstStyle/>
           <a:p>
             <a:pPr defTabSz="914400" eaLnBrk="1" hangingPunct="1"/>
-            <a:endParaRPr lang="en-US"/>
+            <a:r>
+              <a:rPr lang="de-DE" dirty="0" smtClean="0"/>
+              <a:t>Wenn Klassen fehlen, wieder einen Schritt zurück gehen</a:t>
+            </a:r>
+          </a:p>
+          <a:p>
+            <a:pPr defTabSz="914400" eaLnBrk="1" hangingPunct="1"/>
+            <a:endParaRPr lang="de-DE" dirty="0" smtClean="0"/>
+          </a:p>
+          <a:p>
+            <a:pPr defTabSz="914400" eaLnBrk="1" hangingPunct="1"/>
+            <a:r>
+              <a:rPr lang="de-DE" dirty="0" smtClean="0"/>
+              <a:t>Bei</a:t>
+            </a:r>
+            <a:r>
+              <a:rPr lang="de-DE" baseline="0" dirty="0" smtClean="0"/>
+              <a:t> freier Auswahl (und Unklarheiten): kommunizieren! mit Teammitgliedern, Software-Architekt</a:t>
+            </a:r>
+            <a:endParaRPr lang="en-US" dirty="0"/>
           </a:p>
         </p:txBody>
       </p:sp>
@@ -4205,7 +4270,15 @@
           <a:lstStyle/>
           <a:p>
             <a:pPr defTabSz="914400" eaLnBrk="1" hangingPunct="1"/>
-            <a:endParaRPr lang="en-US"/>
+            <a:r>
+              <a:rPr lang="de-DE" dirty="0" smtClean="0"/>
+              <a:t>(Mehr</a:t>
+            </a:r>
+            <a:r>
+              <a:rPr lang="de-DE" baseline="0" dirty="0" smtClean="0"/>
+              <a:t> dazu nächste Woche)</a:t>
+            </a:r>
+            <a:endParaRPr lang="en-US" dirty="0"/>
           </a:p>
         </p:txBody>
       </p:sp>
@@ -4455,7 +4528,7 @@
           <a:lstStyle/>
           <a:p>
             <a:pPr defTabSz="914400" eaLnBrk="1" hangingPunct="1"/>
-            <a:endParaRPr lang="en-US"/>
+            <a:endParaRPr lang="en-US" dirty="0"/>
           </a:p>
         </p:txBody>
       </p:sp>
@@ -5327,7 +5400,15 @@
           <a:lstStyle/>
           <a:p>
             <a:pPr defTabSz="914400" eaLnBrk="1" hangingPunct="1"/>
-            <a:endParaRPr lang="en-US"/>
+            <a:r>
+              <a:rPr lang="de-DE" dirty="0" smtClean="0"/>
+              <a:t>Wenn eine</a:t>
+            </a:r>
+            <a:r>
+              <a:rPr lang="de-DE" baseline="0" dirty="0" smtClean="0"/>
+              <a:t> Unterklasse eine Eigenschaft einer Oberklasse nicht haben soll, sollte sie nicht in der Hierarchie sein; Mehrfachvererbung geht nicht</a:t>
+            </a:r>
+            <a:endParaRPr lang="en-US" dirty="0"/>
           </a:p>
         </p:txBody>
       </p:sp>
@@ -5515,7 +5596,15 @@
           <a:lstStyle/>
           <a:p>
             <a:pPr defTabSz="914400" eaLnBrk="1" hangingPunct="1"/>
-            <a:endParaRPr lang="en-US"/>
+            <a:r>
+              <a:rPr lang="de-DE" dirty="0" smtClean="0"/>
+              <a:t>Vorsicht: Mehrfachvererbung</a:t>
+            </a:r>
+            <a:r>
+              <a:rPr lang="de-DE" baseline="0" dirty="0" smtClean="0"/>
+              <a:t> nicht immer möglich</a:t>
+            </a:r>
+            <a:endParaRPr lang="en-US" dirty="0"/>
           </a:p>
         </p:txBody>
       </p:sp>
@@ -18952,7 +19041,7 @@
                         <a:tabLst/>
                       </a:pPr>
                       <a:r>
-                        <a:rPr kumimoji="0" lang="en-US" sz="1800" b="0" i="0" u="none" strike="noStrike" cap="none" normalizeH="0" baseline="0">
+                        <a:rPr kumimoji="0" lang="en-US" sz="1800" b="0" i="0" u="none" strike="noStrike" cap="none" normalizeH="0" baseline="0" dirty="0">
                           <a:ln>
                             <a:noFill/>
                           </a:ln>
@@ -22051,7 +22140,7 @@
       </p:grpSpPr>
       <p:sp>
         <p:nvSpPr>
-          <p:cNvPr id="537605" name="Rectangle 2"/>
+          <p:cNvPr id="539653" name="Rectangle 2"/>
           <p:cNvSpPr>
             <a:spLocks noGrp="1" noChangeArrowheads="1"/>
           </p:cNvSpPr>
@@ -22068,14 +22157,31 @@
           <a:p>
             <a:r>
               <a:rPr lang="de-DE" dirty="0"/>
-              <a:t>Zuweisen von Verantwortlichkeiten</a:t>
-            </a:r>
+              <a:t>Zuweisen</a:t>
+            </a:r>
+            <a:r>
+              <a:rPr lang="en-US" dirty="0"/>
+              <a:t> von </a:t>
+            </a:r>
+            <a:r>
+              <a:rPr lang="de-DE" dirty="0" smtClean="0"/>
+              <a:t>Verantwortlichkeiten</a:t>
+            </a:r>
+            <a:r>
+              <a:rPr lang="en-US" dirty="0" smtClean="0"/>
+              <a:t>: </a:t>
+            </a:r>
+            <a:r>
+              <a:rPr lang="en-US" dirty="0" err="1" smtClean="0"/>
+              <a:t>Zentral</a:t>
+            </a:r>
+            <a:endParaRPr lang="en-US" dirty="0"/>
           </a:p>
         </p:txBody>
       </p:sp>
       <p:sp>
         <p:nvSpPr>
-          <p:cNvPr id="537606" name="Rectangle 3"/>
+          <p:cNvPr id="539654" name="Rectangle 3"/>
           <p:cNvSpPr>
             <a:spLocks noGrp="1" noChangeArrowheads="1"/>
           </p:cNvSpPr>
@@ -22090,188 +22196,92 @@
           </a:bodyPr>
           <a:lstStyle/>
           <a:p>
-            <a:pPr marL="419100" indent="-419100">
-              <a:lnSpc>
-                <a:spcPct val="80000"/>
-              </a:lnSpc>
+            <a:pPr marL="533400" indent="-533400"/>
+            <a:r>
+              <a:rPr lang="de-DE" dirty="0"/>
+              <a:t>Behalte Informationen über eine Sache an </a:t>
+            </a:r>
+            <a:r>
+              <a:rPr lang="de-DE" i="1" dirty="0">
+                <a:solidFill>
+                  <a:srgbClr val="7F0101"/>
+                </a:solidFill>
+              </a:rPr>
+              <a:t>einem </a:t>
+            </a:r>
+            <a:r>
+              <a:rPr lang="de-DE" i="1" dirty="0" smtClean="0">
+                <a:solidFill>
+                  <a:srgbClr val="7F0101"/>
+                </a:solidFill>
+              </a:rPr>
+              <a:t>Ort</a:t>
+            </a:r>
+          </a:p>
+          <a:p>
+            <a:pPr marL="533400" indent="-533400"/>
+            <a:r>
+              <a:rPr lang="de-DE" dirty="0" smtClean="0"/>
+              <a:t>Ein Objekt wird zum Kontrollzentrum</a:t>
+            </a:r>
+            <a:endParaRPr lang="de-DE" dirty="0"/>
+          </a:p>
+          <a:p>
+            <a:pPr marL="914400" lvl="1" indent="-457200"/>
+            <a:r>
+              <a:rPr lang="de-DE" dirty="0"/>
+              <a:t>Falls mehrere Objekte </a:t>
+            </a:r>
+            <a:r>
+              <a:rPr lang="de-DE" dirty="0" smtClean="0"/>
+              <a:t>Zugriff </a:t>
+            </a:r>
+            <a:r>
+              <a:rPr lang="de-DE" dirty="0"/>
+              <a:t>auf die gleiche Information benötigen:</a:t>
+            </a:r>
+          </a:p>
+          <a:p>
+            <a:pPr marL="1295400" lvl="2" indent="-381000">
+              <a:buFont typeface="Times" pitchFamily="18" charset="0"/>
+              <a:buAutoNum type="arabicPeriod"/>
             </a:pPr>
             <a:r>
-              <a:rPr lang="de-DE" i="1" dirty="0">
-                <a:solidFill>
-                  <a:srgbClr val="7F0101"/>
-                </a:solidFill>
-              </a:rPr>
-              <a:t>Verteile gleichmäßig</a:t>
-            </a:r>
-            <a:r>
               <a:rPr lang="de-DE" dirty="0"/>
-              <a:t> die System-Intelligenz</a:t>
-            </a:r>
-          </a:p>
-          <a:p>
-            <a:pPr marL="838200" lvl="1" indent="-381000">
-              <a:lnSpc>
-                <a:spcPct val="80000"/>
-              </a:lnSpc>
+              <a:t>Ein neues Objekte kann eingeführt werden, welches die Information verwaltet, oder</a:t>
+            </a:r>
+          </a:p>
+          <a:p>
+            <a:pPr marL="1295400" lvl="2" indent="-381000">
+              <a:buFont typeface="Times" pitchFamily="18" charset="0"/>
+              <a:buAutoNum type="arabicPeriod"/>
             </a:pPr>
             <a:r>
               <a:rPr lang="de-DE" dirty="0"/>
-              <a:t>Verhindere prozedural zentralisierte Verantwortlichkeiten</a:t>
-            </a:r>
-          </a:p>
-          <a:p>
-            <a:pPr marL="838200" lvl="1" indent="-381000">
-              <a:lnSpc>
-                <a:spcPct val="80000"/>
-              </a:lnSpc>
+              <a:t>Eines der vorhandenen Objekte kann die Information verwalten, oder</a:t>
+            </a:r>
+          </a:p>
+          <a:p>
+            <a:pPr marL="1295400" lvl="2" indent="-381000">
+              <a:buFont typeface="Times" pitchFamily="18" charset="0"/>
+              <a:buAutoNum type="arabicPeriod"/>
             </a:pPr>
             <a:r>
               <a:rPr lang="de-DE" dirty="0"/>
-              <a:t>Halte Verantwortlichkeiten nah an den Objekten und nicht an deren Nutzern</a:t>
-            </a:r>
-          </a:p>
-          <a:p>
-            <a:pPr marL="419100" indent="-419100">
-              <a:lnSpc>
-                <a:spcPct val="80000"/>
-              </a:lnSpc>
-            </a:pPr>
+              <a:t>die mehrfachen Objekte können in ein einzelnes Objekt überführt </a:t>
+            </a:r>
+            <a:r>
+              <a:rPr lang="de-DE" dirty="0" smtClean="0"/>
+              <a:t>werden</a:t>
+            </a:r>
+          </a:p>
+          <a:p>
+            <a:pPr marL="457200"/>
+            <a:r>
+              <a:rPr lang="de-DE" dirty="0" smtClean="0"/>
+              <a:t>Sinnvoll bei kleinen Systemen</a:t>
+            </a:r>
             <a:endParaRPr lang="de-DE" dirty="0"/>
-          </a:p>
-          <a:p>
-            <a:pPr marL="419100" indent="-419100">
-              <a:lnSpc>
-                <a:spcPct val="80000"/>
-              </a:lnSpc>
-            </a:pPr>
-            <a:r>
-              <a:rPr lang="de-DE" dirty="0"/>
-              <a:t>Definiere Verantwortlichkeiten so </a:t>
-            </a:r>
-            <a:r>
-              <a:rPr lang="de-DE" i="1" dirty="0">
-                <a:solidFill>
-                  <a:srgbClr val="7F0101"/>
-                </a:solidFill>
-              </a:rPr>
-              <a:t>generell </a:t>
-            </a:r>
-            <a:r>
-              <a:rPr lang="de-DE" dirty="0"/>
-              <a:t>wie möglich</a:t>
-            </a:r>
-          </a:p>
-          <a:p>
-            <a:pPr marL="838200" lvl="1" indent="-381000">
-              <a:lnSpc>
-                <a:spcPct val="80000"/>
-              </a:lnSpc>
-            </a:pPr>
-            <a:r>
-              <a:rPr lang="de-DE" dirty="0"/>
-              <a:t>“</a:t>
-            </a:r>
-            <a:r>
-              <a:rPr lang="de-DE" dirty="0" err="1"/>
-              <a:t>draw</a:t>
-            </a:r>
-            <a:r>
-              <a:rPr lang="de-DE" dirty="0"/>
-              <a:t> </a:t>
-            </a:r>
-            <a:r>
-              <a:rPr lang="de-DE" dirty="0" err="1"/>
-              <a:t>yourself</a:t>
-            </a:r>
-            <a:r>
-              <a:rPr lang="de-DE" dirty="0"/>
-              <a:t>” vs. “</a:t>
-            </a:r>
-            <a:r>
-              <a:rPr lang="de-DE" dirty="0" err="1"/>
-              <a:t>draw</a:t>
-            </a:r>
-            <a:r>
-              <a:rPr lang="de-DE" dirty="0"/>
-              <a:t> a </a:t>
-            </a:r>
-            <a:r>
-              <a:rPr lang="de-DE" dirty="0" err="1"/>
-              <a:t>line</a:t>
-            </a:r>
-            <a:r>
-              <a:rPr lang="de-DE" dirty="0"/>
-              <a:t>/</a:t>
-            </a:r>
-            <a:r>
-              <a:rPr lang="de-DE" dirty="0" err="1"/>
-              <a:t>rectangle</a:t>
-            </a:r>
-            <a:r>
-              <a:rPr lang="de-DE" dirty="0"/>
-              <a:t> etc.”</a:t>
-            </a:r>
-          </a:p>
-          <a:p>
-            <a:pPr marL="838200" lvl="1" indent="-381000">
-              <a:lnSpc>
-                <a:spcPct val="80000"/>
-              </a:lnSpc>
-            </a:pPr>
-            <a:r>
-              <a:rPr lang="de-DE" dirty="0"/>
-              <a:t>Führt zum Teilen</a:t>
-            </a:r>
-          </a:p>
-          <a:p>
-            <a:pPr marL="419100" indent="-419100">
-              <a:lnSpc>
-                <a:spcPct val="80000"/>
-              </a:lnSpc>
-            </a:pPr>
-            <a:endParaRPr lang="de-DE" dirty="0"/>
-          </a:p>
-          <a:p>
-            <a:pPr marL="419100" indent="-419100">
-              <a:lnSpc>
-                <a:spcPct val="80000"/>
-              </a:lnSpc>
-            </a:pPr>
-            <a:r>
-              <a:rPr lang="de-DE" dirty="0"/>
-              <a:t>Halte </a:t>
-            </a:r>
-            <a:r>
-              <a:rPr lang="de-DE" i="1" dirty="0">
-                <a:solidFill>
-                  <a:srgbClr val="7F0101"/>
-                </a:solidFill>
-              </a:rPr>
-              <a:t>Verhalten</a:t>
-            </a:r>
-            <a:r>
-              <a:rPr lang="de-DE" dirty="0"/>
-              <a:t> zusammen mit jedweder </a:t>
-            </a:r>
-            <a:r>
-              <a:rPr lang="de-DE" i="1" dirty="0">
-                <a:solidFill>
-                  <a:srgbClr val="7F0101"/>
-                </a:solidFill>
-              </a:rPr>
-              <a:t>relevanten Information</a:t>
-            </a:r>
-          </a:p>
-          <a:p>
-            <a:pPr marL="838200" lvl="1" indent="-381000">
-              <a:lnSpc>
-                <a:spcPct val="80000"/>
-              </a:lnSpc>
-            </a:pPr>
-            <a:r>
-              <a:rPr lang="de-DE" dirty="0"/>
-              <a:t>Prinzip der Kapselung</a:t>
-            </a:r>
           </a:p>
         </p:txBody>
       </p:sp>
@@ -22355,9 +22365,9 @@
                                           </p:stCondLst>
                                         </p:cTn>
                                         <p:tgtEl>
-                                          <p:spTgt spid="537606">
+                                          <p:spTgt spid="539654">
                                             <p:txEl>
-                                              <p:pRg st="4" end="4"/>
+                                              <p:pRg st="2" end="2"/>
                                             </p:txEl>
                                           </p:spTgt>
                                         </p:tgtEl>
@@ -22373,9 +22383,9 @@
                                       <p:cBhvr>
                                         <p:cTn id="7" dur="1000"/>
                                         <p:tgtEl>
-                                          <p:spTgt spid="537606">
+                                          <p:spTgt spid="539654">
                                             <p:txEl>
-                                              <p:pRg st="4" end="4"/>
+                                              <p:pRg st="2" end="2"/>
                                             </p:txEl>
                                           </p:spTgt>
                                         </p:tgtEl>
@@ -22398,9 +22408,9 @@
                                           </p:stCondLst>
                                         </p:cTn>
                                         <p:tgtEl>
-                                          <p:spTgt spid="537606">
+                                          <p:spTgt spid="539654">
                                             <p:txEl>
-                                              <p:pRg st="5" end="5"/>
+                                              <p:pRg st="3" end="3"/>
                                             </p:txEl>
                                           </p:spTgt>
                                         </p:tgtEl>
@@ -22416,9 +22426,9 @@
                                       <p:cBhvr>
                                         <p:cTn id="10" dur="1000"/>
                                         <p:tgtEl>
-                                          <p:spTgt spid="537606">
+                                          <p:spTgt spid="539654">
                                             <p:txEl>
-                                              <p:pRg st="5" end="5"/>
+                                              <p:pRg st="3" end="3"/>
                                             </p:txEl>
                                           </p:spTgt>
                                         </p:tgtEl>
@@ -22441,7 +22451,93 @@
                                           </p:stCondLst>
                                         </p:cTn>
                                         <p:tgtEl>
-                                          <p:spTgt spid="537606">
+                                          <p:spTgt spid="539654">
+                                            <p:txEl>
+                                              <p:pRg st="4" end="4"/>
+                                            </p:txEl>
+                                          </p:spTgt>
+                                        </p:tgtEl>
+                                        <p:attrNameLst>
+                                          <p:attrName>style.visibility</p:attrName>
+                                        </p:attrNameLst>
+                                      </p:cBhvr>
+                                      <p:to>
+                                        <p:strVal val="visible"/>
+                                      </p:to>
+                                    </p:set>
+                                    <p:animEffect transition="in" filter="fade">
+                                      <p:cBhvr>
+                                        <p:cTn id="13" dur="1000"/>
+                                        <p:tgtEl>
+                                          <p:spTgt spid="539654">
+                                            <p:txEl>
+                                              <p:pRg st="4" end="4"/>
+                                            </p:txEl>
+                                          </p:spTgt>
+                                        </p:tgtEl>
+                                      </p:cBhvr>
+                                    </p:animEffect>
+                                  </p:childTnLst>
+                                </p:cTn>
+                              </p:par>
+                              <p:par>
+                                <p:cTn id="14" presetID="10" presetClass="entr" presetSubtype="0" fill="hold" nodeType="withEffect">
+                                  <p:stCondLst>
+                                    <p:cond delay="0"/>
+                                  </p:stCondLst>
+                                  <p:childTnLst>
+                                    <p:set>
+                                      <p:cBhvr>
+                                        <p:cTn id="15" dur="1" fill="hold">
+                                          <p:stCondLst>
+                                            <p:cond delay="0"/>
+                                          </p:stCondLst>
+                                        </p:cTn>
+                                        <p:tgtEl>
+                                          <p:spTgt spid="539654">
+                                            <p:txEl>
+                                              <p:pRg st="5" end="5"/>
+                                            </p:txEl>
+                                          </p:spTgt>
+                                        </p:tgtEl>
+                                        <p:attrNameLst>
+                                          <p:attrName>style.visibility</p:attrName>
+                                        </p:attrNameLst>
+                                      </p:cBhvr>
+                                      <p:to>
+                                        <p:strVal val="visible"/>
+                                      </p:to>
+                                    </p:set>
+                                    <p:animEffect transition="in" filter="fade">
+                                      <p:cBhvr>
+                                        <p:cTn id="16" dur="1000"/>
+                                        <p:tgtEl>
+                                          <p:spTgt spid="539654">
+                                            <p:txEl>
+                                              <p:pRg st="5" end="5"/>
+                                            </p:txEl>
+                                          </p:spTgt>
+                                        </p:tgtEl>
+                                      </p:cBhvr>
+                                    </p:animEffect>
+                                  </p:childTnLst>
+                                </p:cTn>
+                              </p:par>
+                              <p:par>
+                                <p:cTn id="17" presetID="10" presetClass="entr" presetSubtype="0" fill="hold" nodeType="withEffect">
+                                  <p:stCondLst>
+                                    <p:cond delay="0"/>
+                                  </p:stCondLst>
+                                  <p:childTnLst>
+                                    <p:set>
+                                      <p:cBhvr>
+                                        <p:cTn id="18" dur="1" fill="hold">
+                                          <p:stCondLst>
+                                            <p:cond delay="0"/>
+                                          </p:stCondLst>
+                                        </p:cTn>
+                                        <p:tgtEl>
+                                          <p:spTgt spid="539654">
                                             <p:txEl>
                                               <p:pRg st="6" end="6"/>
                                             </p:txEl>
@@ -22457,115 +22553,11 @@
                                     </p:set>
                                     <p:animEffect transition="in" filter="fade">
                                       <p:cBhvr>
-                                        <p:cTn id="13" dur="1000"/>
+                                        <p:cTn id="19" dur="1000"/>
                                         <p:tgtEl>
-                                          <p:spTgt spid="537606">
+                                          <p:spTgt spid="539654">
                                             <p:txEl>
                                               <p:pRg st="6" end="6"/>
-                                            </p:txEl>
-                                          </p:spTgt>
-                                        </p:tgtEl>
-                                      </p:cBhvr>
-                                    </p:animEffect>
-                                  </p:childTnLst>
-                                </p:cTn>
-                              </p:par>
-                            </p:childTnLst>
-                          </p:cTn>
-                        </p:par>
-                      </p:childTnLst>
-                    </p:cTn>
-                  </p:par>
-                  <p:par>
-                    <p:cTn id="14" fill="hold">
-                      <p:stCondLst>
-                        <p:cond delay="indefinite"/>
-                      </p:stCondLst>
-                      <p:childTnLst>
-                        <p:par>
-                          <p:cTn id="15" fill="hold">
-                            <p:stCondLst>
-                              <p:cond delay="0"/>
-                            </p:stCondLst>
-                            <p:childTnLst>
-                              <p:par>
-                                <p:cTn id="16" presetID="10" presetClass="entr" presetSubtype="0" fill="hold" nodeType="clickEffect">
-                                  <p:stCondLst>
-                                    <p:cond delay="0"/>
-                                  </p:stCondLst>
-                                  <p:childTnLst>
-                                    <p:set>
-                                      <p:cBhvr>
-                                        <p:cTn id="17" dur="1" fill="hold">
-                                          <p:stCondLst>
-                                            <p:cond delay="0"/>
-                                          </p:stCondLst>
-                                        </p:cTn>
-                                        <p:tgtEl>
-                                          <p:spTgt spid="537606">
-                                            <p:txEl>
-                                              <p:pRg st="8" end="8"/>
-                                            </p:txEl>
-                                          </p:spTgt>
-                                        </p:tgtEl>
-                                        <p:attrNameLst>
-                                          <p:attrName>style.visibility</p:attrName>
-                                        </p:attrNameLst>
-                                      </p:cBhvr>
-                                      <p:to>
-                                        <p:strVal val="visible"/>
-                                      </p:to>
-                                    </p:set>
-                                    <p:animEffect transition="in" filter="fade">
-                                      <p:cBhvr>
-                                        <p:cTn id="18" dur="1000"/>
-                                        <p:tgtEl>
-                                          <p:spTgt spid="537606">
-                                            <p:txEl>
-                                              <p:pRg st="8" end="8"/>
-                                            </p:txEl>
-                                          </p:spTgt>
-                                        </p:tgtEl>
-                                      </p:cBhvr>
-                                    </p:animEffect>
-                                  </p:childTnLst>
-                                </p:cTn>
-                              </p:par>
-                              <p:par>
-                                <p:cTn id="19" presetID="10" presetClass="entr" presetSubtype="0" fill="hold" nodeType="withEffect">
-                                  <p:stCondLst>
-                                    <p:cond delay="0"/>
-                                  </p:stCondLst>
-                                  <p:childTnLst>
-                                    <p:set>
-                                      <p:cBhvr>
-                                        <p:cTn id="20" dur="1" fill="hold">
-                                          <p:stCondLst>
-                                            <p:cond delay="0"/>
-                                          </p:stCondLst>
-                                        </p:cTn>
-                                        <p:tgtEl>
-                                          <p:spTgt spid="537606">
-                                            <p:txEl>
-                                              <p:pRg st="9" end="9"/>
-                                            </p:txEl>
-                                          </p:spTgt>
-                                        </p:tgtEl>
-                                        <p:attrNameLst>
-                                          <p:attrName>style.visibility</p:attrName>
-                                        </p:attrNameLst>
-                                      </p:cBhvr>
-                                      <p:to>
-                                        <p:strVal val="visible"/>
-                                      </p:to>
-                                    </p:set>
-                                    <p:animEffect transition="in" filter="fade">
-                                      <p:cBhvr>
-                                        <p:cTn id="21" dur="1000"/>
-                                        <p:tgtEl>
-                                          <p:spTgt spid="537606">
-                                            <p:txEl>
-                                              <p:pRg st="9" end="9"/>
                                             </p:txEl>
                                           </p:spTgt>
                                         </p:tgtEl>
@@ -22624,7 +22616,7 @@
       </p:grpSpPr>
       <p:sp>
         <p:nvSpPr>
-          <p:cNvPr id="539653" name="Rectangle 2"/>
+          <p:cNvPr id="537605" name="Rectangle 2"/>
           <p:cNvSpPr>
             <a:spLocks noGrp="1" noChangeArrowheads="1"/>
           </p:cNvSpPr>
@@ -22641,26 +22633,19 @@
           <a:p>
             <a:r>
               <a:rPr lang="de-DE" dirty="0"/>
-              <a:t>Zuweisen</a:t>
-            </a:r>
-            <a:r>
-              <a:rPr lang="en-US" dirty="0"/>
-              <a:t> von </a:t>
-            </a:r>
-            <a:r>
-              <a:rPr lang="de-DE" dirty="0"/>
-              <a:t>Verantwortlichkeiten</a:t>
-            </a:r>
-            <a:r>
-              <a:rPr lang="en-US" dirty="0"/>
-              <a:t>...</a:t>
-            </a:r>
+              <a:t>Zuweisen von </a:t>
+            </a:r>
+            <a:r>
+              <a:rPr lang="de-DE" dirty="0" smtClean="0"/>
+              <a:t>Verantwortlichkeiten: Delegiert/Gebündelt</a:t>
+            </a:r>
+            <a:endParaRPr lang="de-DE" dirty="0"/>
           </a:p>
         </p:txBody>
       </p:sp>
       <p:sp>
         <p:nvSpPr>
-          <p:cNvPr id="539654" name="Rectangle 3"/>
+          <p:cNvPr id="537606" name="Rectangle 3"/>
           <p:cNvSpPr>
             <a:spLocks noGrp="1" noChangeArrowheads="1"/>
           </p:cNvSpPr>
@@ -22671,71 +22656,26 @@
         <p:spPr/>
         <p:txBody>
           <a:bodyPr vert="horz" lIns="0" tIns="0" rIns="0" bIns="0" rtlCol="0">
-            <a:normAutofit/>
+            <a:normAutofit lnSpcReduction="10000"/>
           </a:bodyPr>
           <a:lstStyle/>
           <a:p>
-            <a:pPr marL="533400" indent="-533400"/>
+            <a:pPr marL="514350" indent="-457200"/>
+            <a:r>
+              <a:rPr lang="de-DE" dirty="0" smtClean="0"/>
+              <a:t>Breche </a:t>
+            </a:r>
             <a:r>
               <a:rPr lang="de-DE" dirty="0"/>
-              <a:t>Behalte Informationen über eine Sache an </a:t>
-            </a:r>
-            <a:r>
-              <a:rPr lang="de-DE" i="1" dirty="0">
-                <a:solidFill>
-                  <a:srgbClr val="7F0101"/>
-                </a:solidFill>
-              </a:rPr>
-              <a:t>einem Ort</a:t>
-            </a:r>
-            <a:endParaRPr lang="de-DE" dirty="0"/>
+              <a:t>komplexe Verantwortlichkeiten </a:t>
+            </a:r>
+            <a:r>
+              <a:rPr lang="de-DE" dirty="0" smtClean="0"/>
+              <a:t>auf</a:t>
+            </a:r>
           </a:p>
           <a:p>
             <a:pPr marL="914400" lvl="1" indent="-457200"/>
-            <a:r>
-              <a:rPr lang="de-DE" dirty="0"/>
-              <a:t>Falls mehrere Objekte Zugriffe auf die gleiche Information benötigen:</a:t>
-            </a:r>
-          </a:p>
-          <a:p>
-            <a:pPr marL="1295400" lvl="2" indent="-381000">
-              <a:buFont typeface="Times" pitchFamily="18" charset="0"/>
-              <a:buAutoNum type="arabicPeriod"/>
-            </a:pPr>
-            <a:r>
-              <a:rPr lang="de-DE" dirty="0"/>
-              <a:t>Ein neues Objekte kann eingeführt werden, welches die Information verwaltet, oder</a:t>
-            </a:r>
-          </a:p>
-          <a:p>
-            <a:pPr marL="1295400" lvl="2" indent="-381000">
-              <a:buFont typeface="Times" pitchFamily="18" charset="0"/>
-              <a:buAutoNum type="arabicPeriod"/>
-            </a:pPr>
-            <a:r>
-              <a:rPr lang="de-DE" dirty="0"/>
-              <a:t>Eines der vorhandenen Objekte kann die Information verwalten, oder</a:t>
-            </a:r>
-          </a:p>
-          <a:p>
-            <a:pPr marL="1295400" lvl="2" indent="-381000">
-              <a:buFont typeface="Times" pitchFamily="18" charset="0"/>
-              <a:buAutoNum type="arabicPeriod"/>
-            </a:pPr>
-            <a:r>
-              <a:rPr lang="de-DE" dirty="0"/>
-              <a:t>die mehrfachen Objekte können in ein einzelnes Objekt überführt werden</a:t>
-            </a:r>
-          </a:p>
-          <a:p>
-            <a:pPr marL="1295400" lvl="2" indent="-381000">
-              <a:buFont typeface="Times" pitchFamily="18" charset="0"/>
-              <a:buAutoNum type="arabicPeriod"/>
-            </a:pPr>
-            <a:endParaRPr lang="en-US" dirty="0"/>
-          </a:p>
-          <a:p>
-            <a:pPr marL="533400" indent="-533400"/>
             <a:r>
               <a:rPr lang="de-DE" i="1" dirty="0">
                 <a:solidFill>
@@ -22750,12 +22690,209 @@
             </a:r>
           </a:p>
           <a:p>
-            <a:pPr marL="914400" lvl="1" indent="-457200"/>
+            <a:pPr marL="0" indent="0">
+              <a:lnSpc>
+                <a:spcPct val="80000"/>
+              </a:lnSpc>
+              <a:buNone/>
+            </a:pPr>
+            <a:endParaRPr lang="de-DE" i="1" dirty="0" smtClean="0">
+              <a:solidFill>
+                <a:srgbClr val="7F0101"/>
+              </a:solidFill>
+            </a:endParaRPr>
+          </a:p>
+          <a:p>
+            <a:pPr marL="419100" indent="-419100">
+              <a:lnSpc>
+                <a:spcPct val="80000"/>
+              </a:lnSpc>
+            </a:pPr>
+            <a:r>
+              <a:rPr lang="de-DE" i="1" dirty="0" smtClean="0">
+                <a:solidFill>
+                  <a:srgbClr val="7F0101"/>
+                </a:solidFill>
+              </a:rPr>
+              <a:t>Verteile </a:t>
+            </a:r>
+            <a:r>
+              <a:rPr lang="de-DE" i="1" dirty="0">
+                <a:solidFill>
+                  <a:srgbClr val="7F0101"/>
+                </a:solidFill>
+              </a:rPr>
+              <a:t>gleichmäßig</a:t>
+            </a:r>
             <a:r>
               <a:rPr lang="de-DE" dirty="0"/>
-              <a:t>Breche komplexe Verantwortlichkeiten auf</a:t>
-            </a:r>
-            <a:endParaRPr lang="en-US" dirty="0"/>
+              <a:t> die System-Intelligenz</a:t>
+            </a:r>
+          </a:p>
+          <a:p>
+            <a:pPr marL="838200" lvl="1" indent="-381000">
+              <a:lnSpc>
+                <a:spcPct val="80000"/>
+              </a:lnSpc>
+            </a:pPr>
+            <a:r>
+              <a:rPr lang="de-DE" dirty="0"/>
+              <a:t>Verhindere prozedural zentralisierte Verantwortlichkeiten</a:t>
+            </a:r>
+          </a:p>
+          <a:p>
+            <a:pPr marL="838200" lvl="1" indent="-381000">
+              <a:lnSpc>
+                <a:spcPct val="80000"/>
+              </a:lnSpc>
+            </a:pPr>
+            <a:r>
+              <a:rPr lang="de-DE" dirty="0"/>
+              <a:t>Halte Verantwortlichkeiten nah an den Objekten und nicht an deren Nutzern</a:t>
+            </a:r>
+          </a:p>
+          <a:p>
+            <a:pPr marL="419100" indent="-419100">
+              <a:lnSpc>
+                <a:spcPct val="80000"/>
+              </a:lnSpc>
+            </a:pPr>
+            <a:endParaRPr lang="de-DE" dirty="0"/>
+          </a:p>
+          <a:p>
+            <a:pPr marL="419100" indent="-419100">
+              <a:lnSpc>
+                <a:spcPct val="80000"/>
+              </a:lnSpc>
+            </a:pPr>
+            <a:r>
+              <a:rPr lang="de-DE" dirty="0"/>
+              <a:t>Definiere Verantwortlichkeiten so </a:t>
+            </a:r>
+            <a:r>
+              <a:rPr lang="de-DE" i="1" dirty="0">
+                <a:solidFill>
+                  <a:srgbClr val="7F0101"/>
+                </a:solidFill>
+              </a:rPr>
+              <a:t>generell </a:t>
+            </a:r>
+            <a:r>
+              <a:rPr lang="de-DE" dirty="0"/>
+              <a:t>wie möglich</a:t>
+            </a:r>
+          </a:p>
+          <a:p>
+            <a:pPr marL="838200" lvl="1" indent="-381000">
+              <a:lnSpc>
+                <a:spcPct val="80000"/>
+              </a:lnSpc>
+            </a:pPr>
+            <a:r>
+              <a:rPr lang="de-DE" dirty="0"/>
+              <a:t>“</a:t>
+            </a:r>
+            <a:r>
+              <a:rPr lang="de-DE" dirty="0" err="1"/>
+              <a:t>draw</a:t>
+            </a:r>
+            <a:r>
+              <a:rPr lang="de-DE" dirty="0"/>
+              <a:t> </a:t>
+            </a:r>
+            <a:r>
+              <a:rPr lang="de-DE" dirty="0" err="1"/>
+              <a:t>yourself</a:t>
+            </a:r>
+            <a:r>
+              <a:rPr lang="de-DE" dirty="0"/>
+              <a:t>” vs. “</a:t>
+            </a:r>
+            <a:r>
+              <a:rPr lang="de-DE" dirty="0" err="1"/>
+              <a:t>draw</a:t>
+            </a:r>
+            <a:r>
+              <a:rPr lang="de-DE" dirty="0"/>
+              <a:t> a </a:t>
+            </a:r>
+            <a:r>
+              <a:rPr lang="de-DE" dirty="0" err="1"/>
+              <a:t>line</a:t>
+            </a:r>
+            <a:r>
+              <a:rPr lang="de-DE" dirty="0"/>
+              <a:t>/</a:t>
+            </a:r>
+            <a:r>
+              <a:rPr lang="de-DE" dirty="0" err="1"/>
+              <a:t>rectangle</a:t>
+            </a:r>
+            <a:r>
+              <a:rPr lang="de-DE" dirty="0"/>
+              <a:t> etc.”</a:t>
+            </a:r>
+          </a:p>
+          <a:p>
+            <a:pPr marL="838200" lvl="1" indent="-381000">
+              <a:lnSpc>
+                <a:spcPct val="80000"/>
+              </a:lnSpc>
+            </a:pPr>
+            <a:r>
+              <a:rPr lang="de-DE" dirty="0"/>
+              <a:t>Führt zum Teilen</a:t>
+            </a:r>
+          </a:p>
+          <a:p>
+            <a:pPr marL="419100" indent="-419100">
+              <a:lnSpc>
+                <a:spcPct val="80000"/>
+              </a:lnSpc>
+            </a:pPr>
+            <a:endParaRPr lang="de-DE" dirty="0"/>
+          </a:p>
+          <a:p>
+            <a:pPr marL="419100" indent="-419100">
+              <a:lnSpc>
+                <a:spcPct val="80000"/>
+              </a:lnSpc>
+            </a:pPr>
+            <a:r>
+              <a:rPr lang="de-DE" dirty="0"/>
+              <a:t>Halte </a:t>
+            </a:r>
+            <a:r>
+              <a:rPr lang="de-DE" i="1" dirty="0">
+                <a:solidFill>
+                  <a:srgbClr val="7F0101"/>
+                </a:solidFill>
+              </a:rPr>
+              <a:t>Verhalten</a:t>
+            </a:r>
+            <a:r>
+              <a:rPr lang="de-DE" dirty="0"/>
+              <a:t> zusammen mit jedweder </a:t>
+            </a:r>
+            <a:r>
+              <a:rPr lang="de-DE" i="1" dirty="0">
+                <a:solidFill>
+                  <a:srgbClr val="7F0101"/>
+                </a:solidFill>
+              </a:rPr>
+              <a:t>relevanten Information</a:t>
+            </a:r>
+          </a:p>
+          <a:p>
+            <a:pPr marL="838200" lvl="1" indent="-381000">
+              <a:lnSpc>
+                <a:spcPct val="80000"/>
+              </a:lnSpc>
+            </a:pPr>
+            <a:r>
+              <a:rPr lang="de-DE" dirty="0"/>
+              <a:t>Prinzip der Kapselung</a:t>
+            </a:r>
           </a:p>
         </p:txBody>
       </p:sp>
@@ -22839,9 +22976,9 @@
                                           </p:stCondLst>
                                         </p:cTn>
                                         <p:tgtEl>
-                                          <p:spTgt spid="539654">
+                                          <p:spTgt spid="537606">
                                             <p:txEl>
-                                              <p:pRg st="1" end="1"/>
+                                              <p:pRg st="7" end="7"/>
                                             </p:txEl>
                                           </p:spTgt>
                                         </p:tgtEl>
@@ -22857,9 +22994,9 @@
                                       <p:cBhvr>
                                         <p:cTn id="7" dur="1000"/>
                                         <p:tgtEl>
-                                          <p:spTgt spid="539654">
+                                          <p:spTgt spid="537606">
                                             <p:txEl>
-                                              <p:pRg st="1" end="1"/>
+                                              <p:pRg st="7" end="7"/>
                                             </p:txEl>
                                           </p:spTgt>
                                         </p:tgtEl>
@@ -22882,9 +23019,9 @@
                                           </p:stCondLst>
                                         </p:cTn>
                                         <p:tgtEl>
-                                          <p:spTgt spid="539654">
+                                          <p:spTgt spid="537606">
                                             <p:txEl>
-                                              <p:pRg st="2" end="2"/>
+                                              <p:pRg st="8" end="8"/>
                                             </p:txEl>
                                           </p:spTgt>
                                         </p:tgtEl>
@@ -22900,9 +23037,9 @@
                                       <p:cBhvr>
                                         <p:cTn id="10" dur="1000"/>
                                         <p:tgtEl>
-                                          <p:spTgt spid="539654">
+                                          <p:spTgt spid="537606">
                                             <p:txEl>
-                                              <p:pRg st="2" end="2"/>
+                                              <p:pRg st="8" end="8"/>
                                             </p:txEl>
                                           </p:spTgt>
                                         </p:tgtEl>
@@ -22925,9 +23062,9 @@
                                           </p:stCondLst>
                                         </p:cTn>
                                         <p:tgtEl>
-                                          <p:spTgt spid="539654">
+                                          <p:spTgt spid="537606">
                                             <p:txEl>
-                                              <p:pRg st="3" end="3"/>
+                                              <p:pRg st="9" end="9"/>
                                             </p:txEl>
                                           </p:spTgt>
                                         </p:tgtEl>
@@ -22943,52 +23080,9 @@
                                       <p:cBhvr>
                                         <p:cTn id="13" dur="1000"/>
                                         <p:tgtEl>
-                                          <p:spTgt spid="539654">
+                                          <p:spTgt spid="537606">
                                             <p:txEl>
-                                              <p:pRg st="3" end="3"/>
-                                            </p:txEl>
-                                          </p:spTgt>
-                                        </p:tgtEl>
-                                      </p:cBhvr>
-                                    </p:animEffect>
-                                  </p:childTnLst>
-                                </p:cTn>
-                              </p:par>
-                              <p:par>
-                                <p:cTn id="14" presetID="10" presetClass="entr" presetSubtype="0" fill="hold" nodeType="withEffect">
-                                  <p:stCondLst>
-                                    <p:cond delay="0"/>
-                                  </p:stCondLst>
-                                  <p:childTnLst>
-                                    <p:set>
-                                      <p:cBhvr>
-                                        <p:cTn id="15" dur="1" fill="hold">
-                                          <p:stCondLst>
-                                            <p:cond delay="0"/>
-                                          </p:stCondLst>
-                                        </p:cTn>
-                                        <p:tgtEl>
-                                          <p:spTgt spid="539654">
-                                            <p:txEl>
-                                              <p:pRg st="4" end="4"/>
-                                            </p:txEl>
-                                          </p:spTgt>
-                                        </p:tgtEl>
-                                        <p:attrNameLst>
-                                          <p:attrName>style.visibility</p:attrName>
-                                        </p:attrNameLst>
-                                      </p:cBhvr>
-                                      <p:to>
-                                        <p:strVal val="visible"/>
-                                      </p:to>
-                                    </p:set>
-                                    <p:animEffect transition="in" filter="fade">
-                                      <p:cBhvr>
-                                        <p:cTn id="16" dur="1000"/>
-                                        <p:tgtEl>
-                                          <p:spTgt spid="539654">
-                                            <p:txEl>
-                                              <p:pRg st="4" end="4"/>
+                                              <p:pRg st="9" end="9"/>
                                             </p:txEl>
                                           </p:spTgt>
                                         </p:tgtEl>
@@ -23004,19 +23098,62 @@
                     </p:cTn>
                   </p:par>
                   <p:par>
-                    <p:cTn id="17" fill="hold">
+                    <p:cTn id="14" fill="hold">
                       <p:stCondLst>
                         <p:cond delay="indefinite"/>
                       </p:stCondLst>
                       <p:childTnLst>
                         <p:par>
-                          <p:cTn id="18" fill="hold">
+                          <p:cTn id="15" fill="hold">
                             <p:stCondLst>
                               <p:cond delay="0"/>
                             </p:stCondLst>
                             <p:childTnLst>
                               <p:par>
-                                <p:cTn id="19" presetID="10" presetClass="entr" presetSubtype="0" fill="hold" nodeType="clickEffect">
+                                <p:cTn id="16" presetID="10" presetClass="entr" presetSubtype="0" fill="hold" nodeType="clickEffect">
+                                  <p:stCondLst>
+                                    <p:cond delay="0"/>
+                                  </p:stCondLst>
+                                  <p:childTnLst>
+                                    <p:set>
+                                      <p:cBhvr>
+                                        <p:cTn id="17" dur="1" fill="hold">
+                                          <p:stCondLst>
+                                            <p:cond delay="0"/>
+                                          </p:stCondLst>
+                                        </p:cTn>
+                                        <p:tgtEl>
+                                          <p:spTgt spid="537606">
+                                            <p:txEl>
+                                              <p:pRg st="11" end="11"/>
+                                            </p:txEl>
+                                          </p:spTgt>
+                                        </p:tgtEl>
+                                        <p:attrNameLst>
+                                          <p:attrName>style.visibility</p:attrName>
+                                        </p:attrNameLst>
+                                      </p:cBhvr>
+                                      <p:to>
+                                        <p:strVal val="visible"/>
+                                      </p:to>
+                                    </p:set>
+                                    <p:animEffect transition="in" filter="fade">
+                                      <p:cBhvr>
+                                        <p:cTn id="18" dur="1000"/>
+                                        <p:tgtEl>
+                                          <p:spTgt spid="537606">
+                                            <p:txEl>
+                                              <p:pRg st="11" end="11"/>
+                                            </p:txEl>
+                                          </p:spTgt>
+                                        </p:tgtEl>
+                                      </p:cBhvr>
+                                    </p:animEffect>
+                                  </p:childTnLst>
+                                </p:cTn>
+                              </p:par>
+                              <p:par>
+                                <p:cTn id="19" presetID="10" presetClass="entr" presetSubtype="0" fill="hold" nodeType="withEffect">
                                   <p:stCondLst>
                                     <p:cond delay="0"/>
                                   </p:stCondLst>
@@ -23029,9 +23166,9 @@
                                           </p:stCondLst>
                                         </p:cTn>
                                         <p:tgtEl>
-                                          <p:spTgt spid="539654">
+                                          <p:spTgt spid="537606">
                                             <p:txEl>
-                                              <p:pRg st="6" end="6"/>
+                                              <p:pRg st="12" end="12"/>
                                             </p:txEl>
                                           </p:spTgt>
                                         </p:tgtEl>
@@ -23047,52 +23184,9 @@
                                       <p:cBhvr>
                                         <p:cTn id="21" dur="1000"/>
                                         <p:tgtEl>
-                                          <p:spTgt spid="539654">
+                                          <p:spTgt spid="537606">
                                             <p:txEl>
-                                              <p:pRg st="6" end="6"/>
-                                            </p:txEl>
-                                          </p:spTgt>
-                                        </p:tgtEl>
-                                      </p:cBhvr>
-                                    </p:animEffect>
-                                  </p:childTnLst>
-                                </p:cTn>
-                              </p:par>
-                              <p:par>
-                                <p:cTn id="22" presetID="10" presetClass="entr" presetSubtype="0" fill="hold" nodeType="withEffect">
-                                  <p:stCondLst>
-                                    <p:cond delay="0"/>
-                                  </p:stCondLst>
-                                  <p:childTnLst>
-                                    <p:set>
-                                      <p:cBhvr>
-                                        <p:cTn id="23" dur="1" fill="hold">
-                                          <p:stCondLst>
-                                            <p:cond delay="0"/>
-                                          </p:stCondLst>
-                                        </p:cTn>
-                                        <p:tgtEl>
-                                          <p:spTgt spid="539654">
-                                            <p:txEl>
-                                              <p:pRg st="7" end="7"/>
-                                            </p:txEl>
-                                          </p:spTgt>
-                                        </p:tgtEl>
-                                        <p:attrNameLst>
-                                          <p:attrName>style.visibility</p:attrName>
-                                        </p:attrNameLst>
-                                      </p:cBhvr>
-                                      <p:to>
-                                        <p:strVal val="visible"/>
-                                      </p:to>
-                                    </p:set>
-                                    <p:animEffect transition="in" filter="fade">
-                                      <p:cBhvr>
-                                        <p:cTn id="24" dur="1000"/>
-                                        <p:tgtEl>
-                                          <p:spTgt spid="539654">
-                                            <p:txEl>
-                                              <p:pRg st="7" end="7"/>
+                                              <p:pRg st="12" end="12"/>
                                             </p:txEl>
                                           </p:spTgt>
                                         </p:tgtEl>
@@ -23168,8 +23262,13 @@
           <a:p>
             <a:r>
               <a:rPr lang="de-DE" dirty="0"/>
-              <a:t>Beziehungen zwischen Klassen</a:t>
-            </a:r>
+              <a:t>Beziehungen zwischen </a:t>
+            </a:r>
+            <a:r>
+              <a:rPr lang="de-DE" dirty="0" smtClean="0"/>
+              <a:t>Klassen I</a:t>
+            </a:r>
+            <a:endParaRPr lang="de-DE" dirty="0"/>
           </a:p>
         </p:txBody>
       </p:sp>
@@ -23197,8 +23296,12 @@
               <a:buNone/>
             </a:pPr>
             <a:r>
+              <a:rPr lang="de-DE" i="1" dirty="0" smtClean="0"/>
+              <a:t>Weitere </a:t>
+            </a:r>
+            <a:r>
               <a:rPr lang="de-DE" i="1" dirty="0"/>
-              <a:t>Zusätzliche Verantwortlichkeiten können entdeckt werden, indem wir die Beziehungen zwischen Klassen untersuchen:</a:t>
+              <a:t>Verantwortlichkeiten können entdeckt werden, indem wir die Beziehungen zwischen Klassen untersuchen:</a:t>
             </a:r>
           </a:p>
           <a:p>
@@ -23313,7 +23416,15 @@
             </a:r>
             <a:r>
               <a:rPr lang="de-DE" sz="2000" dirty="0"/>
-              <a:t> Tool folgendes tun:</a:t>
+              <a:t> Tool </a:t>
+            </a:r>
+            <a:r>
+              <a:rPr lang="de-DE" sz="2000" dirty="0" smtClean="0"/>
+              <a:t>Folgendes </a:t>
+            </a:r>
+            <a:r>
+              <a:rPr lang="de-DE" sz="2000" dirty="0"/>
+              <a:t>tun:</a:t>
             </a:r>
           </a:p>
           <a:p>
@@ -23427,12 +23538,12 @@
               <a:t>	</a:t>
             </a:r>
             <a:r>
-              <a:rPr lang="de-DE" sz="2000" i="1" dirty="0" err="1">
+              <a:rPr lang="de-DE" sz="2000" i="1" dirty="0" smtClean="0">
                 <a:solidFill>
                   <a:srgbClr val="7F0101"/>
                 </a:solidFill>
               </a:rPr>
-              <a:t>generic</a:t>
+              <a:t>dynamisch</a:t>
             </a:r>
             <a:endParaRPr lang="de-DE" sz="2000" dirty="0"/>
           </a:p>
@@ -23805,8 +23916,13 @@
           <a:p>
             <a:r>
               <a:rPr lang="de-DE" dirty="0"/>
-              <a:t>Beziehungen zwischen Klassen ...</a:t>
-            </a:r>
+              <a:t>Beziehungen zwischen Klassen </a:t>
+            </a:r>
+            <a:r>
+              <a:rPr lang="de-DE" dirty="0" smtClean="0"/>
+              <a:t>II</a:t>
+            </a:r>
+            <a:endParaRPr lang="de-DE" dirty="0"/>
           </a:p>
         </p:txBody>
       </p:sp>
@@ -23955,7 +24071,11 @@
             </a:pPr>
             <a:r>
               <a:rPr lang="de-DE" sz="2000" b="1" i="1" dirty="0"/>
-              <a:t>Schwierigkeiten bei der Zuweisung von Verantwortlichkeiten weisen auf:</a:t>
+              <a:t>Schwierigkeiten bei der </a:t>
+            </a:r>
+            <a:r>
+              <a:rPr lang="de-DE" sz="2000" b="1" i="1" dirty="0" smtClean="0"/>
+              <a:t>Zuweisung:</a:t>
             </a:r>
             <a:endParaRPr lang="de-DE" dirty="0"/>
           </a:p>
@@ -25778,30 +25898,6 @@
       </p:grpSpPr>
       <p:sp>
         <p:nvSpPr>
-          <p:cNvPr id="553989" name="Rectangle 2"/>
-          <p:cNvSpPr>
-            <a:spLocks noGrp="1" noChangeArrowheads="1"/>
-          </p:cNvSpPr>
-          <p:nvPr>
-            <p:ph type="title"/>
-          </p:nvPr>
-        </p:nvSpPr>
-        <p:spPr/>
-        <p:txBody>
-          <a:bodyPr vert="horz" lIns="0" tIns="0" rIns="0" bIns="0" rtlCol="0" anchor="ctr">
-            <a:noAutofit/>
-          </a:bodyPr>
-          <a:lstStyle/>
-          <a:p>
-            <a:r>
-              <a:rPr lang="de-DE" dirty="0"/>
-              <a:t>Auflistung der Kollaborationen</a:t>
-            </a:r>
-          </a:p>
-        </p:txBody>
-      </p:sp>
-      <p:sp>
-        <p:nvSpPr>
           <p:cNvPr id="3" name="Foliennummernplatzhalter 2"/>
           <p:cNvSpPr>
             <a:spLocks noGrp="1"/>
@@ -25838,6 +25934,30 @@
                 </a:prstClr>
               </a:solidFill>
             </a:endParaRPr>
+          </a:p>
+        </p:txBody>
+      </p:sp>
+      <p:sp>
+        <p:nvSpPr>
+          <p:cNvPr id="553989" name="Rectangle 2"/>
+          <p:cNvSpPr>
+            <a:spLocks noGrp="1" noChangeArrowheads="1"/>
+          </p:cNvSpPr>
+          <p:nvPr>
+            <p:ph type="title"/>
+          </p:nvPr>
+        </p:nvSpPr>
+        <p:spPr/>
+        <p:txBody>
+          <a:bodyPr vert="horz" lIns="0" tIns="0" rIns="0" bIns="0" rtlCol="0" anchor="ctr">
+            <a:noAutofit/>
+          </a:bodyPr>
+          <a:lstStyle/>
+          <a:p>
+            <a:r>
+              <a:rPr lang="de-DE" dirty="0"/>
+              <a:t>Auflistung der Kollaborationen</a:t>
+            </a:r>
           </a:p>
         </p:txBody>
       </p:sp>
@@ -26694,6 +26814,13 @@
   <p:clrMapOvr>
     <a:masterClrMapping/>
   </p:clrMapOvr>
+  <p:timing>
+    <p:tnLst>
+      <p:par>
+        <p:cTn id="1" dur="indefinite" restart="never" nodeType="tmRoot"/>
+      </p:par>
+    </p:tnLst>
+  </p:timing>
 </p:sld>
 </file>
 
@@ -26962,6 +27089,13 @@
   <p:clrMapOvr>
     <a:masterClrMapping/>
   </p:clrMapOvr>
+  <p:timing>
+    <p:tnLst>
+      <p:par>
+        <p:cTn id="1" dur="indefinite" restart="never" nodeType="tmRoot"/>
+      </p:par>
+    </p:tnLst>
+  </p:timing>
 </p:sld>
 </file>
 
@@ -27569,12 +27703,7 @@
             <p:ph idx="1"/>
           </p:nvPr>
         </p:nvSpPr>
-        <p:spPr>
-          <a:xfrm>
-            <a:off x="1981200" y="1829916"/>
-            <a:ext cx="8651304" cy="5127476"/>
-          </a:xfrm>
-        </p:spPr>
+        <p:spPr/>
         <p:txBody>
           <a:bodyPr vert="horz" lIns="0" tIns="0" rIns="0" bIns="0" rtlCol="0">
             <a:normAutofit/>
@@ -27679,8 +27808,8 @@
         </p:blipFill>
         <p:spPr bwMode="auto">
           <a:xfrm>
-            <a:off x="3124200" y="2978944"/>
-            <a:ext cx="5791200" cy="2754313"/>
+            <a:off x="2305608" y="3218908"/>
+            <a:ext cx="7318784" cy="3480837"/>
           </a:xfrm>
           <a:prstGeom prst="rect">
             <a:avLst/>
@@ -27791,7 +27920,7 @@
         </p:nvSpPr>
         <p:spPr bwMode="auto">
           <a:xfrm>
-            <a:off x="5735960" y="5968409"/>
+            <a:off x="6672064" y="3744466"/>
             <a:ext cx="4721696" cy="685800"/>
           </a:xfrm>
           <a:prstGeom prst="foldedCorner">
@@ -27800,7 +27929,7 @@
             </a:avLst>
           </a:prstGeom>
           <a:solidFill>
-            <a:srgbClr val="00B0F0"/>
+            <a:srgbClr val="FFC90E"/>
           </a:solidFill>
           <a:ln w="9525">
             <a:solidFill>
@@ -27828,18 +27957,38 @@
               <a:buSzPct val="85000"/>
             </a:pPr>
             <a:r>
-              <a:rPr lang="de-DE" b="0" i="1" dirty="0">
-                <a:solidFill>
-                  <a:srgbClr val="7F0101"/>
+              <a:rPr lang="de-DE" dirty="0">
+                <a:solidFill>
+                  <a:srgbClr val="AB9DDB"/>
                 </a:solidFill>
                 <a:latin typeface="Helvetica" pitchFamily="34" charset="0"/>
                 <a:ea typeface="ＭＳ Ｐゴシック" pitchFamily="34" charset="-128"/>
               </a:rPr>
-              <a:t>Vorsicht vor zu voreiliger Klassifizierung! Eure Hierarchie wird evolvieren!</a:t>
-            </a:r>
-            <a:endParaRPr lang="de-DE" sz="2400" b="0" dirty="0">
+              <a:t>Vorsicht vor zu voreiliger Klassifizierung! </a:t>
+            </a:r>
+            <a:r>
+              <a:rPr lang="de-DE" dirty="0" smtClean="0">
+                <a:solidFill>
+                  <a:srgbClr val="AB9DDB"/>
+                </a:solidFill>
+                <a:latin typeface="Helvetica" pitchFamily="34" charset="0"/>
+                <a:ea typeface="ＭＳ Ｐゴシック" pitchFamily="34" charset="-128"/>
+              </a:rPr>
+              <a:t>Die </a:t>
+            </a:r>
+            <a:r>
+              <a:rPr lang="de-DE" dirty="0">
+                <a:solidFill>
+                  <a:srgbClr val="AB9DDB"/>
+                </a:solidFill>
+                <a:latin typeface="Helvetica" pitchFamily="34" charset="0"/>
+                <a:ea typeface="ＭＳ Ｐゴシック" pitchFamily="34" charset="-128"/>
+              </a:rPr>
+              <a:t>Hierarchie wird evolvieren!</a:t>
+            </a:r>
+            <a:endParaRPr lang="de-DE" sz="2400" dirty="0">
               <a:solidFill>
-                <a:schemeClr val="tx1"/>
+                <a:srgbClr val="AB9DDB"/>
               </a:solidFill>
               <a:latin typeface="Helvetica" pitchFamily="34" charset="0"/>
               <a:ea typeface="ＭＳ Ｐゴシック" pitchFamily="34" charset="-128"/>
@@ -28142,217 +28291,6 @@
           <a:chExt cx="0" cy="0"/>
         </a:xfrm>
       </p:grpSpPr>
-      <p:sp>
-        <p:nvSpPr>
-          <p:cNvPr id="560133" name="Rectangle 2"/>
-          <p:cNvSpPr>
-            <a:spLocks noGrp="1" noChangeArrowheads="1"/>
-          </p:cNvSpPr>
-          <p:nvPr>
-            <p:ph type="title"/>
-          </p:nvPr>
-        </p:nvSpPr>
-        <p:spPr/>
-        <p:txBody>
-          <a:bodyPr vert="horz" lIns="0" tIns="0" rIns="0" bIns="0" rtlCol="0" anchor="ctr">
-            <a:noAutofit/>
-          </a:bodyPr>
-          <a:lstStyle/>
-          <a:p>
-            <a:r>
-              <a:rPr lang="de-DE" dirty="0"/>
-              <a:t>Teilen von Verantwortlichkeiten</a:t>
-            </a:r>
-          </a:p>
-        </p:txBody>
-      </p:sp>
-      <p:sp>
-        <p:nvSpPr>
-          <p:cNvPr id="560134" name="Rectangle 3"/>
-          <p:cNvSpPr>
-            <a:spLocks noGrp="1" noChangeArrowheads="1"/>
-          </p:cNvSpPr>
-          <p:nvPr>
-            <p:ph idx="1"/>
-          </p:nvPr>
-        </p:nvSpPr>
-        <p:spPr>
-          <a:xfrm>
-            <a:off x="1981200" y="1600200"/>
-            <a:ext cx="5482952" cy="5127476"/>
-          </a:xfrm>
-        </p:spPr>
-        <p:txBody>
-          <a:bodyPr vert="horz" lIns="0" tIns="0" rIns="0" bIns="0" rtlCol="0">
-            <a:normAutofit/>
-          </a:bodyPr>
-          <a:lstStyle/>
-          <a:p>
-            <a:pPr marL="0" indent="0">
-              <a:lnSpc>
-                <a:spcPct val="90000"/>
-              </a:lnSpc>
-              <a:buNone/>
-            </a:pPr>
-            <a:r>
-              <a:rPr lang="de-DE" u="sng" dirty="0"/>
-              <a:t>Konkreten Klassen</a:t>
-            </a:r>
-            <a:r>
-              <a:rPr lang="de-DE" dirty="0"/>
-              <a:t> kann man instanziieren und von ihnen erben.</a:t>
-            </a:r>
-          </a:p>
-          <a:p>
-            <a:pPr marL="0" indent="0">
-              <a:lnSpc>
-                <a:spcPct val="90000"/>
-              </a:lnSpc>
-              <a:buNone/>
-            </a:pPr>
-            <a:r>
-              <a:rPr lang="de-DE" dirty="0"/>
-              <a:t>Von </a:t>
-            </a:r>
-            <a:r>
-              <a:rPr lang="de-DE" u="sng" dirty="0"/>
-              <a:t>abstrakten Klassen</a:t>
-            </a:r>
-            <a:r>
-              <a:rPr lang="de-DE" dirty="0"/>
-              <a:t> kann man nur erben.</a:t>
-            </a:r>
-          </a:p>
-          <a:p>
-            <a:pPr marL="0" indent="0">
-              <a:lnSpc>
-                <a:spcPct val="90000"/>
-              </a:lnSpc>
-              <a:buNone/>
-            </a:pPr>
-            <a:endParaRPr lang="de-DE" dirty="0"/>
-          </a:p>
-          <a:p>
-            <a:pPr marL="0" indent="0">
-              <a:lnSpc>
-                <a:spcPct val="90000"/>
-              </a:lnSpc>
-              <a:buNone/>
-            </a:pPr>
-            <a:r>
-              <a:rPr lang="de-DE" i="1" dirty="0">
-                <a:solidFill>
-                  <a:srgbClr val="7F0101"/>
-                </a:solidFill>
-              </a:rPr>
-              <a:t>Notiere Abstraktheit in Klassendiagrammen.</a:t>
-            </a:r>
-          </a:p>
-          <a:p>
-            <a:pPr marL="0" indent="0">
-              <a:lnSpc>
-                <a:spcPct val="90000"/>
-              </a:lnSpc>
-              <a:buNone/>
-            </a:pPr>
-            <a:endParaRPr lang="de-DE" dirty="0"/>
-          </a:p>
-          <a:p>
-            <a:pPr marL="0" indent="0">
-              <a:lnSpc>
-                <a:spcPct val="90000"/>
-              </a:lnSpc>
-              <a:buNone/>
-            </a:pPr>
-            <a:r>
-              <a:rPr lang="de-DE" i="1" dirty="0" err="1">
-                <a:solidFill>
-                  <a:srgbClr val="7F0101"/>
-                </a:solidFill>
-              </a:rPr>
-              <a:t>Venn</a:t>
-            </a:r>
-            <a:r>
-              <a:rPr lang="de-DE" i="1" dirty="0">
-                <a:solidFill>
-                  <a:srgbClr val="7F0101"/>
-                </a:solidFill>
-              </a:rPr>
-              <a:t> </a:t>
-            </a:r>
-            <a:r>
-              <a:rPr lang="de-DE" i="1" dirty="0" err="1">
-                <a:solidFill>
-                  <a:srgbClr val="7F0101"/>
-                </a:solidFill>
-              </a:rPr>
-              <a:t>Diagrams</a:t>
-            </a:r>
-            <a:r>
-              <a:rPr lang="de-DE" dirty="0"/>
-              <a:t> können für die Visualisierung von geteilten Verantwortlichkeiten verwendet werden.</a:t>
-            </a:r>
-          </a:p>
-          <a:p>
-            <a:pPr marL="0" indent="0">
-              <a:lnSpc>
-                <a:spcPct val="90000"/>
-              </a:lnSpc>
-              <a:buNone/>
-            </a:pPr>
-            <a:r>
-              <a:rPr lang="de-DE" i="1" dirty="0">
-                <a:solidFill>
-                  <a:srgbClr val="7F0101"/>
-                </a:solidFill>
-              </a:rPr>
-              <a:t>(Achtung: nicht Teil von UML!)</a:t>
-            </a:r>
-            <a:endParaRPr lang="de-DE" dirty="0"/>
-          </a:p>
-        </p:txBody>
-      </p:sp>
-      <p:sp>
-        <p:nvSpPr>
-          <p:cNvPr id="2" name="Foliennummernplatzhalter 1"/>
-          <p:cNvSpPr>
-            <a:spLocks noGrp="1"/>
-          </p:cNvSpPr>
-          <p:nvPr>
-            <p:ph type="sldNum" sz="quarter" idx="12"/>
-          </p:nvPr>
-        </p:nvSpPr>
-        <p:spPr/>
-        <p:txBody>
-          <a:bodyPr/>
-          <a:lstStyle/>
-          <a:p>
-            <a:pPr>
-              <a:defRPr/>
-            </a:pPr>
-            <a:fld id="{C0B85308-4B91-4084-B5EB-6B176834447A}" type="slidenum">
-              <a:rPr lang="de-DE" smtClean="0">
-                <a:solidFill>
-                  <a:prstClr val="black">
-                    <a:tint val="75000"/>
-                  </a:prstClr>
-                </a:solidFill>
-              </a:rPr>
-              <a:pPr>
-                <a:defRPr/>
-              </a:pPr>
-              <a:t>41</a:t>
-            </a:fld>
-            <a:endParaRPr lang="de-DE">
-              <a:solidFill>
-                <a:prstClr val="black">
-                  <a:tint val="75000"/>
-                </a:prstClr>
-              </a:solidFill>
-            </a:endParaRPr>
-          </a:p>
-        </p:txBody>
-      </p:sp>
       <p:pic>
         <p:nvPicPr>
           <p:cNvPr id="560135" name="Picture 4"/>
@@ -28376,7 +28314,7 @@
         </p:blipFill>
         <p:spPr bwMode="auto">
           <a:xfrm>
-            <a:off x="7004051" y="1772816"/>
+            <a:off x="8400256" y="2276872"/>
             <a:ext cx="3656013" cy="4114800"/>
           </a:xfrm>
           <a:prstGeom prst="rect">
@@ -28407,6 +28345,216 @@
           </a:extLst>
         </p:spPr>
       </p:pic>
+      <p:sp>
+        <p:nvSpPr>
+          <p:cNvPr id="560133" name="Rectangle 2"/>
+          <p:cNvSpPr>
+            <a:spLocks noGrp="1" noChangeArrowheads="1"/>
+          </p:cNvSpPr>
+          <p:nvPr>
+            <p:ph type="title"/>
+          </p:nvPr>
+        </p:nvSpPr>
+        <p:spPr/>
+        <p:txBody>
+          <a:bodyPr vert="horz" lIns="0" tIns="0" rIns="0" bIns="0" rtlCol="0" anchor="ctr">
+            <a:noAutofit/>
+          </a:bodyPr>
+          <a:lstStyle/>
+          <a:p>
+            <a:r>
+              <a:rPr lang="de-DE" dirty="0"/>
+              <a:t>Teilen von Verantwortlichkeiten</a:t>
+            </a:r>
+          </a:p>
+        </p:txBody>
+      </p:sp>
+      <p:sp>
+        <p:nvSpPr>
+          <p:cNvPr id="560134" name="Rectangle 3"/>
+          <p:cNvSpPr>
+            <a:spLocks noGrp="1" noChangeArrowheads="1"/>
+          </p:cNvSpPr>
+          <p:nvPr>
+            <p:ph idx="1"/>
+          </p:nvPr>
+        </p:nvSpPr>
+        <p:spPr/>
+        <p:txBody>
+          <a:bodyPr vert="horz" lIns="0" tIns="0" rIns="0" bIns="0" rtlCol="0">
+            <a:normAutofit/>
+          </a:bodyPr>
+          <a:lstStyle/>
+          <a:p>
+            <a:pPr marL="0" indent="0">
+              <a:lnSpc>
+                <a:spcPct val="90000"/>
+              </a:lnSpc>
+              <a:buNone/>
+            </a:pPr>
+            <a:r>
+              <a:rPr lang="de-DE" u="sng" dirty="0"/>
+              <a:t>Konkreten Klassen</a:t>
+            </a:r>
+            <a:r>
+              <a:rPr lang="de-DE" dirty="0"/>
+              <a:t> kann man instanziieren und von ihnen erben.</a:t>
+            </a:r>
+          </a:p>
+          <a:p>
+            <a:pPr marL="0" indent="0">
+              <a:lnSpc>
+                <a:spcPct val="90000"/>
+              </a:lnSpc>
+              <a:buNone/>
+            </a:pPr>
+            <a:r>
+              <a:rPr lang="de-DE" dirty="0"/>
+              <a:t>Von </a:t>
+            </a:r>
+            <a:r>
+              <a:rPr lang="de-DE" u="sng" dirty="0"/>
+              <a:t>abstrakten Klassen</a:t>
+            </a:r>
+            <a:r>
+              <a:rPr lang="de-DE" dirty="0"/>
+              <a:t> kann man nur erben.</a:t>
+            </a:r>
+          </a:p>
+          <a:p>
+            <a:pPr marL="0" indent="0">
+              <a:lnSpc>
+                <a:spcPct val="90000"/>
+              </a:lnSpc>
+              <a:buNone/>
+            </a:pPr>
+            <a:endParaRPr lang="de-DE" dirty="0"/>
+          </a:p>
+          <a:p>
+            <a:pPr marL="0" indent="0">
+              <a:lnSpc>
+                <a:spcPct val="90000"/>
+              </a:lnSpc>
+              <a:buNone/>
+            </a:pPr>
+            <a:r>
+              <a:rPr lang="de-DE" i="1" dirty="0">
+                <a:solidFill>
+                  <a:srgbClr val="7F0101"/>
+                </a:solidFill>
+              </a:rPr>
+              <a:t>Notiere Abstraktheit in Klassendiagrammen.</a:t>
+            </a:r>
+          </a:p>
+          <a:p>
+            <a:pPr marL="0" indent="0">
+              <a:lnSpc>
+                <a:spcPct val="90000"/>
+              </a:lnSpc>
+              <a:buNone/>
+            </a:pPr>
+            <a:endParaRPr lang="de-DE" dirty="0"/>
+          </a:p>
+          <a:p>
+            <a:pPr marL="0" indent="0">
+              <a:lnSpc>
+                <a:spcPct val="90000"/>
+              </a:lnSpc>
+              <a:buNone/>
+            </a:pPr>
+            <a:r>
+              <a:rPr lang="de-DE" i="1" dirty="0" err="1">
+                <a:solidFill>
+                  <a:srgbClr val="7F0101"/>
+                </a:solidFill>
+              </a:rPr>
+              <a:t>Venn</a:t>
+            </a:r>
+            <a:r>
+              <a:rPr lang="de-DE" i="1" dirty="0">
+                <a:solidFill>
+                  <a:srgbClr val="7F0101"/>
+                </a:solidFill>
+              </a:rPr>
+              <a:t> </a:t>
+            </a:r>
+            <a:r>
+              <a:rPr lang="de-DE" i="1" dirty="0" smtClean="0">
+                <a:solidFill>
+                  <a:srgbClr val="7F0101"/>
+                </a:solidFill>
+              </a:rPr>
+              <a:t>Diagramme</a:t>
+            </a:r>
+            <a:r>
+              <a:rPr lang="de-DE" dirty="0" smtClean="0"/>
+              <a:t> </a:t>
+            </a:r>
+            <a:r>
+              <a:rPr lang="de-DE" dirty="0"/>
+              <a:t>können für die Visualisierung von geteilten Verantwortlichkeiten verwendet werden.</a:t>
+            </a:r>
+          </a:p>
+          <a:p>
+            <a:pPr marL="0" indent="0">
+              <a:lnSpc>
+                <a:spcPct val="90000"/>
+              </a:lnSpc>
+              <a:buNone/>
+            </a:pPr>
+            <a:r>
+              <a:rPr lang="de-DE" i="1" dirty="0">
+                <a:solidFill>
+                  <a:srgbClr val="7F0101"/>
+                </a:solidFill>
+              </a:rPr>
+              <a:t>(Achtung: nicht Teil von UML!)</a:t>
+            </a:r>
+            <a:endParaRPr lang="de-DE" dirty="0"/>
+          </a:p>
+        </p:txBody>
+      </p:sp>
+      <p:sp>
+        <p:nvSpPr>
+          <p:cNvPr id="2" name="Foliennummernplatzhalter 1"/>
+          <p:cNvSpPr>
+            <a:spLocks noGrp="1"/>
+          </p:cNvSpPr>
+          <p:nvPr>
+            <p:ph type="sldNum" sz="quarter" idx="12"/>
+          </p:nvPr>
+        </p:nvSpPr>
+        <p:spPr/>
+        <p:txBody>
+          <a:bodyPr/>
+          <a:lstStyle/>
+          <a:p>
+            <a:pPr>
+              <a:defRPr/>
+            </a:pPr>
+            <a:fld id="{C0B85308-4B91-4084-B5EB-6B176834447A}" type="slidenum">
+              <a:rPr lang="de-DE" smtClean="0">
+                <a:solidFill>
+                  <a:prstClr val="black">
+                    <a:tint val="75000"/>
+                  </a:prstClr>
+                </a:solidFill>
+              </a:rPr>
+              <a:pPr>
+                <a:defRPr/>
+              </a:pPr>
+              <a:t>41</a:t>
+            </a:fld>
+            <a:endParaRPr lang="de-DE">
+              <a:solidFill>
+                <a:prstClr val="black">
+                  <a:tint val="75000"/>
+                </a:prstClr>
+              </a:solidFill>
+            </a:endParaRPr>
+          </a:p>
+        </p:txBody>
+      </p:sp>
     </p:spTree>
   </p:cSld>
   <p:clrMapOvr>
@@ -28627,187 +28775,6 @@
           <a:chExt cx="0" cy="0"/>
         </a:xfrm>
       </p:grpSpPr>
-      <p:sp>
-        <p:nvSpPr>
-          <p:cNvPr id="562181" name="Rectangle 2"/>
-          <p:cNvSpPr>
-            <a:spLocks noGrp="1" noChangeArrowheads="1"/>
-          </p:cNvSpPr>
-          <p:nvPr>
-            <p:ph type="title"/>
-          </p:nvPr>
-        </p:nvSpPr>
-        <p:spPr/>
-        <p:txBody>
-          <a:bodyPr vert="horz" lIns="0" tIns="0" rIns="0" bIns="0" rtlCol="0" anchor="ctr">
-            <a:noAutofit/>
-          </a:bodyPr>
-          <a:lstStyle/>
-          <a:p>
-            <a:r>
-              <a:rPr lang="de-DE" dirty="0"/>
-              <a:t>Mehrfachvererbung</a:t>
-            </a:r>
-          </a:p>
-        </p:txBody>
-      </p:sp>
-      <p:sp>
-        <p:nvSpPr>
-          <p:cNvPr id="562182" name="Rectangle 3"/>
-          <p:cNvSpPr>
-            <a:spLocks noGrp="1" noChangeArrowheads="1"/>
-          </p:cNvSpPr>
-          <p:nvPr>
-            <p:ph idx="1"/>
-          </p:nvPr>
-        </p:nvSpPr>
-        <p:spPr>
-          <a:xfrm>
-            <a:off x="1981200" y="1600200"/>
-            <a:ext cx="4258816" cy="5127476"/>
-          </a:xfrm>
-        </p:spPr>
-        <p:txBody>
-          <a:bodyPr vert="horz" lIns="0" tIns="0" rIns="0" bIns="0" rtlCol="0">
-            <a:normAutofit/>
-          </a:bodyPr>
-          <a:lstStyle/>
-          <a:p>
-            <a:pPr marL="0" indent="0">
-              <a:buNone/>
-            </a:pPr>
-            <a:r>
-              <a:rPr lang="de-DE" dirty="0"/>
-              <a:t>Bestimme, ob eine Klasse </a:t>
-            </a:r>
-            <a:r>
-              <a:rPr lang="de-DE" i="1" dirty="0">
-                <a:solidFill>
-                  <a:srgbClr val="7F0101"/>
-                </a:solidFill>
-              </a:rPr>
-              <a:t>instanziiert</a:t>
-            </a:r>
-            <a:r>
-              <a:rPr lang="de-DE" dirty="0"/>
-              <a:t> wird, um zu entscheiden ob sie </a:t>
-            </a:r>
-            <a:r>
-              <a:rPr lang="de-DE" i="1" dirty="0">
-                <a:solidFill>
-                  <a:srgbClr val="7F0101"/>
-                </a:solidFill>
-              </a:rPr>
-              <a:t>abstrakt oder konkret </a:t>
-            </a:r>
-            <a:r>
-              <a:rPr lang="de-DE" dirty="0"/>
-              <a:t>ist.</a:t>
-            </a:r>
-          </a:p>
-          <a:p>
-            <a:pPr marL="0" indent="0">
-              <a:buNone/>
-            </a:pPr>
-            <a:endParaRPr lang="de-DE" dirty="0"/>
-          </a:p>
-          <a:p>
-            <a:pPr marL="0" indent="0">
-              <a:buNone/>
-            </a:pPr>
-            <a:r>
-              <a:rPr lang="de-DE" dirty="0"/>
-              <a:t>Verantwortlichkeiten von Subklassen sind  </a:t>
-            </a:r>
-            <a:r>
-              <a:rPr lang="de-DE" i="1" dirty="0">
-                <a:solidFill>
-                  <a:srgbClr val="7F0101"/>
-                </a:solidFill>
-              </a:rPr>
-              <a:t>größer</a:t>
-            </a:r>
-            <a:r>
-              <a:rPr lang="de-DE" dirty="0"/>
-              <a:t> als diese von </a:t>
-            </a:r>
-            <a:r>
-              <a:rPr lang="de-DE" i="1" dirty="0">
-                <a:solidFill>
-                  <a:srgbClr val="7F0101"/>
-                </a:solidFill>
-              </a:rPr>
-              <a:t>Oberklassen.</a:t>
-            </a:r>
-            <a:endParaRPr lang="de-DE" dirty="0"/>
-          </a:p>
-          <a:p>
-            <a:pPr marL="0" indent="0">
-              <a:buNone/>
-            </a:pPr>
-            <a:endParaRPr lang="de-DE" dirty="0"/>
-          </a:p>
-          <a:p>
-            <a:pPr marL="0" indent="0">
-              <a:buNone/>
-            </a:pPr>
-            <a:r>
-              <a:rPr lang="de-DE" dirty="0"/>
-              <a:t>Überschneidungen repräsentieren </a:t>
-            </a:r>
-            <a:r>
-              <a:rPr lang="de-DE" i="1" dirty="0">
-                <a:solidFill>
-                  <a:srgbClr val="7F0101"/>
-                </a:solidFill>
-              </a:rPr>
-              <a:t>gemeinsame Oberklassen.</a:t>
-            </a:r>
-            <a:endParaRPr lang="de-DE" dirty="0"/>
-          </a:p>
-        </p:txBody>
-      </p:sp>
-      <p:sp>
-        <p:nvSpPr>
-          <p:cNvPr id="2" name="Foliennummernplatzhalter 1"/>
-          <p:cNvSpPr>
-            <a:spLocks noGrp="1"/>
-          </p:cNvSpPr>
-          <p:nvPr>
-            <p:ph type="sldNum" sz="quarter" idx="12"/>
-          </p:nvPr>
-        </p:nvSpPr>
-        <p:spPr/>
-        <p:txBody>
-          <a:bodyPr/>
-          <a:lstStyle/>
-          <a:p>
-            <a:pPr>
-              <a:defRPr/>
-            </a:pPr>
-            <a:fld id="{C0B85308-4B91-4084-B5EB-6B176834447A}" type="slidenum">
-              <a:rPr lang="de-DE" smtClean="0">
-                <a:solidFill>
-                  <a:prstClr val="black">
-                    <a:tint val="75000"/>
-                  </a:prstClr>
-                </a:solidFill>
-              </a:rPr>
-              <a:pPr>
-                <a:defRPr/>
-              </a:pPr>
-              <a:t>42</a:t>
-            </a:fld>
-            <a:endParaRPr lang="de-DE">
-              <a:solidFill>
-                <a:prstClr val="black">
-                  <a:tint val="75000"/>
-                </a:prstClr>
-              </a:solidFill>
-            </a:endParaRPr>
-          </a:p>
-        </p:txBody>
-      </p:sp>
       <p:pic>
         <p:nvPicPr>
           <p:cNvPr id="562183" name="Picture 4"/>
@@ -28831,7 +28798,7 @@
         </p:blipFill>
         <p:spPr bwMode="auto">
           <a:xfrm>
-            <a:off x="5794946" y="1524000"/>
+            <a:off x="7032104" y="1628800"/>
             <a:ext cx="4981575" cy="4991100"/>
           </a:xfrm>
           <a:prstGeom prst="rect">
@@ -28862,11 +28829,220 @@
           </a:extLst>
         </p:spPr>
       </p:pic>
+      <p:sp>
+        <p:nvSpPr>
+          <p:cNvPr id="562181" name="Rectangle 2"/>
+          <p:cNvSpPr>
+            <a:spLocks noGrp="1" noChangeArrowheads="1"/>
+          </p:cNvSpPr>
+          <p:nvPr>
+            <p:ph type="title"/>
+          </p:nvPr>
+        </p:nvSpPr>
+        <p:spPr/>
+        <p:txBody>
+          <a:bodyPr vert="horz" lIns="0" tIns="0" rIns="0" bIns="0" rtlCol="0" anchor="ctr">
+            <a:noAutofit/>
+          </a:bodyPr>
+          <a:lstStyle/>
+          <a:p>
+            <a:r>
+              <a:rPr lang="de-DE" dirty="0"/>
+              <a:t>Mehrfachvererbung</a:t>
+            </a:r>
+          </a:p>
+        </p:txBody>
+      </p:sp>
+      <p:sp>
+        <p:nvSpPr>
+          <p:cNvPr id="562182" name="Rectangle 3"/>
+          <p:cNvSpPr>
+            <a:spLocks noGrp="1" noChangeArrowheads="1"/>
+          </p:cNvSpPr>
+          <p:nvPr>
+            <p:ph idx="1"/>
+          </p:nvPr>
+        </p:nvSpPr>
+        <p:spPr>
+          <a:xfrm>
+            <a:off x="1631504" y="2132856"/>
+            <a:ext cx="5688632" cy="4594820"/>
+          </a:xfrm>
+        </p:spPr>
+        <p:txBody>
+          <a:bodyPr vert="horz" lIns="0" tIns="0" rIns="0" bIns="0" rtlCol="0">
+            <a:normAutofit/>
+          </a:bodyPr>
+          <a:lstStyle/>
+          <a:p>
+            <a:pPr marL="0" indent="0">
+              <a:buNone/>
+            </a:pPr>
+            <a:r>
+              <a:rPr lang="de-DE" dirty="0"/>
+              <a:t>Bestimme, ob eine Klasse </a:t>
+            </a:r>
+            <a:r>
+              <a:rPr lang="de-DE" i="1" dirty="0">
+                <a:solidFill>
+                  <a:srgbClr val="7F0101"/>
+                </a:solidFill>
+              </a:rPr>
+              <a:t>instanziiert</a:t>
+            </a:r>
+            <a:r>
+              <a:rPr lang="de-DE" dirty="0"/>
+              <a:t> wird, um zu entscheiden ob sie </a:t>
+            </a:r>
+            <a:r>
+              <a:rPr lang="de-DE" i="1" dirty="0">
+                <a:solidFill>
+                  <a:srgbClr val="7F0101"/>
+                </a:solidFill>
+              </a:rPr>
+              <a:t>abstrakt oder konkret </a:t>
+            </a:r>
+            <a:r>
+              <a:rPr lang="de-DE" dirty="0"/>
+              <a:t>ist.</a:t>
+            </a:r>
+          </a:p>
+          <a:p>
+            <a:pPr marL="0" indent="0">
+              <a:buNone/>
+            </a:pPr>
+            <a:endParaRPr lang="de-DE" dirty="0" smtClean="0"/>
+          </a:p>
+          <a:p>
+            <a:pPr marL="0" indent="0">
+              <a:buNone/>
+            </a:pPr>
+            <a:endParaRPr lang="de-DE" dirty="0"/>
+          </a:p>
+          <a:p>
+            <a:pPr marL="0" indent="0">
+              <a:buNone/>
+            </a:pPr>
+            <a:r>
+              <a:rPr lang="de-DE" dirty="0"/>
+              <a:t>Verantwortlichkeiten von Subklassen sind  </a:t>
+            </a:r>
+            <a:r>
+              <a:rPr lang="de-DE" i="1" dirty="0">
+                <a:solidFill>
+                  <a:srgbClr val="7F0101"/>
+                </a:solidFill>
+              </a:rPr>
+              <a:t>größer</a:t>
+            </a:r>
+            <a:r>
+              <a:rPr lang="de-DE" dirty="0"/>
+              <a:t> als </a:t>
+            </a:r>
+            <a:r>
+              <a:rPr lang="de-DE" dirty="0" smtClean="0"/>
+              <a:t>von </a:t>
+            </a:r>
+            <a:r>
+              <a:rPr lang="de-DE" i="1" dirty="0">
+                <a:solidFill>
+                  <a:srgbClr val="7F0101"/>
+                </a:solidFill>
+              </a:rPr>
+              <a:t>Oberklassen</a:t>
+            </a:r>
+            <a:r>
+              <a:rPr lang="de-DE" i="1" dirty="0" smtClean="0">
+                <a:solidFill>
+                  <a:srgbClr val="7F0101"/>
+                </a:solidFill>
+              </a:rPr>
+              <a:t>.</a:t>
+            </a:r>
+          </a:p>
+          <a:p>
+            <a:pPr marL="0" indent="0">
+              <a:buNone/>
+            </a:pPr>
+            <a:endParaRPr lang="de-DE" dirty="0"/>
+          </a:p>
+          <a:p>
+            <a:pPr marL="0" indent="0">
+              <a:buNone/>
+            </a:pPr>
+            <a:r>
+              <a:rPr lang="de-DE" dirty="0" smtClean="0"/>
+              <a:t>Überschneidungen </a:t>
+            </a:r>
+            <a:r>
+              <a:rPr lang="de-DE" dirty="0"/>
+              <a:t>repräsentieren </a:t>
+            </a:r>
+            <a:r>
+              <a:rPr lang="de-DE" i="1" dirty="0">
+                <a:solidFill>
+                  <a:srgbClr val="7F0101"/>
+                </a:solidFill>
+              </a:rPr>
+              <a:t>gemeinsame Oberklassen.</a:t>
+            </a:r>
+            <a:endParaRPr lang="de-DE" dirty="0"/>
+          </a:p>
+        </p:txBody>
+      </p:sp>
+      <p:sp>
+        <p:nvSpPr>
+          <p:cNvPr id="2" name="Foliennummernplatzhalter 1"/>
+          <p:cNvSpPr>
+            <a:spLocks noGrp="1"/>
+          </p:cNvSpPr>
+          <p:nvPr>
+            <p:ph type="sldNum" sz="quarter" idx="12"/>
+          </p:nvPr>
+        </p:nvSpPr>
+        <p:spPr/>
+        <p:txBody>
+          <a:bodyPr/>
+          <a:lstStyle/>
+          <a:p>
+            <a:pPr>
+              <a:defRPr/>
+            </a:pPr>
+            <a:fld id="{C0B85308-4B91-4084-B5EB-6B176834447A}" type="slidenum">
+              <a:rPr lang="de-DE" smtClean="0">
+                <a:solidFill>
+                  <a:prstClr val="black">
+                    <a:tint val="75000"/>
+                  </a:prstClr>
+                </a:solidFill>
+              </a:rPr>
+              <a:pPr>
+                <a:defRPr/>
+              </a:pPr>
+              <a:t>42</a:t>
+            </a:fld>
+            <a:endParaRPr lang="de-DE">
+              <a:solidFill>
+                <a:prstClr val="black">
+                  <a:tint val="75000"/>
+                </a:prstClr>
+              </a:solidFill>
+            </a:endParaRPr>
+          </a:p>
+        </p:txBody>
+      </p:sp>
     </p:spTree>
   </p:cSld>
   <p:clrMapOvr>
     <a:masterClrMapping/>
   </p:clrMapOvr>
+  <p:timing>
+    <p:tnLst>
+      <p:par>
+        <p:cTn id="1" dur="indefinite" restart="never" nodeType="tmRoot"/>
+      </p:par>
+    </p:tnLst>
+  </p:timing>
 </p:sld>
 </file>
 
@@ -28906,8 +29082,13 @@
           <a:p>
             <a:r>
               <a:rPr lang="de-DE" dirty="0"/>
-              <a:t>Entwerfen von Guten Hierarchien</a:t>
-            </a:r>
+              <a:t>Entwerfen von Guten </a:t>
+            </a:r>
+            <a:r>
+              <a:rPr lang="de-DE" dirty="0" smtClean="0"/>
+              <a:t>Hierarchien I</a:t>
+            </a:r>
+            <a:endParaRPr lang="de-DE" dirty="0"/>
           </a:p>
         </p:txBody>
       </p:sp>
@@ -29232,8 +29413,13 @@
             </a:r>
             <a:r>
               <a:rPr lang="en-US" dirty="0"/>
-              <a:t> …</a:t>
-            </a:r>
+              <a:t> </a:t>
+            </a:r>
+            <a:r>
+              <a:rPr lang="en-US" dirty="0" smtClean="0"/>
+              <a:t>II</a:t>
+            </a:r>
+            <a:endParaRPr lang="en-US" dirty="0"/>
           </a:p>
         </p:txBody>
       </p:sp>
@@ -29573,7 +29759,7 @@
         <p:spPr bwMode="auto">
           <a:xfrm>
             <a:off x="4367808" y="4800600"/>
-            <a:ext cx="2971800" cy="1295400"/>
+            <a:ext cx="3168352" cy="1295400"/>
           </a:xfrm>
           <a:prstGeom prst="foldedCorner">
             <a:avLst>
@@ -29581,7 +29767,7 @@
             </a:avLst>
           </a:prstGeom>
           <a:solidFill>
-            <a:srgbClr val="00B0F0"/>
+            <a:srgbClr val="FFC90E"/>
           </a:solidFill>
           <a:ln w="9525">
             <a:solidFill>
@@ -29609,16 +29795,19 @@
               <a:buSzPct val="85000"/>
             </a:pPr>
             <a:r>
-              <a:rPr lang="de-DE" sz="2400" b="0" dirty="0">
+              <a:rPr lang="de-DE" sz="2400" dirty="0">
+                <a:solidFill>
+                  <a:srgbClr val="AB9DDB"/>
+                </a:solidFill>
                 <a:latin typeface="Helvetica" pitchFamily="34" charset="0"/>
                 <a:ea typeface="ＭＳ Ｐゴシック" pitchFamily="34" charset="-128"/>
               </a:rPr>
               <a:t>C übernimmt </a:t>
             </a:r>
             <a:r>
-              <a:rPr lang="de-DE" sz="2400" b="0" i="1" dirty="0">
-                <a:solidFill>
-                  <a:srgbClr val="C00000"/>
+              <a:rPr lang="de-DE" sz="2400" i="1" dirty="0">
+                <a:solidFill>
+                  <a:srgbClr val="AB9DDB"/>
                 </a:solidFill>
                 <a:latin typeface="Helvetica" pitchFamily="34" charset="0"/>
                 <a:ea typeface="ＭＳ Ｐゴシック" pitchFamily="34" charset="-128"/>
@@ -29626,7 +29815,10 @@
               <a:t>alle</a:t>
             </a:r>
             <a:r>
-              <a:rPr lang="de-DE" sz="2400" b="0" dirty="0">
+              <a:rPr lang="de-DE" sz="2400" dirty="0">
+                <a:solidFill>
+                  <a:srgbClr val="AB9DDB"/>
+                </a:solidFill>
                 <a:latin typeface="Helvetica" pitchFamily="34" charset="0"/>
                 <a:ea typeface="ＭＳ Ｐゴシック" pitchFamily="34" charset="-128"/>
               </a:rPr>
@@ -29740,6 +29932,13 @@
   <p:clrMapOvr>
     <a:masterClrMapping/>
   </p:clrMapOvr>
+  <p:timing>
+    <p:tnLst>
+      <p:par>
+        <p:cTn id="1" dur="indefinite" restart="never" nodeType="tmRoot"/>
+      </p:par>
+    </p:tnLst>
+  </p:timing>
 </p:sld>
 </file>
 
@@ -29783,7 +29982,7 @@
         </p:blipFill>
         <p:spPr bwMode="auto">
           <a:xfrm>
-            <a:off x="5992814" y="1698626"/>
+            <a:off x="7593013" y="1772816"/>
             <a:ext cx="4598987" cy="4625975"/>
           </a:xfrm>
           <a:prstGeom prst="rect">
@@ -29858,8 +30057,8 @@
         </p:nvSpPr>
         <p:spPr>
           <a:xfrm>
-            <a:off x="1981200" y="1600200"/>
-            <a:ext cx="4474840" cy="5127476"/>
+            <a:off x="1631504" y="2132856"/>
+            <a:ext cx="5976664" cy="4594820"/>
           </a:xfrm>
         </p:spPr>
         <p:txBody>
@@ -30038,6 +30237,13 @@
   <p:clrMapOvr>
     <a:masterClrMapping/>
   </p:clrMapOvr>
+  <p:timing>
+    <p:tnLst>
+      <p:par>
+        <p:cTn id="1" dur="indefinite" restart="never" nodeType="tmRoot"/>
+      </p:par>
+    </p:tnLst>
+  </p:timing>
 </p:sld>
 </file>
 
@@ -30098,8 +30304,8 @@
         </p:nvSpPr>
         <p:spPr>
           <a:xfrm>
-            <a:off x="1703512" y="1600200"/>
-            <a:ext cx="3960440" cy="5127476"/>
+            <a:off x="1775520" y="2249860"/>
+            <a:ext cx="5400600" cy="4594820"/>
           </a:xfrm>
         </p:spPr>
         <p:txBody>
@@ -30238,7 +30444,7 @@
         </p:blipFill>
         <p:spPr bwMode="auto">
           <a:xfrm>
-            <a:off x="5591944" y="1589088"/>
+            <a:off x="6812136" y="1741488"/>
             <a:ext cx="5116512" cy="5116512"/>
           </a:xfrm>
           <a:prstGeom prst="rect">
@@ -30269,11 +30475,188 @@
           </a:extLst>
         </p:spPr>
       </p:pic>
+      <p:sp>
+        <p:nvSpPr>
+          <p:cNvPr id="3" name="Rechteck 2"/>
+          <p:cNvSpPr/>
+          <p:nvPr/>
+        </p:nvSpPr>
+        <p:spPr>
+          <a:xfrm>
+            <a:off x="6960096" y="4685680"/>
+            <a:ext cx="4576216" cy="2159000"/>
+          </a:xfrm>
+          <a:prstGeom prst="rect">
+            <a:avLst/>
+          </a:prstGeom>
+          <a:solidFill>
+            <a:schemeClr val="bg1"/>
+          </a:solidFill>
+          <a:ln>
+            <a:solidFill>
+              <a:schemeClr val="bg1"/>
+            </a:solidFill>
+          </a:ln>
+        </p:spPr>
+        <p:style>
+          <a:lnRef idx="2">
+            <a:schemeClr val="accent1">
+              <a:shade val="50000"/>
+            </a:schemeClr>
+          </a:lnRef>
+          <a:fillRef idx="1">
+            <a:schemeClr val="accent1"/>
+          </a:fillRef>
+          <a:effectRef idx="0">
+            <a:schemeClr val="accent1"/>
+          </a:effectRef>
+          <a:fontRef idx="minor">
+            <a:schemeClr val="lt1"/>
+          </a:fontRef>
+        </p:style>
+        <p:txBody>
+          <a:bodyPr rtlCol="0" anchor="ctr"/>
+          <a:lstStyle/>
+          <a:p>
+            <a:pPr algn="ctr"/>
+            <a:endParaRPr lang="en-US"/>
+          </a:p>
+        </p:txBody>
+      </p:sp>
     </p:spTree>
   </p:cSld>
   <p:clrMapOvr>
     <a:masterClrMapping/>
   </p:clrMapOvr>
+  <p:timing>
+    <p:tnLst>
+      <p:par>
+        <p:cTn id="1" dur="indefinite" restart="never" nodeType="tmRoot">
+          <p:childTnLst>
+            <p:seq concurrent="1" nextAc="seek">
+              <p:cTn id="2" dur="indefinite" nodeType="mainSeq">
+                <p:childTnLst>
+                  <p:par>
+                    <p:cTn id="3" fill="hold">
+                      <p:stCondLst>
+                        <p:cond delay="indefinite"/>
+                      </p:stCondLst>
+                      <p:childTnLst>
+                        <p:par>
+                          <p:cTn id="4" fill="hold">
+                            <p:stCondLst>
+                              <p:cond delay="0"/>
+                            </p:stCondLst>
+                            <p:childTnLst>
+                              <p:par>
+                                <p:cTn id="5" presetID="10" presetClass="exit" presetSubtype="0" fill="hold" grpId="0" nodeType="clickEffect">
+                                  <p:stCondLst>
+                                    <p:cond delay="0"/>
+                                  </p:stCondLst>
+                                  <p:childTnLst>
+                                    <p:animEffect transition="out" filter="fade">
+                                      <p:cBhvr>
+                                        <p:cTn id="6" dur="500"/>
+                                        <p:tgtEl>
+                                          <p:spTgt spid="3"/>
+                                        </p:tgtEl>
+                                      </p:cBhvr>
+                                    </p:animEffect>
+                                    <p:set>
+                                      <p:cBhvr>
+                                        <p:cTn id="7" dur="1" fill="hold">
+                                          <p:stCondLst>
+                                            <p:cond delay="499"/>
+                                          </p:stCondLst>
+                                        </p:cTn>
+                                        <p:tgtEl>
+                                          <p:spTgt spid="3"/>
+                                        </p:tgtEl>
+                                        <p:attrNameLst>
+                                          <p:attrName>style.visibility</p:attrName>
+                                        </p:attrNameLst>
+                                      </p:cBhvr>
+                                      <p:to>
+                                        <p:strVal val="hidden"/>
+                                      </p:to>
+                                    </p:set>
+                                  </p:childTnLst>
+                                </p:cTn>
+                              </p:par>
+                              <p:par>
+                                <p:cTn id="8" presetID="10" presetClass="entr" presetSubtype="0" fill="hold" nodeType="withEffect">
+                                  <p:stCondLst>
+                                    <p:cond delay="0"/>
+                                  </p:stCondLst>
+                                  <p:childTnLst>
+                                    <p:set>
+                                      <p:cBhvr>
+                                        <p:cTn id="9" dur="1" fill="hold">
+                                          <p:stCondLst>
+                                            <p:cond delay="0"/>
+                                          </p:stCondLst>
+                                        </p:cTn>
+                                        <p:tgtEl>
+                                          <p:spTgt spid="572422">
+                                            <p:txEl>
+                                              <p:pRg st="2" end="2"/>
+                                            </p:txEl>
+                                          </p:spTgt>
+                                        </p:tgtEl>
+                                        <p:attrNameLst>
+                                          <p:attrName>style.visibility</p:attrName>
+                                        </p:attrNameLst>
+                                      </p:cBhvr>
+                                      <p:to>
+                                        <p:strVal val="visible"/>
+                                      </p:to>
+                                    </p:set>
+                                    <p:animEffect transition="in" filter="fade">
+                                      <p:cBhvr>
+                                        <p:cTn id="10" dur="500"/>
+                                        <p:tgtEl>
+                                          <p:spTgt spid="572422">
+                                            <p:txEl>
+                                              <p:pRg st="2" end="2"/>
+                                            </p:txEl>
+                                          </p:spTgt>
+                                        </p:tgtEl>
+                                      </p:cBhvr>
+                                    </p:animEffect>
+                                  </p:childTnLst>
+                                </p:cTn>
+                              </p:par>
+                            </p:childTnLst>
+                          </p:cTn>
+                        </p:par>
+                      </p:childTnLst>
+                    </p:cTn>
+                  </p:par>
+                </p:childTnLst>
+              </p:cTn>
+              <p:prevCondLst>
+                <p:cond evt="onPrev" delay="0">
+                  <p:tgtEl>
+                    <p:sldTgt/>
+                  </p:tgtEl>
+                </p:cond>
+              </p:prevCondLst>
+              <p:nextCondLst>
+                <p:cond evt="onNext" delay="0">
+                  <p:tgtEl>
+                    <p:sldTgt/>
+                  </p:tgtEl>
+                </p:cond>
+              </p:nextCondLst>
+            </p:seq>
+          </p:childTnLst>
+        </p:cTn>
+      </p:par>
+    </p:tnLst>
+    <p:bldLst>
+      <p:bldP spid="3" grpId="0" animBg="1"/>
+    </p:bldLst>
+  </p:timing>
 </p:sld>
 </file>
 
@@ -30374,8 +30757,12 @@
               <a:t>Interface</a:t>
             </a:r>
             <a:r>
+              <a:rPr lang="de-DE" dirty="0" smtClean="0"/>
+              <a:t>), </a:t>
+            </a:r>
+            <a:r>
               <a:rPr lang="de-DE" dirty="0"/>
-              <a:t>) die zu einer Klasse gehören.</a:t>
+              <a:t>die zu einer Klasse gehören.</a:t>
             </a:r>
           </a:p>
           <a:p>
@@ -30735,43 +31122,6 @@
       </p:grpSpPr>
       <p:sp>
         <p:nvSpPr>
-          <p:cNvPr id="576517" name="Rectangle 4"/>
-          <p:cNvSpPr>
-            <a:spLocks noGrp="1" noChangeArrowheads="1"/>
-          </p:cNvSpPr>
-          <p:nvPr>
-            <p:ph type="title"/>
-          </p:nvPr>
-        </p:nvSpPr>
-        <p:spPr/>
-        <p:txBody>
-          <a:bodyPr vert="horz" lIns="0" tIns="0" rIns="0" bIns="0" rtlCol="0" anchor="ctr">
-            <a:noAutofit/>
-          </a:bodyPr>
-          <a:lstStyle/>
-          <a:p>
-            <a:r>
-              <a:rPr lang="de-DE" dirty="0"/>
-              <a:t>Was </a:t>
-            </a:r>
-            <a:r>
-              <a:rPr lang="de-DE" dirty="0" smtClean="0"/>
-              <a:t>Sie </a:t>
-            </a:r>
-            <a:r>
-              <a:rPr lang="de-DE" dirty="0"/>
-              <a:t>mitgenommen haben </a:t>
-            </a:r>
-            <a:r>
-              <a:rPr lang="de-DE" dirty="0" smtClean="0"/>
-              <a:t>sollten</a:t>
-            </a:r>
-            <a:endParaRPr lang="de-DE" dirty="0"/>
-          </a:p>
-        </p:txBody>
-      </p:sp>
-      <p:sp>
-        <p:nvSpPr>
           <p:cNvPr id="576518" name="Rectangle 5"/>
           <p:cNvSpPr>
             <a:spLocks noGrp="1" noChangeArrowheads="1"/>
@@ -30790,7 +31140,15 @@
             <a:pPr marL="419100" indent="-419100"/>
             <a:r>
               <a:rPr lang="de-DE" dirty="0"/>
-              <a:t>Welche Kriterien gibt es mit denen ich potentielle Klassen identifizieren kann?</a:t>
+              <a:t>Welche Kriterien gibt </a:t>
+            </a:r>
+            <a:r>
+              <a:rPr lang="de-DE" dirty="0" smtClean="0"/>
+              <a:t>es, </a:t>
+            </a:r>
+            <a:r>
+              <a:rPr lang="de-DE" dirty="0"/>
+              <a:t>mit denen ich potentielle Klassen identifizieren kann?</a:t>
             </a:r>
           </a:p>
           <a:p>
@@ -30840,8 +31198,20 @@
             </a:r>
             <a:r>
               <a:rPr lang="de-DE" dirty="0"/>
-              <a:t> von Verantwortlichkeiten Hierarchien verbessern?</a:t>
-            </a:r>
+              <a:t> von Verantwortlichkeiten Hierarchien verbessern</a:t>
+            </a:r>
+            <a:r>
+              <a:rPr lang="de-DE" dirty="0" smtClean="0"/>
+              <a:t>?</a:t>
+            </a:r>
+          </a:p>
+          <a:p>
+            <a:pPr marL="419100" indent="-419100"/>
+            <a:r>
+              <a:rPr lang="de-DE" dirty="0" smtClean="0"/>
+              <a:t>Leiten Sie aus einer Anforderungsbeschreibung Klassen, Verantwortlichkeiten und Kollaborationen ab</a:t>
+            </a:r>
+            <a:endParaRPr lang="de-DE" dirty="0"/>
           </a:p>
         </p:txBody>
       </p:sp>
@@ -30886,11 +31256,55 @@
           </a:p>
         </p:txBody>
       </p:sp>
+      <p:sp>
+        <p:nvSpPr>
+          <p:cNvPr id="576517" name="Rectangle 4"/>
+          <p:cNvSpPr>
+            <a:spLocks noGrp="1" noChangeArrowheads="1"/>
+          </p:cNvSpPr>
+          <p:nvPr>
+            <p:ph type="title"/>
+          </p:nvPr>
+        </p:nvSpPr>
+        <p:spPr/>
+        <p:txBody>
+          <a:bodyPr vert="horz" lIns="0" tIns="0" rIns="0" bIns="0" rtlCol="0" anchor="ctr">
+            <a:noAutofit/>
+          </a:bodyPr>
+          <a:lstStyle/>
+          <a:p>
+            <a:r>
+              <a:rPr lang="de-DE" dirty="0"/>
+              <a:t>Was </a:t>
+            </a:r>
+            <a:r>
+              <a:rPr lang="de-DE" dirty="0" smtClean="0"/>
+              <a:t>Sie </a:t>
+            </a:r>
+            <a:r>
+              <a:rPr lang="de-DE" dirty="0"/>
+              <a:t>mitgenommen haben </a:t>
+            </a:r>
+            <a:r>
+              <a:rPr lang="de-DE" dirty="0" smtClean="0"/>
+              <a:t>sollten</a:t>
+            </a:r>
+            <a:endParaRPr lang="de-DE" dirty="0"/>
+          </a:p>
+        </p:txBody>
+      </p:sp>
     </p:spTree>
   </p:cSld>
   <p:clrMapOvr>
     <a:masterClrMapping/>
   </p:clrMapOvr>
+  <p:timing>
+    <p:tnLst>
+      <p:par>
+        <p:cTn id="1" dur="indefinite" restart="never" nodeType="tmRoot"/>
+      </p:par>
+    </p:tnLst>
+  </p:timing>
 </p:sld>
 </file>
 
@@ -31409,6 +31823,13 @@
   <p:clrMapOvr>
     <a:masterClrMapping/>
   </p:clrMapOvr>
+  <p:timing>
+    <p:tnLst>
+      <p:par>
+        <p:cTn id="1" dur="indefinite" restart="never" nodeType="tmRoot"/>
+      </p:par>
+    </p:tnLst>
+  </p:timing>
 </p:sld>
 </file>
 

--- a/se/slides/03_ResponseabilityDrivenDesign.pptx
+++ b/se/slides/03_ResponseabilityDrivenDesign.pptx
@@ -19,13 +19,13 @@
     <p:sldId id="262" r:id="rId7"/>
     <p:sldId id="308" r:id="rId8"/>
     <p:sldId id="264" r:id="rId9"/>
-    <p:sldId id="314" r:id="rId10"/>
-    <p:sldId id="315" r:id="rId11"/>
-    <p:sldId id="265" r:id="rId12"/>
-    <p:sldId id="266" r:id="rId13"/>
-    <p:sldId id="268" r:id="rId14"/>
-    <p:sldId id="269" r:id="rId15"/>
-    <p:sldId id="270" r:id="rId16"/>
+    <p:sldId id="265" r:id="rId10"/>
+    <p:sldId id="266" r:id="rId11"/>
+    <p:sldId id="268" r:id="rId12"/>
+    <p:sldId id="269" r:id="rId13"/>
+    <p:sldId id="270" r:id="rId14"/>
+    <p:sldId id="314" r:id="rId15"/>
+    <p:sldId id="315" r:id="rId16"/>
     <p:sldId id="309" r:id="rId17"/>
     <p:sldId id="267" r:id="rId18"/>
     <p:sldId id="272" r:id="rId19"/>
@@ -1420,10 +1420,10 @@
           <a:bodyPr/>
           <a:lstStyle/>
           <a:p>
-            <a:fld id="{8CBDB456-D5A9-4C5B-854D-93102DE6A8E1}" type="slidenum">
+            <a:fld id="{DB1B47DE-F5B3-4F8E-B663-F7D8C1BAB1F1}" type="slidenum">
               <a:rPr lang="en-GB"/>
               <a:pPr/>
-              <a:t>11</a:t>
+              <a:t>10</a:t>
             </a:fld>
             <a:endParaRPr lang="en-GB"/>
           </a:p>
@@ -1431,7 +1431,7 @@
       </p:sp>
       <p:sp>
         <p:nvSpPr>
-          <p:cNvPr id="497666" name="Rectangle 2"/>
+          <p:cNvPr id="499714" name="Rectangle 2"/>
           <p:cNvSpPr>
             <a:spLocks noGrp="1" noRot="1" noChangeAspect="1" noChangeArrowheads="1" noTextEdit="1"/>
           </p:cNvSpPr>
@@ -1448,7 +1448,7 @@
       </p:sp>
       <p:sp>
         <p:nvSpPr>
-          <p:cNvPr id="497667" name="Rectangle 3"/>
+          <p:cNvPr id="499715" name="Rectangle 3"/>
           <p:cNvSpPr>
             <a:spLocks noGrp="1" noChangeArrowheads="1"/>
           </p:cNvSpPr>
@@ -1468,7 +1468,15 @@
           <a:lstStyle/>
           <a:p>
             <a:pPr defTabSz="914400" eaLnBrk="1" hangingPunct="1"/>
-            <a:endParaRPr lang="en-US"/>
+            <a:r>
+              <a:rPr lang="de-DE" dirty="0" smtClean="0"/>
+              <a:t>Immer erstmal alles aufschreiben,</a:t>
+            </a:r>
+            <a:r>
+              <a:rPr lang="de-DE" baseline="0" dirty="0" smtClean="0"/>
+              <a:t> damit nichts vergessen wird. Noch nicht darüber nachdenken, wie man die Klassen implementieren könnte</a:t>
+            </a:r>
+            <a:endParaRPr lang="en-US" dirty="0"/>
           </a:p>
         </p:txBody>
       </p:sp>
@@ -1514,10 +1522,10 @@
           <a:bodyPr/>
           <a:lstStyle/>
           <a:p>
-            <a:fld id="{DB1B47DE-F5B3-4F8E-B663-F7D8C1BAB1F1}" type="slidenum">
+            <a:fld id="{8BB10452-85D5-4971-BCC3-CFB964E319ED}" type="slidenum">
               <a:rPr lang="en-GB"/>
               <a:pPr/>
-              <a:t>12</a:t>
+              <a:t>11</a:t>
             </a:fld>
             <a:endParaRPr lang="en-GB"/>
           </a:p>
@@ -1525,7 +1533,7 @@
       </p:sp>
       <p:sp>
         <p:nvSpPr>
-          <p:cNvPr id="499714" name="Rectangle 2"/>
+          <p:cNvPr id="503810" name="Rectangle 2"/>
           <p:cNvSpPr>
             <a:spLocks noGrp="1" noRot="1" noChangeAspect="1" noChangeArrowheads="1" noTextEdit="1"/>
           </p:cNvSpPr>
@@ -1542,7 +1550,7 @@
       </p:sp>
       <p:sp>
         <p:nvSpPr>
-          <p:cNvPr id="499715" name="Rectangle 3"/>
+          <p:cNvPr id="503811" name="Rectangle 3"/>
           <p:cNvSpPr>
             <a:spLocks noGrp="1" noChangeArrowheads="1"/>
           </p:cNvSpPr>
@@ -1562,15 +1570,7 @@
           <a:lstStyle/>
           <a:p>
             <a:pPr defTabSz="914400" eaLnBrk="1" hangingPunct="1"/>
-            <a:r>
-              <a:rPr lang="de-DE" dirty="0" smtClean="0"/>
-              <a:t>Immer erstmal alles aufschreiben,</a:t>
-            </a:r>
-            <a:r>
-              <a:rPr lang="de-DE" baseline="0" dirty="0" smtClean="0"/>
-              <a:t> damit nichts vergessen wird. Noch nicht darüber nachdenken, wie man die Klassen implementieren könnte</a:t>
-            </a:r>
-            <a:endParaRPr lang="en-US" dirty="0"/>
+            <a:endParaRPr lang="en-US"/>
           </a:p>
         </p:txBody>
       </p:sp>
@@ -1616,10 +1616,10 @@
           <a:bodyPr/>
           <a:lstStyle/>
           <a:p>
-            <a:fld id="{8BB10452-85D5-4971-BCC3-CFB964E319ED}" type="slidenum">
+            <a:fld id="{DD53343A-07C2-467F-93A5-DC159A568CA8}" type="slidenum">
               <a:rPr lang="en-GB"/>
               <a:pPr/>
-              <a:t>13</a:t>
+              <a:t>12</a:t>
             </a:fld>
             <a:endParaRPr lang="en-GB"/>
           </a:p>
@@ -1627,7 +1627,7 @@
       </p:sp>
       <p:sp>
         <p:nvSpPr>
-          <p:cNvPr id="503810" name="Rectangle 2"/>
+          <p:cNvPr id="505858" name="Rectangle 1026"/>
           <p:cNvSpPr>
             <a:spLocks noGrp="1" noRot="1" noChangeAspect="1" noChangeArrowheads="1" noTextEdit="1"/>
           </p:cNvSpPr>
@@ -1644,7 +1644,7 @@
       </p:sp>
       <p:sp>
         <p:nvSpPr>
-          <p:cNvPr id="503811" name="Rectangle 3"/>
+          <p:cNvPr id="505859" name="Rectangle 1027"/>
           <p:cNvSpPr>
             <a:spLocks noGrp="1" noChangeArrowheads="1"/>
           </p:cNvSpPr>
@@ -1710,10 +1710,10 @@
           <a:bodyPr/>
           <a:lstStyle/>
           <a:p>
-            <a:fld id="{DD53343A-07C2-467F-93A5-DC159A568CA8}" type="slidenum">
+            <a:fld id="{609DCAC8-754B-4165-AAFF-0B25DAA98ECF}" type="slidenum">
               <a:rPr lang="en-GB"/>
               <a:pPr/>
-              <a:t>14</a:t>
+              <a:t>13</a:t>
             </a:fld>
             <a:endParaRPr lang="en-GB"/>
           </a:p>
@@ -1721,7 +1721,7 @@
       </p:sp>
       <p:sp>
         <p:nvSpPr>
-          <p:cNvPr id="505858" name="Rectangle 1026"/>
+          <p:cNvPr id="507906" name="Rectangle 2"/>
           <p:cNvSpPr>
             <a:spLocks noGrp="1" noRot="1" noChangeAspect="1" noChangeArrowheads="1" noTextEdit="1"/>
           </p:cNvSpPr>
@@ -1738,7 +1738,7 @@
       </p:sp>
       <p:sp>
         <p:nvSpPr>
-          <p:cNvPr id="505859" name="Rectangle 1027"/>
+          <p:cNvPr id="507907" name="Rectangle 3"/>
           <p:cNvSpPr>
             <a:spLocks noGrp="1" noChangeArrowheads="1"/>
           </p:cNvSpPr>
@@ -1789,23 +1789,72 @@
       </p:grpSpPr>
       <p:sp>
         <p:nvSpPr>
-          <p:cNvPr id="7" name="Rectangle 7"/>
-          <p:cNvSpPr>
-            <a:spLocks noGrp="1" noChangeArrowheads="1"/>
+          <p:cNvPr id="2" name="Folienbildplatzhalter 1"/>
+          <p:cNvSpPr>
+            <a:spLocks noGrp="1" noRot="1" noChangeAspect="1"/>
           </p:cNvSpPr>
           <p:nvPr>
-            <p:ph type="sldNum"/>
+            <p:ph type="sldImg"/>
           </p:nvPr>
         </p:nvSpPr>
-        <p:spPr>
-          <a:ln/>
-        </p:spPr>
+        <p:spPr/>
+      </p:sp>
+      <p:sp>
+        <p:nvSpPr>
+          <p:cNvPr id="3" name="Notizenplatzhalter 2"/>
+          <p:cNvSpPr>
+            <a:spLocks noGrp="1"/>
+          </p:cNvSpPr>
+          <p:nvPr>
+            <p:ph type="body" idx="1"/>
+          </p:nvPr>
+        </p:nvSpPr>
+        <p:spPr/>
         <p:txBody>
           <a:bodyPr/>
           <a:lstStyle/>
           <a:p>
-            <a:fld id="{609DCAC8-754B-4165-AAFF-0B25DAA98ECF}" type="slidenum">
-              <a:rPr lang="en-GB"/>
+            <a:r>
+              <a:rPr lang="de-DE" dirty="0" smtClean="0"/>
+              <a:t>Ein erstes Brainstorming</a:t>
+            </a:r>
+          </a:p>
+          <a:p>
+            <a:r>
+              <a:rPr lang="de-DE" dirty="0" smtClean="0"/>
+              <a:t>Dabei wird besonders das Wie vernachlässigt; dadurch Fokus</a:t>
+            </a:r>
+            <a:r>
+              <a:rPr lang="de-DE" baseline="0" dirty="0" smtClean="0"/>
+              <a:t> auf die wesentliche Funktion; Kapselung wird verbessert, weil das wie erstmal ignoriert wird</a:t>
+            </a:r>
+          </a:p>
+          <a:p>
+            <a:r>
+              <a:rPr lang="de-DE" baseline="0" dirty="0" smtClean="0"/>
+              <a:t>Man kann diese Karten leicht herumschieben und damit Szenarien durchspielen</a:t>
+            </a:r>
+            <a:endParaRPr lang="en-US" dirty="0"/>
+          </a:p>
+        </p:txBody>
+      </p:sp>
+      <p:sp>
+        <p:nvSpPr>
+          <p:cNvPr id="4" name="Foliennummernplatzhalter 3"/>
+          <p:cNvSpPr>
+            <a:spLocks noGrp="1"/>
+          </p:cNvSpPr>
+          <p:nvPr>
+            <p:ph type="sldNum" idx="10"/>
+          </p:nvPr>
+        </p:nvSpPr>
+        <p:spPr/>
+        <p:txBody>
+          <a:bodyPr/>
+          <a:lstStyle/>
+          <a:p>
+            <a:fld id="{F7D1DD9F-70C9-4D44-921E-25B7A39C3BF9}" type="slidenum">
+              <a:rPr lang="en-GB" smtClean="0"/>
               <a:pPr/>
               <a:t>15</a:t>
             </a:fld>
@@ -1813,50 +1862,12 @@
           </a:p>
         </p:txBody>
       </p:sp>
-      <p:sp>
-        <p:nvSpPr>
-          <p:cNvPr id="507906" name="Rectangle 2"/>
-          <p:cNvSpPr>
-            <a:spLocks noGrp="1" noRot="1" noChangeAspect="1" noChangeArrowheads="1" noTextEdit="1"/>
-          </p:cNvSpPr>
-          <p:nvPr>
-            <p:ph type="sldImg"/>
-          </p:nvPr>
-        </p:nvSpPr>
-        <p:spPr>
-          <a:xfrm>
-            <a:off x="381000" y="685800"/>
-            <a:ext cx="6096000" cy="3429000"/>
-          </a:xfrm>
-        </p:spPr>
-      </p:sp>
-      <p:sp>
-        <p:nvSpPr>
-          <p:cNvPr id="507907" name="Rectangle 3"/>
-          <p:cNvSpPr>
-            <a:spLocks noGrp="1" noChangeArrowheads="1"/>
-          </p:cNvSpPr>
-          <p:nvPr>
-            <p:ph type="body" idx="1"/>
-          </p:nvPr>
-        </p:nvSpPr>
-        <p:spPr>
-          <a:xfrm>
-            <a:off x="914400" y="4343400"/>
-            <a:ext cx="5029200" cy="4114800"/>
-          </a:xfrm>
-          <a:noFill/>
-        </p:spPr>
-        <p:txBody>
-          <a:bodyPr lIns="91440" tIns="45720" rIns="91440" bIns="45720"/>
-          <a:lstStyle/>
-          <a:p>
-            <a:pPr defTabSz="914400" eaLnBrk="1" hangingPunct="1"/>
-            <a:endParaRPr lang="en-US"/>
-          </a:p>
-        </p:txBody>
-      </p:sp>
     </p:spTree>
+    <p:extLst>
+      <p:ext uri="{BB962C8B-B14F-4D97-AF65-F5344CB8AC3E}">
+        <p14:creationId xmlns:p14="http://schemas.microsoft.com/office/powerpoint/2010/main" val="742319717"/>
+      </p:ext>
+    </p:extLst>
   </p:cSld>
   <p:clrMapOvr>
     <a:masterClrMapping/>
@@ -6553,85 +6564,74 @@
       </p:grpSpPr>
       <p:sp>
         <p:nvSpPr>
-          <p:cNvPr id="2" name="Folienbildplatzhalter 1"/>
-          <p:cNvSpPr>
-            <a:spLocks noGrp="1" noRot="1" noChangeAspect="1"/>
+          <p:cNvPr id="7" name="Rectangle 7"/>
+          <p:cNvSpPr>
+            <a:spLocks noGrp="1" noChangeArrowheads="1"/>
+          </p:cNvSpPr>
+          <p:nvPr>
+            <p:ph type="sldNum"/>
+          </p:nvPr>
+        </p:nvSpPr>
+        <p:spPr>
+          <a:ln/>
+        </p:spPr>
+        <p:txBody>
+          <a:bodyPr/>
+          <a:lstStyle/>
+          <a:p>
+            <a:fld id="{8CBDB456-D5A9-4C5B-854D-93102DE6A8E1}" type="slidenum">
+              <a:rPr lang="en-GB"/>
+              <a:pPr/>
+              <a:t>9</a:t>
+            </a:fld>
+            <a:endParaRPr lang="en-GB"/>
+          </a:p>
+        </p:txBody>
+      </p:sp>
+      <p:sp>
+        <p:nvSpPr>
+          <p:cNvPr id="497666" name="Rectangle 2"/>
+          <p:cNvSpPr>
+            <a:spLocks noGrp="1" noRot="1" noChangeAspect="1" noChangeArrowheads="1" noTextEdit="1"/>
           </p:cNvSpPr>
           <p:nvPr>
             <p:ph type="sldImg"/>
           </p:nvPr>
         </p:nvSpPr>
-        <p:spPr/>
-      </p:sp>
-      <p:sp>
-        <p:nvSpPr>
-          <p:cNvPr id="3" name="Notizenplatzhalter 2"/>
-          <p:cNvSpPr>
-            <a:spLocks noGrp="1"/>
+        <p:spPr>
+          <a:xfrm>
+            <a:off x="381000" y="685800"/>
+            <a:ext cx="6096000" cy="3429000"/>
+          </a:xfrm>
+        </p:spPr>
+      </p:sp>
+      <p:sp>
+        <p:nvSpPr>
+          <p:cNvPr id="497667" name="Rectangle 3"/>
+          <p:cNvSpPr>
+            <a:spLocks noGrp="1" noChangeArrowheads="1"/>
           </p:cNvSpPr>
           <p:nvPr>
             <p:ph type="body" idx="1"/>
           </p:nvPr>
         </p:nvSpPr>
-        <p:spPr/>
+        <p:spPr>
+          <a:xfrm>
+            <a:off x="914400" y="4343400"/>
+            <a:ext cx="5029200" cy="4114800"/>
+          </a:xfrm>
+          <a:noFill/>
+        </p:spPr>
         <p:txBody>
-          <a:bodyPr/>
+          <a:bodyPr lIns="91440" tIns="45720" rIns="91440" bIns="45720"/>
           <a:lstStyle/>
           <a:p>
-            <a:r>
-              <a:rPr lang="de-DE" dirty="0" smtClean="0"/>
-              <a:t>Ein erstes Brainstorming</a:t>
-            </a:r>
-          </a:p>
-          <a:p>
-            <a:r>
-              <a:rPr lang="de-DE" dirty="0" smtClean="0"/>
-              <a:t>Dabei wird besonders das Wie vernachlässigt; dadurch Fokus</a:t>
-            </a:r>
-            <a:r>
-              <a:rPr lang="de-DE" baseline="0" dirty="0" smtClean="0"/>
-              <a:t> auf die wesentliche Funktion; Kapselung wird verbessert, weil das wie erstmal ignoriert wird</a:t>
-            </a:r>
-          </a:p>
-          <a:p>
-            <a:r>
-              <a:rPr lang="de-DE" baseline="0" dirty="0" smtClean="0"/>
-              <a:t>Man kann diese Karten leicht herumschieben und damit Szenarien durchspielen</a:t>
-            </a:r>
-            <a:endParaRPr lang="en-US" dirty="0"/>
+            <a:pPr defTabSz="914400" eaLnBrk="1" hangingPunct="1"/>
+            <a:endParaRPr lang="en-US"/>
           </a:p>
         </p:txBody>
       </p:sp>
-      <p:sp>
-        <p:nvSpPr>
-          <p:cNvPr id="4" name="Foliennummernplatzhalter 3"/>
-          <p:cNvSpPr>
-            <a:spLocks noGrp="1"/>
-          </p:cNvSpPr>
-          <p:nvPr>
-            <p:ph type="sldNum" idx="10"/>
-          </p:nvPr>
-        </p:nvSpPr>
-        <p:spPr/>
-        <p:txBody>
-          <a:bodyPr/>
-          <a:lstStyle/>
-          <a:p>
-            <a:fld id="{F7D1DD9F-70C9-4D44-921E-25B7A39C3BF9}" type="slidenum">
-              <a:rPr lang="en-GB" smtClean="0"/>
-              <a:pPr/>
-              <a:t>10</a:t>
-            </a:fld>
-            <a:endParaRPr lang="en-GB"/>
-          </a:p>
-        </p:txBody>
-      </p:sp>
     </p:spTree>
-    <p:extLst>
-      <p:ext uri="{BB962C8B-B14F-4D97-AF65-F5344CB8AC3E}">
-        <p14:creationId xmlns:p14="http://schemas.microsoft.com/office/powerpoint/2010/main" val="742319717"/>
-      </p:ext>
-    </p:extLst>
   </p:cSld>
   <p:clrMapOvr>
     <a:masterClrMapping/>
@@ -6735,60 +6735,20 @@
               <a:defRPr/>
             </a:pPr>
             <a:r>
-              <a:rPr lang="de-DE" sz="1100" dirty="0">
+              <a:rPr lang="de-DE" sz="1100" dirty="0" err="1" smtClean="0">
                 <a:solidFill>
                   <a:srgbClr val="AB9DDB"/>
                 </a:solidFill>
               </a:rPr>
-              <a:t>Software</a:t>
-            </a:r>
-            <a:r>
-              <a:rPr lang="de-DE" sz="1100" baseline="0" dirty="0">
+              <a:t>Softwartechnik</a:t>
+            </a:r>
+            <a:r>
+              <a:rPr lang="de-DE" sz="1100" baseline="0" dirty="0" smtClean="0">
                 <a:solidFill>
                   <a:srgbClr val="AB9DDB"/>
                 </a:solidFill>
               </a:rPr>
               <a:t> </a:t>
-            </a:r>
-            <a:r>
-              <a:rPr lang="de-DE" sz="1100" baseline="0" dirty="0" smtClean="0">
-                <a:solidFill>
-                  <a:srgbClr val="AB9DDB"/>
-                </a:solidFill>
-              </a:rPr>
-              <a:t>Engineering </a:t>
-            </a:r>
-            <a:r>
-              <a:rPr lang="de-DE" sz="1100" baseline="0" dirty="0" err="1" smtClean="0">
-                <a:solidFill>
-                  <a:srgbClr val="AB9DDB"/>
-                </a:solidFill>
-              </a:rPr>
-              <a:t>and</a:t>
-            </a:r>
-            <a:r>
-              <a:rPr lang="de-DE" sz="1100" baseline="0" dirty="0" smtClean="0">
-                <a:solidFill>
-                  <a:srgbClr val="AB9DDB"/>
-                </a:solidFill>
-              </a:rPr>
-              <a:t> </a:t>
-            </a:r>
-            <a:r>
-              <a:rPr lang="de-DE" sz="1100" baseline="0" dirty="0" err="1" smtClean="0">
-                <a:solidFill>
-                  <a:srgbClr val="AB9DDB"/>
-                </a:solidFill>
-              </a:rPr>
-              <a:t>Programming</a:t>
-            </a:r>
-            <a:r>
-              <a:rPr lang="de-DE" sz="1100" baseline="0" dirty="0" smtClean="0">
-                <a:solidFill>
-                  <a:srgbClr val="AB9DDB"/>
-                </a:solidFill>
-              </a:rPr>
-              <a:t> Basics </a:t>
             </a:r>
             <a:r>
               <a:rPr lang="de-DE" sz="1100" baseline="0" dirty="0">
@@ -6858,7 +6818,7 @@
               <a:pPr>
                 <a:defRPr/>
               </a:pPr>
-              <a:t>30.09.2019</a:t>
+              <a:t>25.10.2019</a:t>
             </a:fld>
             <a:endParaRPr lang="de-DE"/>
           </a:p>
@@ -7243,7 +7203,7 @@
               <a:pPr>
                 <a:defRPr/>
               </a:pPr>
-              <a:t>30.09.2019</a:t>
+              <a:t>25.10.2019</a:t>
             </a:fld>
             <a:endParaRPr lang="de-DE"/>
           </a:p>
@@ -7340,12 +7300,20 @@
               <a:defRPr/>
             </a:pPr>
             <a:r>
-              <a:rPr lang="de-DE" sz="1100" dirty="0">
+              <a:rPr lang="de-DE" sz="1100" dirty="0" err="1" smtClean="0">
                 <a:solidFill>
                   <a:srgbClr val="AB9DDB"/>
                 </a:solidFill>
               </a:rPr>
-              <a:t>Software</a:t>
+              <a:t>Softwartechnik</a:t>
+            </a:r>
+            <a:r>
+              <a:rPr lang="de-DE" sz="1100" baseline="0" dirty="0" smtClean="0">
+                <a:solidFill>
+                  <a:srgbClr val="AB9DDB"/>
+                </a:solidFill>
+              </a:rPr>
+              <a:t> – </a:t>
             </a:r>
             <a:r>
               <a:rPr lang="de-DE" sz="1100" baseline="0" dirty="0">
@@ -7353,55 +7321,7 @@
                   <a:srgbClr val="AB9DDB"/>
                 </a:solidFill>
               </a:rPr>
-              <a:t> </a:t>
-            </a:r>
-            <a:r>
-              <a:rPr lang="de-DE" sz="1100" baseline="0" dirty="0" smtClean="0">
-                <a:solidFill>
-                  <a:srgbClr val="AB9DDB"/>
-                </a:solidFill>
-              </a:rPr>
-              <a:t>Engineering </a:t>
-            </a:r>
-            <a:r>
-              <a:rPr lang="de-DE" sz="1100" baseline="0" dirty="0" err="1" smtClean="0">
-                <a:solidFill>
-                  <a:srgbClr val="AB9DDB"/>
-                </a:solidFill>
-              </a:rPr>
-              <a:t>and</a:t>
-            </a:r>
-            <a:r>
-              <a:rPr lang="de-DE" sz="1100" baseline="0" dirty="0" smtClean="0">
-                <a:solidFill>
-                  <a:srgbClr val="AB9DDB"/>
-                </a:solidFill>
-              </a:rPr>
-              <a:t> </a:t>
-            </a:r>
-            <a:r>
-              <a:rPr lang="de-DE" sz="1100" baseline="0" dirty="0" err="1" smtClean="0">
-                <a:solidFill>
-                  <a:srgbClr val="AB9DDB"/>
-                </a:solidFill>
-              </a:rPr>
-              <a:t>Programming</a:t>
-            </a:r>
-            <a:r>
-              <a:rPr lang="de-DE" sz="1100" baseline="0" dirty="0" smtClean="0">
-                <a:solidFill>
-                  <a:srgbClr val="AB9DDB"/>
-                </a:solidFill>
-              </a:rPr>
-              <a:t> Basics </a:t>
-            </a:r>
-            <a:r>
-              <a:rPr lang="de-DE" sz="1100" baseline="0" dirty="0">
-                <a:solidFill>
-                  <a:srgbClr val="AB9DDB"/>
-                </a:solidFill>
-              </a:rPr>
-              <a:t>– Prof. Dr.-Ing. </a:t>
+              <a:t>Prof. Dr.-Ing. </a:t>
             </a:r>
             <a:r>
               <a:rPr lang="de-DE" sz="1100" baseline="0" dirty="0" smtClean="0">
@@ -7634,7 +7554,7 @@
               <a:pPr>
                 <a:defRPr/>
               </a:pPr>
-              <a:t>30.09.2019</a:t>
+              <a:t>25.10.2019</a:t>
             </a:fld>
             <a:endParaRPr lang="de-DE"/>
           </a:p>
@@ -7731,60 +7651,20 @@
               <a:defRPr/>
             </a:pPr>
             <a:r>
-              <a:rPr lang="de-DE" sz="1100" dirty="0">
+              <a:rPr lang="de-DE" sz="1100" dirty="0" err="1" smtClean="0">
                 <a:solidFill>
                   <a:srgbClr val="AB9DDB"/>
                 </a:solidFill>
               </a:rPr>
-              <a:t>Software</a:t>
-            </a:r>
-            <a:r>
-              <a:rPr lang="de-DE" sz="1100" baseline="0" dirty="0">
+              <a:t>Softwartechnik</a:t>
+            </a:r>
+            <a:r>
+              <a:rPr lang="de-DE" sz="1100" baseline="0" dirty="0" smtClean="0">
                 <a:solidFill>
                   <a:srgbClr val="AB9DDB"/>
                 </a:solidFill>
               </a:rPr>
               <a:t> </a:t>
-            </a:r>
-            <a:r>
-              <a:rPr lang="de-DE" sz="1100" baseline="0" dirty="0" smtClean="0">
-                <a:solidFill>
-                  <a:srgbClr val="AB9DDB"/>
-                </a:solidFill>
-              </a:rPr>
-              <a:t>Engineering </a:t>
-            </a:r>
-            <a:r>
-              <a:rPr lang="de-DE" sz="1100" baseline="0" dirty="0" err="1" smtClean="0">
-                <a:solidFill>
-                  <a:srgbClr val="AB9DDB"/>
-                </a:solidFill>
-              </a:rPr>
-              <a:t>and</a:t>
-            </a:r>
-            <a:r>
-              <a:rPr lang="de-DE" sz="1100" baseline="0" dirty="0" smtClean="0">
-                <a:solidFill>
-                  <a:srgbClr val="AB9DDB"/>
-                </a:solidFill>
-              </a:rPr>
-              <a:t> </a:t>
-            </a:r>
-            <a:r>
-              <a:rPr lang="de-DE" sz="1100" baseline="0" dirty="0" err="1" smtClean="0">
-                <a:solidFill>
-                  <a:srgbClr val="AB9DDB"/>
-                </a:solidFill>
-              </a:rPr>
-              <a:t>Programming</a:t>
-            </a:r>
-            <a:r>
-              <a:rPr lang="de-DE" sz="1100" baseline="0" dirty="0" smtClean="0">
-                <a:solidFill>
-                  <a:srgbClr val="AB9DDB"/>
-                </a:solidFill>
-              </a:rPr>
-              <a:t> Basics </a:t>
             </a:r>
             <a:r>
               <a:rPr lang="de-DE" sz="1100" baseline="0" dirty="0">
@@ -8028,7 +7908,7 @@
               <a:pPr>
                 <a:defRPr/>
               </a:pPr>
-              <a:t>30.09.2019</a:t>
+              <a:t>25.10.2019</a:t>
             </a:fld>
             <a:endParaRPr lang="de-DE"/>
           </a:p>
@@ -8125,15 +8005,15 @@
               <a:defRPr/>
             </a:pPr>
             <a:r>
-              <a:rPr lang="de-DE" sz="1100" dirty="0">
+              <a:rPr lang="de-DE" sz="1100" dirty="0" err="1" smtClean="0">
                 <a:solidFill>
                   <a:srgbClr val="AB9DDB"/>
                 </a:solidFill>
               </a:rPr>
-              <a:t>Software</a:t>
-            </a:r>
-            <a:r>
-              <a:rPr lang="de-DE" sz="1100" baseline="0" dirty="0">
+              <a:t>Softwartechnik</a:t>
+            </a:r>
+            <a:r>
+              <a:rPr lang="de-DE" sz="1100" dirty="0" smtClean="0">
                 <a:solidFill>
                   <a:srgbClr val="AB9DDB"/>
                 </a:solidFill>
@@ -8146,47 +8026,15 @@
                   <a:srgbClr val="AB9DDB"/>
                 </a:solidFill>
               </a:rPr>
-              <a:t>Engineering </a:t>
-            </a:r>
-            <a:r>
-              <a:rPr lang="de-DE" sz="1100" baseline="0" dirty="0" err="1" smtClean="0">
+              <a:t>– </a:t>
+            </a:r>
+            <a:r>
+              <a:rPr lang="de-DE" sz="1100" baseline="0" dirty="0">
                 <a:solidFill>
                   <a:srgbClr val="AB9DDB"/>
                 </a:solidFill>
               </a:rPr>
-              <a:t>and</a:t>
-            </a:r>
-            <a:r>
-              <a:rPr lang="de-DE" sz="1100" baseline="0" dirty="0" smtClean="0">
-                <a:solidFill>
-                  <a:srgbClr val="AB9DDB"/>
-                </a:solidFill>
-              </a:rPr>
-              <a:t> </a:t>
-            </a:r>
-            <a:r>
-              <a:rPr lang="de-DE" sz="1100" baseline="0" dirty="0" err="1" smtClean="0">
-                <a:solidFill>
-                  <a:srgbClr val="AB9DDB"/>
-                </a:solidFill>
-              </a:rPr>
-              <a:t>Programming</a:t>
-            </a:r>
-            <a:r>
-              <a:rPr lang="de-DE" sz="1100" baseline="0" dirty="0" smtClean="0">
-                <a:solidFill>
-                  <a:srgbClr val="AB9DDB"/>
-                </a:solidFill>
-              </a:rPr>
-              <a:t> Basics </a:t>
-            </a:r>
-            <a:r>
-              <a:rPr lang="de-DE" sz="1100" baseline="0" dirty="0">
-                <a:solidFill>
-                  <a:srgbClr val="AB9DDB"/>
-                </a:solidFill>
-              </a:rPr>
-              <a:t>– Prof. Dr.-Ing. </a:t>
+              <a:t>Prof. Dr.-Ing. </a:t>
             </a:r>
             <a:r>
               <a:rPr lang="de-DE" sz="1100" baseline="0" dirty="0" smtClean="0">
@@ -8575,7 +8423,7 @@
                   </a:prstClr>
                 </a:solidFill>
               </a:rPr>
-              <a:t>30.09.2019</a:t>
+              <a:t>25.10.2019</a:t>
             </a:fld>
             <a:endParaRPr lang="de-DE">
               <a:solidFill>
@@ -8956,7 +8804,7 @@
               <a:pPr>
                 <a:defRPr/>
               </a:pPr>
-              <a:t>30.09.2019</a:t>
+              <a:t>25.10.2019</a:t>
             </a:fld>
             <a:endParaRPr lang="de-DE"/>
           </a:p>
@@ -9268,7 +9116,7 @@
               <a:pPr>
                 <a:defRPr/>
               </a:pPr>
-              <a:t>30.09.2019</a:t>
+              <a:t>25.10.2019</a:t>
             </a:fld>
             <a:endParaRPr lang="de-DE"/>
           </a:p>
@@ -9583,7 +9431,7 @@
                   </a:prstClr>
                 </a:solidFill>
               </a:rPr>
-              <a:t>30.09.2019</a:t>
+              <a:t>25.10.2019</a:t>
             </a:fld>
             <a:endParaRPr lang="de-DE">
               <a:solidFill>
@@ -9878,7 +9726,7 @@
                 <a:buClrTx/>
                 <a:buSzTx/>
               </a:pPr>
-              <a:t>30.09.2019</a:t>
+              <a:t>25.10.2019</a:t>
             </a:fld>
             <a:endParaRPr lang="de-DE" b="0">
               <a:solidFill>
@@ -10321,240 +10169,6 @@
       </p:grpSpPr>
       <p:sp>
         <p:nvSpPr>
-          <p:cNvPr id="6" name="Untertitel 5">
-            <a:extLst>
-              <a:ext uri="{FF2B5EF4-FFF2-40B4-BE49-F238E27FC236}">
-                <a16:creationId xmlns:a16="http://schemas.microsoft.com/office/drawing/2014/main" id="{D2F23201-A69C-4A4E-88FF-C6BD5642A7EC}"/>
-              </a:ext>
-            </a:extLst>
-          </p:cNvPr>
-          <p:cNvSpPr>
-            <a:spLocks noGrp="1"/>
-          </p:cNvSpPr>
-          <p:nvPr>
-            <p:ph type="subTitle" idx="1"/>
-          </p:nvPr>
-        </p:nvSpPr>
-        <p:spPr/>
-        <p:txBody>
-          <a:bodyPr/>
-          <a:lstStyle/>
-          <a:p>
-            <a:endParaRPr lang="en-US"/>
-          </a:p>
-        </p:txBody>
-      </p:sp>
-      <p:sp>
-        <p:nvSpPr>
-          <p:cNvPr id="12" name="Untertitel 2">
-            <a:extLst>
-              <a:ext uri="{FF2B5EF4-FFF2-40B4-BE49-F238E27FC236}">
-                <a16:creationId xmlns:a16="http://schemas.microsoft.com/office/drawing/2014/main" id="{25FC5072-9376-45D7-8D17-36EA258DACEF}"/>
-              </a:ext>
-            </a:extLst>
-          </p:cNvPr>
-          <p:cNvSpPr txBox="1">
-            <a:spLocks/>
-          </p:cNvSpPr>
-          <p:nvPr/>
-        </p:nvSpPr>
-        <p:spPr>
-          <a:xfrm>
-            <a:off x="1704306" y="6525344"/>
-            <a:ext cx="6911975" cy="364996"/>
-          </a:xfrm>
-          <a:prstGeom prst="rect">
-            <a:avLst/>
-          </a:prstGeom>
-        </p:spPr>
-        <p:txBody>
-          <a:bodyPr vert="horz" lIns="91440" tIns="45720" rIns="91440" bIns="45720" rtlCol="0">
-            <a:normAutofit/>
-          </a:bodyPr>
-          <a:lstStyle>
-            <a:lvl1pPr marL="0" indent="0" algn="ctr" defTabSz="914400" rtl="0" eaLnBrk="1" latinLnBrk="0" hangingPunct="1">
-              <a:spcBef>
-                <a:spcPct val="20000"/>
-              </a:spcBef>
-              <a:buFont typeface="Arial" pitchFamily="34" charset="0"/>
-              <a:buNone/>
-              <a:defRPr sz="3200" kern="1200">
-                <a:solidFill>
-                  <a:schemeClr val="tx1">
-                    <a:tint val="75000"/>
-                  </a:schemeClr>
-                </a:solidFill>
-                <a:latin typeface="+mn-lt"/>
-                <a:ea typeface="+mn-ea"/>
-                <a:cs typeface="+mn-cs"/>
-              </a:defRPr>
-            </a:lvl1pPr>
-            <a:lvl2pPr marL="457200" indent="0" algn="ctr" defTabSz="914400" rtl="0" eaLnBrk="1" latinLnBrk="0" hangingPunct="1">
-              <a:spcBef>
-                <a:spcPct val="20000"/>
-              </a:spcBef>
-              <a:buFont typeface="Arial" pitchFamily="34" charset="0"/>
-              <a:buNone/>
-              <a:defRPr sz="2800" kern="1200">
-                <a:solidFill>
-                  <a:schemeClr val="tx1">
-                    <a:tint val="75000"/>
-                  </a:schemeClr>
-                </a:solidFill>
-                <a:latin typeface="+mn-lt"/>
-                <a:ea typeface="+mn-ea"/>
-                <a:cs typeface="+mn-cs"/>
-              </a:defRPr>
-            </a:lvl2pPr>
-            <a:lvl3pPr marL="914400" indent="0" algn="ctr" defTabSz="914400" rtl="0" eaLnBrk="1" latinLnBrk="0" hangingPunct="1">
-              <a:spcBef>
-                <a:spcPct val="20000"/>
-              </a:spcBef>
-              <a:buFont typeface="Arial" pitchFamily="34" charset="0"/>
-              <a:buNone/>
-              <a:defRPr sz="2400" kern="1200">
-                <a:solidFill>
-                  <a:schemeClr val="tx1">
-                    <a:tint val="75000"/>
-                  </a:schemeClr>
-                </a:solidFill>
-                <a:latin typeface="+mn-lt"/>
-                <a:ea typeface="+mn-ea"/>
-                <a:cs typeface="+mn-cs"/>
-              </a:defRPr>
-            </a:lvl3pPr>
-            <a:lvl4pPr marL="1371600" indent="0" algn="ctr" defTabSz="914400" rtl="0" eaLnBrk="1" latinLnBrk="0" hangingPunct="1">
-              <a:spcBef>
-                <a:spcPct val="20000"/>
-              </a:spcBef>
-              <a:buFont typeface="Arial" pitchFamily="34" charset="0"/>
-              <a:buNone/>
-              <a:defRPr sz="2000" kern="1200">
-                <a:solidFill>
-                  <a:schemeClr val="tx1">
-                    <a:tint val="75000"/>
-                  </a:schemeClr>
-                </a:solidFill>
-                <a:latin typeface="+mn-lt"/>
-                <a:ea typeface="+mn-ea"/>
-                <a:cs typeface="+mn-cs"/>
-              </a:defRPr>
-            </a:lvl4pPr>
-            <a:lvl5pPr marL="1828800" indent="0" algn="ctr" defTabSz="914400" rtl="0" eaLnBrk="1" latinLnBrk="0" hangingPunct="1">
-              <a:spcBef>
-                <a:spcPct val="20000"/>
-              </a:spcBef>
-              <a:buFont typeface="Arial" pitchFamily="34" charset="0"/>
-              <a:buNone/>
-              <a:defRPr sz="2000" kern="1200">
-                <a:solidFill>
-                  <a:schemeClr val="tx1">
-                    <a:tint val="75000"/>
-                  </a:schemeClr>
-                </a:solidFill>
-                <a:latin typeface="+mn-lt"/>
-                <a:ea typeface="+mn-ea"/>
-                <a:cs typeface="+mn-cs"/>
-              </a:defRPr>
-            </a:lvl5pPr>
-            <a:lvl6pPr marL="2286000" indent="0" algn="ctr" defTabSz="914400" rtl="0" eaLnBrk="1" latinLnBrk="0" hangingPunct="1">
-              <a:spcBef>
-                <a:spcPct val="20000"/>
-              </a:spcBef>
-              <a:buFont typeface="Arial" pitchFamily="34" charset="0"/>
-              <a:buNone/>
-              <a:defRPr sz="2000" kern="1200">
-                <a:solidFill>
-                  <a:schemeClr val="tx1">
-                    <a:tint val="75000"/>
-                  </a:schemeClr>
-                </a:solidFill>
-                <a:latin typeface="+mn-lt"/>
-                <a:ea typeface="+mn-ea"/>
-                <a:cs typeface="+mn-cs"/>
-              </a:defRPr>
-            </a:lvl6pPr>
-            <a:lvl7pPr marL="2743200" indent="0" algn="ctr" defTabSz="914400" rtl="0" eaLnBrk="1" latinLnBrk="0" hangingPunct="1">
-              <a:spcBef>
-                <a:spcPct val="20000"/>
-              </a:spcBef>
-              <a:buFont typeface="Arial" pitchFamily="34" charset="0"/>
-              <a:buNone/>
-              <a:defRPr sz="2000" kern="1200">
-                <a:solidFill>
-                  <a:schemeClr val="tx1">
-                    <a:tint val="75000"/>
-                  </a:schemeClr>
-                </a:solidFill>
-                <a:latin typeface="+mn-lt"/>
-                <a:ea typeface="+mn-ea"/>
-                <a:cs typeface="+mn-cs"/>
-              </a:defRPr>
-            </a:lvl7pPr>
-            <a:lvl8pPr marL="3200400" indent="0" algn="ctr" defTabSz="914400" rtl="0" eaLnBrk="1" latinLnBrk="0" hangingPunct="1">
-              <a:spcBef>
-                <a:spcPct val="20000"/>
-              </a:spcBef>
-              <a:buFont typeface="Arial" pitchFamily="34" charset="0"/>
-              <a:buNone/>
-              <a:defRPr sz="2000" kern="1200">
-                <a:solidFill>
-                  <a:schemeClr val="tx1">
-                    <a:tint val="75000"/>
-                  </a:schemeClr>
-                </a:solidFill>
-                <a:latin typeface="+mn-lt"/>
-                <a:ea typeface="+mn-ea"/>
-                <a:cs typeface="+mn-cs"/>
-              </a:defRPr>
-            </a:lvl8pPr>
-            <a:lvl9pPr marL="3657600" indent="0" algn="ctr" defTabSz="914400" rtl="0" eaLnBrk="1" latinLnBrk="0" hangingPunct="1">
-              <a:spcBef>
-                <a:spcPct val="20000"/>
-              </a:spcBef>
-              <a:buFont typeface="Arial" pitchFamily="34" charset="0"/>
-              <a:buNone/>
-              <a:defRPr sz="2000" kern="1200">
-                <a:solidFill>
-                  <a:schemeClr val="tx1">
-                    <a:tint val="75000"/>
-                  </a:schemeClr>
-                </a:solidFill>
-                <a:latin typeface="+mn-lt"/>
-                <a:ea typeface="+mn-ea"/>
-                <a:cs typeface="+mn-cs"/>
-              </a:defRPr>
-            </a:lvl9pPr>
-          </a:lstStyle>
-          <a:p>
-            <a:pPr algn="l" fontAlgn="auto">
-              <a:lnSpc>
-                <a:spcPct val="80000"/>
-              </a:lnSpc>
-              <a:spcAft>
-                <a:spcPts val="0"/>
-              </a:spcAft>
-              <a:buClrTx/>
-              <a:buSzTx/>
-            </a:pPr>
-            <a:r>
-              <a:rPr lang="de-DE" sz="1300" b="0">
-                <a:solidFill>
-                  <a:srgbClr val="898989"/>
-                </a:solidFill>
-              </a:rPr>
-              <a:t>Basierend auf dem Material von Oscar Nierstrasz, Sven Apel, Janet Siegmund</a:t>
-            </a:r>
-            <a:endParaRPr lang="de-DE" sz="1300" b="0" dirty="0">
-              <a:solidFill>
-                <a:srgbClr val="898989"/>
-              </a:solidFill>
-            </a:endParaRPr>
-          </a:p>
-        </p:txBody>
-      </p:sp>
-      <p:sp>
-        <p:nvSpPr>
           <p:cNvPr id="13" name="Titel 6">
             <a:extLst>
               <a:ext uri="{FF2B5EF4-FFF2-40B4-BE49-F238E27FC236}">
@@ -10602,24 +10216,34 @@
               </a:rPr>
             </a:br>
             <a:r>
-              <a:rPr lang="de-DE" sz="2800" dirty="0" err="1">
+              <a:rPr lang="de-DE" sz="2800" smtClean="0">
                 <a:solidFill>
                   <a:srgbClr val="F79646">
                     <a:lumMod val="75000"/>
                   </a:srgbClr>
                 </a:solidFill>
               </a:rPr>
-              <a:t>Responsibility</a:t>
-            </a:r>
-            <a:r>
-              <a:rPr lang="de-DE" sz="2800" dirty="0">
+              <a:t>Responsibility-Driven</a:t>
+            </a:r>
+            <a:r>
+              <a:rPr lang="de-DE" sz="2800" dirty="0" smtClean="0">
                 <a:solidFill>
                   <a:srgbClr val="F79646">
                     <a:lumMod val="75000"/>
                   </a:srgbClr>
                 </a:solidFill>
               </a:rPr>
-              <a:t>-Driven Design</a:t>
+              <a:t> </a:t>
+            </a:r>
+            <a:r>
+              <a:rPr lang="de-DE" sz="2800" dirty="0">
+                <a:solidFill>
+                  <a:srgbClr val="F79646">
+                    <a:lumMod val="75000"/>
+                  </a:srgbClr>
+                </a:solidFill>
+              </a:rPr>
+              <a:t>Design</a:t>
             </a:r>
             <a:endParaRPr lang="de-DE" dirty="0">
               <a:solidFill>
@@ -10631,59 +10255,12 @@
           </a:p>
         </p:txBody>
       </p:sp>
-      <p:pic>
-        <p:nvPicPr>
-          <p:cNvPr id="14" name="Picture 2" descr="http://www.uni-weimar.de/medien/webis/events/pan-15/pan15-figures/logo-bauhaus-universitaet-weimar.png">
+      <p:sp>
+        <p:nvSpPr>
+          <p:cNvPr id="8" name="Untertitel 2">
             <a:extLst>
               <a:ext uri="{FF2B5EF4-FFF2-40B4-BE49-F238E27FC236}">
-                <a16:creationId xmlns:a16="http://schemas.microsoft.com/office/drawing/2014/main" id="{EAAA7507-408E-44D1-829E-82E8C4C4BAFA}"/>
-              </a:ext>
-            </a:extLst>
-          </p:cNvPr>
-          <p:cNvPicPr>
-            <a:picLocks noChangeAspect="1" noChangeArrowheads="1"/>
-          </p:cNvPicPr>
-          <p:nvPr/>
-        </p:nvPicPr>
-        <p:blipFill>
-          <a:blip r:embed="rId3">
-            <a:extLst>
-              <a:ext uri="{28A0092B-C50C-407E-A947-70E740481C1C}">
-                <a14:useLocalDpi xmlns:a14="http://schemas.microsoft.com/office/drawing/2010/main" val="0"/>
-              </a:ext>
-            </a:extLst>
-          </a:blip>
-          <a:srcRect/>
-          <a:stretch>
-            <a:fillRect/>
-          </a:stretch>
-        </p:blipFill>
-        <p:spPr bwMode="auto">
-          <a:xfrm>
-            <a:off x="5807968" y="3953006"/>
-            <a:ext cx="4283968" cy="1092560"/>
-          </a:xfrm>
-          <a:prstGeom prst="rect">
-            <a:avLst/>
-          </a:prstGeom>
-          <a:noFill/>
-          <a:extLst>
-            <a:ext uri="{909E8E84-426E-40DD-AFC4-6F175D3DCCD1}">
-              <a14:hiddenFill xmlns:a14="http://schemas.microsoft.com/office/drawing/2010/main">
-                <a:solidFill>
-                  <a:srgbClr val="FFFFFF"/>
-                </a:solidFill>
-              </a14:hiddenFill>
-            </a:ext>
-          </a:extLst>
-        </p:spPr>
-      </p:pic>
-      <p:sp>
-        <p:nvSpPr>
-          <p:cNvPr id="15" name="Untertitel 2">
-            <a:extLst>
-              <a:ext uri="{FF2B5EF4-FFF2-40B4-BE49-F238E27FC236}">
-                <a16:creationId xmlns:a16="http://schemas.microsoft.com/office/drawing/2014/main" id="{4749FEF3-33D3-44CC-BE6D-22289F34D3AC}"/>
+                <a16:creationId xmlns:a16="http://schemas.microsoft.com/office/drawing/2014/main" id="{247F89BA-5025-4442-AB6A-042364646140}"/>
               </a:ext>
             </a:extLst>
           </p:cNvPr>
@@ -10694,8 +10271,8 @@
         </p:nvSpPr>
         <p:spPr bwMode="auto">
           <a:xfrm>
-            <a:off x="1703512" y="4293096"/>
-            <a:ext cx="6912768" cy="1752600"/>
+            <a:off x="1701676" y="5589240"/>
+            <a:ext cx="7058620" cy="1008112"/>
           </a:xfrm>
           <a:prstGeom prst="rect">
             <a:avLst/>
@@ -10713,10 +10290,9 @@
             <a:prstTxWarp prst="textNoShape">
               <a:avLst/>
             </a:prstTxWarp>
-            <a:normAutofit/>
           </a:bodyPr>
           <a:lstStyle>
-            <a:lvl1pPr marL="0" indent="0" algn="ctr" rtl="0" eaLnBrk="0" fontAlgn="base" hangingPunct="0">
+            <a:lvl1pPr marL="0" indent="0" algn="ctr" rtl="0" fontAlgn="base">
               <a:spcBef>
                 <a:spcPct val="20000"/>
               </a:spcBef>
@@ -10736,7 +10312,7 @@
                 <a:cs typeface="+mn-cs"/>
               </a:defRPr>
             </a:lvl1pPr>
-            <a:lvl2pPr marL="457200" indent="0" algn="ctr" rtl="0" eaLnBrk="0" fontAlgn="base" hangingPunct="0">
+            <a:lvl2pPr marL="457200" indent="0" algn="ctr" rtl="0" fontAlgn="base">
               <a:spcBef>
                 <a:spcPct val="20000"/>
               </a:spcBef>
@@ -10756,7 +10332,7 @@
                 <a:cs typeface="+mn-cs"/>
               </a:defRPr>
             </a:lvl2pPr>
-            <a:lvl3pPr marL="914400" indent="0" algn="ctr" rtl="0" eaLnBrk="0" fontAlgn="base" hangingPunct="0">
+            <a:lvl3pPr marL="914400" indent="0" algn="ctr" rtl="0" fontAlgn="base">
               <a:spcBef>
                 <a:spcPct val="20000"/>
               </a:spcBef>
@@ -10776,7 +10352,7 @@
                 <a:cs typeface="+mn-cs"/>
               </a:defRPr>
             </a:lvl3pPr>
-            <a:lvl4pPr marL="1371600" indent="0" algn="ctr" rtl="0" eaLnBrk="0" fontAlgn="base" hangingPunct="0">
+            <a:lvl4pPr marL="1371600" indent="0" algn="ctr" rtl="0" fontAlgn="base">
               <a:spcBef>
                 <a:spcPct val="20000"/>
               </a:spcBef>
@@ -10796,7 +10372,7 @@
                 <a:cs typeface="+mn-cs"/>
               </a:defRPr>
             </a:lvl4pPr>
-            <a:lvl5pPr marL="1828800" indent="0" algn="ctr" rtl="0" eaLnBrk="0" fontAlgn="base" hangingPunct="0">
+            <a:lvl5pPr marL="1828800" indent="0" algn="ctr" rtl="0" fontAlgn="base">
               <a:spcBef>
                 <a:spcPct val="20000"/>
               </a:spcBef>
@@ -10886,69 +10462,245 @@
             </a:lvl9pPr>
           </a:lstStyle>
           <a:p>
-            <a:pPr algn="l"/>
-            <a:endParaRPr lang="de-DE" sz="1400" dirty="0"/>
-          </a:p>
-          <a:p>
-            <a:pPr algn="l"/>
-            <a:endParaRPr lang="de-DE" sz="1400" dirty="0"/>
-          </a:p>
-          <a:p>
-            <a:pPr algn="l"/>
-            <a:r>
-              <a:rPr lang="de-DE" sz="1400" dirty="0"/>
-              <a:t>Prof. Dr.-Ing. Norbert Siegmund</a:t>
-            </a:r>
-          </a:p>
-          <a:p>
-            <a:pPr algn="l"/>
-            <a:r>
-              <a:rPr lang="de-DE" sz="1400" dirty="0"/>
-              <a:t>Intelligent Software Systems</a:t>
-            </a:r>
-          </a:p>
-          <a:p>
-            <a:pPr algn="l"/>
-            <a:endParaRPr lang="de-DE" sz="1400" dirty="0"/>
+            <a:pPr marL="0" marR="0" lvl="0" indent="0" algn="l" defTabSz="914400" rtl="0" eaLnBrk="1" fontAlgn="base" latinLnBrk="0" hangingPunct="1">
+              <a:lnSpc>
+                <a:spcPct val="80000"/>
+              </a:lnSpc>
+              <a:spcBef>
+                <a:spcPct val="20000"/>
+              </a:spcBef>
+              <a:spcAft>
+                <a:spcPct val="0"/>
+              </a:spcAft>
+              <a:buClrTx/>
+              <a:buSzTx/>
+              <a:buFont typeface="Arial" charset="0"/>
+              <a:buNone/>
+              <a:tabLst/>
+              <a:defRPr/>
+            </a:pPr>
+            <a:r>
+              <a:rPr kumimoji="0" lang="de-DE" sz="1200" b="0" i="0" u="none" strike="noStrike" kern="1200" cap="none" spc="0" normalizeH="0" baseline="0" noProof="0" dirty="0" err="1" smtClean="0">
+                <a:ln>
+                  <a:noFill/>
+                </a:ln>
+                <a:solidFill>
+                  <a:srgbClr val="898989"/>
+                </a:solidFill>
+                <a:effectLst/>
+                <a:uLnTx/>
+                <a:uFillTx/>
+                <a:latin typeface="Calibri"/>
+                <a:ea typeface="+mn-ea"/>
+                <a:cs typeface="+mn-cs"/>
+              </a:rPr>
+              <a:t>Authors</a:t>
+            </a:r>
+            <a:r>
+              <a:rPr kumimoji="0" lang="de-DE" sz="1200" b="0" i="0" u="none" strike="noStrike" kern="1200" cap="none" spc="0" normalizeH="0" baseline="0" noProof="0" dirty="0" smtClean="0">
+                <a:ln>
+                  <a:noFill/>
+                </a:ln>
+                <a:solidFill>
+                  <a:srgbClr val="898989"/>
+                </a:solidFill>
+                <a:effectLst/>
+                <a:uLnTx/>
+                <a:uFillTx/>
+                <a:latin typeface="Calibri"/>
+                <a:ea typeface="+mn-ea"/>
+                <a:cs typeface="+mn-cs"/>
+              </a:rPr>
+              <a:t> </a:t>
+            </a:r>
+            <a:r>
+              <a:rPr kumimoji="0" lang="de-DE" sz="1200" b="0" i="0" u="none" strike="noStrike" kern="1200" cap="none" spc="0" normalizeH="0" baseline="0" noProof="0" dirty="0" err="1" smtClean="0">
+                <a:ln>
+                  <a:noFill/>
+                </a:ln>
+                <a:solidFill>
+                  <a:srgbClr val="898989"/>
+                </a:solidFill>
+                <a:effectLst/>
+                <a:uLnTx/>
+                <a:uFillTx/>
+                <a:latin typeface="Calibri"/>
+                <a:ea typeface="+mn-ea"/>
+                <a:cs typeface="+mn-cs"/>
+              </a:rPr>
+              <a:t>of</a:t>
+            </a:r>
+            <a:r>
+              <a:rPr kumimoji="0" lang="de-DE" sz="1200" b="0" i="0" u="none" strike="noStrike" kern="1200" cap="none" spc="0" normalizeH="0" baseline="0" noProof="0" dirty="0" smtClean="0">
+                <a:ln>
+                  <a:noFill/>
+                </a:ln>
+                <a:solidFill>
+                  <a:srgbClr val="898989"/>
+                </a:solidFill>
+                <a:effectLst/>
+                <a:uLnTx/>
+                <a:uFillTx/>
+                <a:latin typeface="Calibri"/>
+                <a:ea typeface="+mn-ea"/>
+                <a:cs typeface="+mn-cs"/>
+              </a:rPr>
+              <a:t> </a:t>
+            </a:r>
+            <a:r>
+              <a:rPr kumimoji="0" lang="de-DE" sz="1200" b="0" i="0" u="none" strike="noStrike" kern="1200" cap="none" spc="0" normalizeH="0" baseline="0" noProof="0" dirty="0" err="1" smtClean="0">
+                <a:ln>
+                  <a:noFill/>
+                </a:ln>
+                <a:solidFill>
+                  <a:srgbClr val="898989"/>
+                </a:solidFill>
+                <a:effectLst/>
+                <a:uLnTx/>
+                <a:uFillTx/>
+                <a:latin typeface="Calibri"/>
+                <a:ea typeface="+mn-ea"/>
+                <a:cs typeface="+mn-cs"/>
+              </a:rPr>
+              <a:t>slides</a:t>
+            </a:r>
+            <a:r>
+              <a:rPr kumimoji="0" lang="de-DE" sz="1200" b="0" i="0" u="none" strike="noStrike" kern="1200" cap="none" spc="0" normalizeH="0" baseline="0" noProof="0" dirty="0" smtClean="0">
+                <a:ln>
+                  <a:noFill/>
+                </a:ln>
+                <a:solidFill>
+                  <a:srgbClr val="898989"/>
+                </a:solidFill>
+                <a:effectLst/>
+                <a:uLnTx/>
+                <a:uFillTx/>
+                <a:latin typeface="Calibri"/>
+                <a:ea typeface="+mn-ea"/>
+                <a:cs typeface="+mn-cs"/>
+              </a:rPr>
+              <a:t>:</a:t>
+            </a:r>
+          </a:p>
+          <a:p>
+            <a:pPr lvl="0" algn="l">
+              <a:lnSpc>
+                <a:spcPct val="80000"/>
+              </a:lnSpc>
+            </a:pPr>
+            <a:r>
+              <a:rPr lang="de-DE" sz="1200" dirty="0">
+                <a:solidFill>
+                  <a:srgbClr val="898989"/>
+                </a:solidFill>
+              </a:rPr>
+              <a:t>Norbert Siegmund </a:t>
+            </a:r>
+            <a:endParaRPr lang="de-DE" sz="1200" dirty="0" smtClean="0">
+              <a:solidFill>
+                <a:srgbClr val="898989"/>
+              </a:solidFill>
+            </a:endParaRPr>
+          </a:p>
+          <a:p>
+            <a:pPr lvl="0" algn="l">
+              <a:lnSpc>
+                <a:spcPct val="80000"/>
+              </a:lnSpc>
+            </a:pPr>
+            <a:r>
+              <a:rPr lang="de-DE" sz="1200" dirty="0" smtClean="0">
+                <a:solidFill>
+                  <a:srgbClr val="898989"/>
+                </a:solidFill>
+              </a:rPr>
+              <a:t>Janet </a:t>
+            </a:r>
+            <a:r>
+              <a:rPr kumimoji="0" lang="de-DE" sz="1200" b="0" i="0" u="none" strike="noStrike" kern="1200" cap="none" spc="0" normalizeH="0" baseline="0" noProof="0" dirty="0" smtClean="0">
+                <a:ln>
+                  <a:noFill/>
+                </a:ln>
+                <a:solidFill>
+                  <a:srgbClr val="898989"/>
+                </a:solidFill>
+                <a:effectLst/>
+                <a:uLnTx/>
+                <a:uFillTx/>
+                <a:latin typeface="Calibri"/>
+                <a:ea typeface="+mn-ea"/>
+                <a:cs typeface="+mn-cs"/>
+              </a:rPr>
+              <a:t>Siegmund</a:t>
+            </a:r>
+          </a:p>
+          <a:p>
+            <a:pPr lvl="0" algn="l">
+              <a:lnSpc>
+                <a:spcPct val="80000"/>
+              </a:lnSpc>
+            </a:pPr>
+            <a:r>
+              <a:rPr lang="de-DE" sz="1200" dirty="0" smtClean="0">
+                <a:solidFill>
+                  <a:srgbClr val="898989"/>
+                </a:solidFill>
+              </a:rPr>
+              <a:t>Oscar </a:t>
+            </a:r>
+            <a:r>
+              <a:rPr lang="de-DE" sz="1200" dirty="0" err="1" smtClean="0">
+                <a:solidFill>
+                  <a:srgbClr val="898989"/>
+                </a:solidFill>
+              </a:rPr>
+              <a:t>Nierstrasz</a:t>
+            </a:r>
+            <a:endParaRPr lang="de-DE" sz="1200" dirty="0" smtClean="0">
+              <a:solidFill>
+                <a:srgbClr val="898989"/>
+              </a:solidFill>
+            </a:endParaRPr>
+          </a:p>
+          <a:p>
+            <a:pPr lvl="0" algn="l">
+              <a:lnSpc>
+                <a:spcPct val="80000"/>
+              </a:lnSpc>
+            </a:pPr>
+            <a:r>
+              <a:rPr lang="de-DE" sz="1200" dirty="0" smtClean="0">
+                <a:solidFill>
+                  <a:srgbClr val="898989"/>
+                </a:solidFill>
+              </a:rPr>
+              <a:t>Sven </a:t>
+            </a:r>
+            <a:r>
+              <a:rPr lang="de-DE" sz="1200" dirty="0">
+                <a:solidFill>
+                  <a:srgbClr val="898989"/>
+                </a:solidFill>
+              </a:rPr>
+              <a:t>Apel</a:t>
+            </a:r>
+            <a:endParaRPr kumimoji="0" lang="de-DE" sz="1200" b="0" i="0" u="none" strike="noStrike" kern="1200" cap="none" spc="0" normalizeH="0" baseline="0" noProof="0" dirty="0">
+              <a:ln>
+                <a:noFill/>
+              </a:ln>
+              <a:solidFill>
+                <a:srgbClr val="898989"/>
+              </a:solidFill>
+              <a:effectLst/>
+              <a:uLnTx/>
+              <a:uFillTx/>
+              <a:latin typeface="Calibri"/>
+              <a:ea typeface="+mn-ea"/>
+              <a:cs typeface="+mn-cs"/>
+            </a:endParaRPr>
           </a:p>
         </p:txBody>
       </p:sp>
-      <p:pic>
-        <p:nvPicPr>
-          <p:cNvPr id="16" name="Grafik 15">
-            <a:extLst>
-              <a:ext uri="{FF2B5EF4-FFF2-40B4-BE49-F238E27FC236}">
-                <a16:creationId xmlns:a16="http://schemas.microsoft.com/office/drawing/2014/main" id="{08A299C9-FF06-4D38-A349-4142A13E93CF}"/>
-              </a:ext>
-            </a:extLst>
-          </p:cNvPr>
-          <p:cNvPicPr>
-            <a:picLocks noChangeAspect="1"/>
-          </p:cNvPicPr>
-          <p:nvPr/>
-        </p:nvPicPr>
-        <p:blipFill>
-          <a:blip r:embed="rId4">
-            <a:extLst>
-              <a:ext uri="{28A0092B-C50C-407E-A947-70E740481C1C}">
-                <a14:useLocalDpi xmlns:a14="http://schemas.microsoft.com/office/drawing/2010/main" val="0"/>
-              </a:ext>
-            </a:extLst>
-          </a:blip>
-          <a:stretch>
-            <a:fillRect/>
-          </a:stretch>
-        </p:blipFill>
-        <p:spPr>
-          <a:xfrm>
-            <a:off x="2210296" y="2663375"/>
-            <a:ext cx="2844824" cy="2515326"/>
-          </a:xfrm>
-          <a:prstGeom prst="rect">
-            <a:avLst/>
-          </a:prstGeom>
-        </p:spPr>
-      </p:pic>
     </p:spTree>
     <p:extLst>
       <p:ext uri="{BB962C8B-B14F-4D97-AF65-F5344CB8AC3E}">
@@ -10981,12 +10733,132 @@
       </p:grpSpPr>
       <p:sp>
         <p:nvSpPr>
-          <p:cNvPr id="2" name="Titel 1"/>
-          <p:cNvSpPr>
-            <a:spLocks noGrp="1"/>
+          <p:cNvPr id="498693" name="Rectangle 2"/>
+          <p:cNvSpPr>
+            <a:spLocks noGrp="1" noChangeArrowheads="1"/>
           </p:cNvSpPr>
           <p:nvPr>
             <p:ph type="title"/>
+          </p:nvPr>
+        </p:nvSpPr>
+        <p:spPr/>
+        <p:txBody>
+          <a:bodyPr vert="horz" lIns="0" tIns="0" rIns="0" bIns="0" rtlCol="0" anchor="ctr">
+            <a:noAutofit/>
+          </a:bodyPr>
+          <a:lstStyle/>
+          <a:p>
+            <a:r>
+              <a:rPr lang="de-DE" dirty="0" smtClean="0"/>
+              <a:t>Initiale Exploration: Finden </a:t>
+            </a:r>
+            <a:r>
+              <a:rPr lang="de-DE" dirty="0"/>
+              <a:t>der Klassen</a:t>
+            </a:r>
+          </a:p>
+        </p:txBody>
+      </p:sp>
+      <p:sp>
+        <p:nvSpPr>
+          <p:cNvPr id="498694" name="Rectangle 3"/>
+          <p:cNvSpPr>
+            <a:spLocks noGrp="1" noChangeArrowheads="1"/>
+          </p:cNvSpPr>
+          <p:nvPr>
+            <p:ph idx="1"/>
+          </p:nvPr>
+        </p:nvSpPr>
+        <p:spPr/>
+        <p:txBody>
+          <a:bodyPr vert="horz" lIns="0" tIns="0" rIns="0" bIns="0" rtlCol="0">
+            <a:normAutofit/>
+          </a:bodyPr>
+          <a:lstStyle/>
+          <a:p>
+            <a:pPr marL="609600" indent="-609600">
+              <a:buNone/>
+            </a:pPr>
+            <a:r>
+              <a:rPr lang="de-DE" i="1" dirty="0">
+                <a:solidFill>
+                  <a:srgbClr val="7F0101"/>
+                </a:solidFill>
+              </a:rPr>
+              <a:t>Start mit der </a:t>
+            </a:r>
+            <a:r>
+              <a:rPr lang="de-DE" i="1" dirty="0" err="1">
+                <a:solidFill>
+                  <a:srgbClr val="7F0101"/>
+                </a:solidFill>
+              </a:rPr>
+              <a:t>Requirements</a:t>
+            </a:r>
+            <a:r>
+              <a:rPr lang="de-DE" i="1" dirty="0">
+                <a:solidFill>
+                  <a:srgbClr val="7F0101"/>
+                </a:solidFill>
+              </a:rPr>
+              <a:t> Spezifikation:</a:t>
+            </a:r>
+          </a:p>
+          <a:p>
+            <a:pPr marL="609600" indent="-609600">
+              <a:buNone/>
+            </a:pPr>
+            <a:r>
+              <a:rPr lang="de-DE" dirty="0"/>
+              <a:t>	Was sind die Ziele, der erwartete Input und Output des Systems, welches entworfen wird?</a:t>
+            </a:r>
+          </a:p>
+          <a:p>
+            <a:pPr marL="609600" indent="-609600">
+              <a:buFont typeface="Arial" charset="0"/>
+              <a:buChar char="•"/>
+            </a:pPr>
+            <a:endParaRPr lang="de-DE" dirty="0"/>
+          </a:p>
+          <a:p>
+            <a:pPr marL="609600" indent="-609600">
+              <a:buFontTx/>
+              <a:buAutoNum type="arabicPeriod"/>
+            </a:pPr>
+            <a:r>
+              <a:rPr lang="de-DE" dirty="0"/>
+              <a:t>Suche nach </a:t>
+            </a:r>
+            <a:r>
+              <a:rPr lang="de-DE" i="1" dirty="0">
+                <a:solidFill>
+                  <a:srgbClr val="7F0101"/>
+                </a:solidFill>
+              </a:rPr>
+              <a:t>Nomen Phrasen</a:t>
+            </a:r>
+            <a:r>
+              <a:rPr lang="de-DE" dirty="0"/>
+              <a:t>:</a:t>
+            </a:r>
+          </a:p>
+          <a:p>
+            <a:pPr marL="990600" lvl="1" indent="-533400"/>
+            <a:r>
+              <a:rPr lang="de-DE" dirty="0"/>
+              <a:t>Separiere in offensichtliche Klassen, Kandidaten für Klassen und keine Klassen</a:t>
+            </a:r>
+          </a:p>
+        </p:txBody>
+      </p:sp>
+      <p:sp>
+        <p:nvSpPr>
+          <p:cNvPr id="2" name="Foliennummernplatzhalter 1"/>
+          <p:cNvSpPr>
+            <a:spLocks noGrp="1"/>
+          </p:cNvSpPr>
+          <p:nvPr>
+            <p:ph type="sldNum" sz="quarter" idx="12"/>
           </p:nvPr>
         </p:nvSpPr>
         <p:spPr/>
@@ -10994,109 +10866,33 @@
           <a:bodyPr/>
           <a:lstStyle/>
           <a:p>
-            <a:r>
-              <a:rPr lang="de-DE" dirty="0" smtClean="0"/>
-              <a:t>CRC-Karten</a:t>
-            </a:r>
-            <a:endParaRPr lang="en-US" dirty="0"/>
-          </a:p>
-        </p:txBody>
-      </p:sp>
-      <p:sp>
-        <p:nvSpPr>
-          <p:cNvPr id="3" name="Inhaltsplatzhalter 2"/>
-          <p:cNvSpPr>
-            <a:spLocks noGrp="1"/>
-          </p:cNvSpPr>
-          <p:nvPr>
-            <p:ph idx="1"/>
-          </p:nvPr>
-        </p:nvSpPr>
-        <p:spPr/>
-        <p:txBody>
-          <a:bodyPr/>
-          <a:lstStyle/>
-          <a:p>
-            <a:endParaRPr lang="en-US"/>
-          </a:p>
-        </p:txBody>
-      </p:sp>
-      <p:sp>
-        <p:nvSpPr>
-          <p:cNvPr id="4" name="Foliennummernplatzhalter 3"/>
-          <p:cNvSpPr>
-            <a:spLocks noGrp="1"/>
-          </p:cNvSpPr>
-          <p:nvPr>
-            <p:ph type="sldNum" sz="quarter" idx="12"/>
-          </p:nvPr>
-        </p:nvSpPr>
-        <p:spPr/>
-        <p:txBody>
-          <a:bodyPr/>
-          <a:lstStyle/>
-          <a:p>
             <a:pPr>
               <a:defRPr/>
             </a:pPr>
             <a:fld id="{C0B85308-4B91-4084-B5EB-6B176834447A}" type="slidenum">
-              <a:rPr lang="de-DE" smtClean="0"/>
+              <a:rPr lang="de-DE" smtClean="0">
+                <a:solidFill>
+                  <a:prstClr val="black">
+                    <a:tint val="75000"/>
+                  </a:prstClr>
+                </a:solidFill>
+              </a:rPr>
               <a:pPr>
                 <a:defRPr/>
               </a:pPr>
               <a:t>10</a:t>
             </a:fld>
-            <a:endParaRPr lang="de-DE" dirty="0"/>
+            <a:endParaRPr lang="de-DE">
+              <a:solidFill>
+                <a:prstClr val="black">
+                  <a:tint val="75000"/>
+                </a:prstClr>
+              </a:solidFill>
+            </a:endParaRPr>
           </a:p>
         </p:txBody>
       </p:sp>
-      <p:pic>
-        <p:nvPicPr>
-          <p:cNvPr id="1026" name="Picture 2" descr="Paul Gestwicki's Blog: Spring 2013 Game Studio: Modeling ..."/>
-          <p:cNvPicPr>
-            <a:picLocks noChangeAspect="1" noChangeArrowheads="1"/>
-          </p:cNvPicPr>
-          <p:nvPr/>
-        </p:nvPicPr>
-        <p:blipFill>
-          <a:blip r:embed="rId3">
-            <a:extLst>
-              <a:ext uri="{28A0092B-C50C-407E-A947-70E740481C1C}">
-                <a14:useLocalDpi xmlns:a14="http://schemas.microsoft.com/office/drawing/2010/main" val="0"/>
-              </a:ext>
-            </a:extLst>
-          </a:blip>
-          <a:srcRect/>
-          <a:stretch>
-            <a:fillRect/>
-          </a:stretch>
-        </p:blipFill>
-        <p:spPr bwMode="auto">
-          <a:xfrm>
-            <a:off x="3143671" y="1912744"/>
-            <a:ext cx="7139791" cy="4428480"/>
-          </a:xfrm>
-          <a:prstGeom prst="rect">
-            <a:avLst/>
-          </a:prstGeom>
-          <a:noFill/>
-          <a:extLst>
-            <a:ext uri="{909E8E84-426E-40DD-AFC4-6F175D3DCCD1}">
-              <a14:hiddenFill xmlns:a14="http://schemas.microsoft.com/office/drawing/2010/main">
-                <a:solidFill>
-                  <a:srgbClr val="FFFFFF"/>
-                </a:solidFill>
-              </a14:hiddenFill>
-            </a:ext>
-          </a:extLst>
-        </p:spPr>
-      </p:pic>
     </p:spTree>
-    <p:extLst>
-      <p:ext uri="{BB962C8B-B14F-4D97-AF65-F5344CB8AC3E}">
-        <p14:creationId xmlns:p14="http://schemas.microsoft.com/office/powerpoint/2010/main" val="2504765807"/>
-      </p:ext>
-    </p:extLst>
   </p:cSld>
   <p:clrMapOvr>
     <a:masterClrMapping/>
@@ -11130,31 +10926,7 @@
       </p:grpSpPr>
       <p:sp>
         <p:nvSpPr>
-          <p:cNvPr id="496645" name="Rectangle 2"/>
-          <p:cNvSpPr>
-            <a:spLocks noGrp="1" noChangeArrowheads="1"/>
-          </p:cNvSpPr>
-          <p:nvPr>
-            <p:ph type="title"/>
-          </p:nvPr>
-        </p:nvSpPr>
-        <p:spPr/>
-        <p:txBody>
-          <a:bodyPr vert="horz" lIns="0" tIns="0" rIns="0" bIns="0" rtlCol="0" anchor="ctr">
-            <a:noAutofit/>
-          </a:bodyPr>
-          <a:lstStyle/>
-          <a:p>
-            <a:r>
-              <a:rPr lang="de-DE" dirty="0"/>
-              <a:t>Detaillierte Analyse</a:t>
-            </a:r>
-          </a:p>
-        </p:txBody>
-      </p:sp>
-      <p:sp>
-        <p:nvSpPr>
-          <p:cNvPr id="496646" name="Rectangle 3"/>
+          <p:cNvPr id="502790" name="Rectangle 3"/>
           <p:cNvSpPr>
             <a:spLocks noGrp="1" noChangeArrowheads="1"/>
           </p:cNvSpPr>
@@ -11162,84 +10934,84 @@
             <p:ph idx="1"/>
           </p:nvPr>
         </p:nvSpPr>
-        <p:spPr/>
+        <p:spPr>
+          <a:xfrm>
+            <a:off x="1907208" y="1816100"/>
+            <a:ext cx="5112568" cy="4594820"/>
+          </a:xfrm>
+        </p:spPr>
         <p:txBody>
-          <a:bodyPr vert="horz" lIns="0" tIns="0" rIns="0" bIns="0" rtlCol="0">
+          <a:bodyPr vert="horz" lIns="0" tIns="0" rIns="0" bIns="0" rtlCol="0" anchor="t">
             <a:normAutofit/>
           </a:bodyPr>
           <a:lstStyle/>
           <a:p>
-            <a:pPr marL="533400" indent="-533400">
-              <a:buFontTx/>
-              <a:buAutoNum type="arabicPeriod"/>
+            <a:pPr marL="0" indent="0" algn="just">
+              <a:buNone/>
             </a:pPr>
             <a:r>
-              <a:rPr lang="de-DE" i="1" dirty="0">
-                <a:solidFill>
-                  <a:srgbClr val="7F0101"/>
-                </a:solidFill>
-              </a:rPr>
-              <a:t>Bestimme</a:t>
-            </a:r>
-            <a:r>
-              <a:rPr lang="de-DE" dirty="0"/>
-              <a:t> gemeinsame Verantwortlichkeiten zur Bildung von Klassenhierarchien</a:t>
-            </a:r>
-          </a:p>
-          <a:p>
-            <a:pPr marL="533400" indent="-533400">
-              <a:buFontTx/>
-              <a:buAutoNum type="arabicPeriod"/>
+              <a:rPr lang="en-US" sz="1200" dirty="0"/>
+              <a:t>The drawing editor is an interactive graphics editor. With it, users can create and edit drawings composed of lines, rectangles, ellipses and text.</a:t>
+            </a:r>
+          </a:p>
+          <a:p>
+            <a:pPr marL="0" indent="0" algn="just">
+              <a:buNone/>
             </a:pPr>
-            <a:r>
-              <a:rPr lang="de-DE" i="1" dirty="0">
-                <a:solidFill>
-                  <a:srgbClr val="7F0101"/>
-                </a:solidFill>
-              </a:rPr>
-              <a:t>Konkretisiere</a:t>
-            </a:r>
-            <a:r>
-              <a:rPr lang="de-DE" dirty="0"/>
-              <a:t> Kollaborationen zwischen Objekte</a:t>
-            </a:r>
-          </a:p>
-          <a:p>
-            <a:pPr marL="914400" lvl="1" indent="-457200"/>
-            <a:r>
-              <a:rPr lang="de-DE" dirty="0"/>
-              <a:t>Ist der Nachrichtenverkehr sehr stark in Teilen des Systems? </a:t>
-            </a:r>
-          </a:p>
-          <a:p>
-            <a:pPr marL="914400" lvl="1" indent="-457200"/>
-            <a:r>
-              <a:rPr lang="de-DE" dirty="0"/>
-              <a:t>Gibt es Klassen, die mit allen anderen kollaborieren?</a:t>
-            </a:r>
-          </a:p>
-          <a:p>
-            <a:pPr marL="914400" lvl="1" indent="-457200"/>
-            <a:r>
-              <a:rPr lang="de-DE" dirty="0"/>
-              <a:t>Gibt es Klassen, die mit niemandem kollaborieren?</a:t>
-            </a:r>
-          </a:p>
-          <a:p>
-            <a:pPr marL="914400" lvl="1" indent="-457200"/>
-            <a:r>
-              <a:rPr lang="de-DE" dirty="0"/>
-              <a:t>Gibt es Gruppen von Klassen, die als Subsystem betrachtet werden können? </a:t>
-            </a:r>
-          </a:p>
-          <a:p>
-            <a:pPr marL="533400" indent="-533400">
-              <a:buFontTx/>
-              <a:buAutoNum type="arabicPeriod"/>
+            <a:endParaRPr lang="en-US" sz="1200" dirty="0"/>
+          </a:p>
+          <a:p>
+            <a:pPr marL="0" indent="0" algn="just">
+              <a:buNone/>
             </a:pPr>
             <a:r>
-              <a:rPr lang="de-DE" dirty="0"/>
-              <a:t>Wandle Klassenverantwortlichkeiten in voll spezifizierte Signaturen um</a:t>
+              <a:rPr lang="en-US" sz="1200" dirty="0"/>
+              <a:t>Tools control the mode of operation of the editor. Exactly one tool is active at any given time.</a:t>
+            </a:r>
+          </a:p>
+          <a:p>
+            <a:pPr marL="0" indent="0" algn="just">
+              <a:buNone/>
+            </a:pPr>
+            <a:endParaRPr lang="en-US" sz="1200" dirty="0"/>
+          </a:p>
+          <a:p>
+            <a:pPr marL="0" indent="0" algn="just">
+              <a:buNone/>
+            </a:pPr>
+            <a:r>
+              <a:rPr lang="en-US" sz="1200" dirty="0"/>
+              <a:t>Two kinds of tools exist: the selection tool and creation tools. When the selection tool is active, existing drawing elements can be selected with the cursor. One or more drawing elements can be selected and manipulated; if several drawing elements are selected, they can be manipulated as if they were a single element. Elements that have been selected in this way are referred to as the current selection. The current selection is indicated visually by displaying the control points for the element. Clicking on and dragging a control point modifies the element with which the control point is associated.</a:t>
+            </a:r>
+          </a:p>
+          <a:p>
+            <a:pPr marL="0" indent="0" algn="just">
+              <a:buNone/>
+            </a:pPr>
+            <a:endParaRPr lang="en-US" sz="1200" dirty="0"/>
+          </a:p>
+          <a:p>
+            <a:pPr marL="0" indent="0" algn="just">
+              <a:buNone/>
+            </a:pPr>
+            <a:r>
+              <a:rPr lang="en-US" sz="1200" dirty="0"/>
+              <a:t>When a creation tool is active, the current selection is empty. The cursor changes in different ways according to the specific creation tool, and the user can create an element of the selected kind. After the element is created, the selection tool is made active and the newly created element becomes the current selection.</a:t>
+            </a:r>
+          </a:p>
+          <a:p>
+            <a:pPr marL="0" indent="0" algn="just">
+              <a:buNone/>
+            </a:pPr>
+            <a:endParaRPr lang="en-US" sz="1200" dirty="0"/>
+          </a:p>
+          <a:p>
+            <a:pPr marL="0" indent="0" algn="just">
+              <a:buNone/>
+            </a:pPr>
+            <a:r>
+              <a:rPr lang="en-US" sz="1200" dirty="0"/>
+              <a:t>The text creation tool changes the shape of the cursor to that of an I-beam. The position of the first character of text is determined by where the user clicks the mouse button. </a:t>
             </a:r>
           </a:p>
         </p:txBody>
@@ -11285,7 +11057,1371 @@
           </a:p>
         </p:txBody>
       </p:sp>
+      <p:sp>
+        <p:nvSpPr>
+          <p:cNvPr id="502789" name="Rectangle 2"/>
+          <p:cNvSpPr>
+            <a:spLocks noGrp="1" noChangeArrowheads="1"/>
+          </p:cNvSpPr>
+          <p:nvPr>
+            <p:ph type="title"/>
+          </p:nvPr>
+        </p:nvSpPr>
+        <p:spPr/>
+        <p:txBody>
+          <a:bodyPr vert="horz" lIns="0" tIns="0" rIns="0" bIns="0" rtlCol="0" anchor="ctr">
+            <a:noAutofit/>
+          </a:bodyPr>
+          <a:lstStyle/>
+          <a:p>
+            <a:r>
+              <a:rPr lang="en-US" dirty="0" err="1"/>
+              <a:t>Beispiel</a:t>
+            </a:r>
+            <a:r>
+              <a:rPr lang="en-US" dirty="0"/>
+              <a:t>: Drawing Editor Requirements Specification</a:t>
+            </a:r>
+          </a:p>
+        </p:txBody>
+      </p:sp>
+      <p:sp>
+        <p:nvSpPr>
+          <p:cNvPr id="502791" name="Rectangle 4"/>
+          <p:cNvSpPr>
+            <a:spLocks noGrp="1" noChangeArrowheads="1"/>
+          </p:cNvSpPr>
+          <p:nvPr>
+            <p:ph type="body" sz="half" idx="4294967295"/>
+          </p:nvPr>
+        </p:nvSpPr>
+        <p:spPr>
+          <a:xfrm>
+            <a:off x="7248128" y="1575891"/>
+            <a:ext cx="4249737" cy="5075238"/>
+          </a:xfrm>
+        </p:spPr>
+        <p:txBody>
+          <a:bodyPr vert="horz" lIns="0" tIns="0" rIns="0" bIns="0" rtlCol="0" anchor="t">
+            <a:normAutofit/>
+          </a:bodyPr>
+          <a:lstStyle/>
+          <a:p>
+            <a:pPr marL="0" indent="0" algn="just">
+              <a:buNone/>
+            </a:pPr>
+            <a:r>
+              <a:rPr lang="en-US" sz="1200" dirty="0"/>
+              <a:t>The creation tool is no longer active when the user clicks the mouse button outside the text element. The control points for a text element are the four corners of the region within which the text is formatted. Dragging the control points changes this region. The other creation tools allow the creation of lines, rectangles and ellipses. They change the shape of the cursor to that of a crosshair. The appropriate element starts to be created when the mouse button is pressed, and is completed when the mouse button is released. These two events create the start point and the stop point.</a:t>
+            </a:r>
+          </a:p>
+          <a:p>
+            <a:pPr marL="0" indent="0" algn="just">
+              <a:buNone/>
+            </a:pPr>
+            <a:r>
+              <a:rPr lang="en-US" sz="1200" dirty="0"/>
+              <a:t>The line creation tool creates a line from the start point to the stop point. These are the control points of a line. Dragging a control point changes the end point.</a:t>
+            </a:r>
+          </a:p>
+          <a:p>
+            <a:pPr marL="0" indent="0" algn="just">
+              <a:buNone/>
+            </a:pPr>
+            <a:endParaRPr lang="en-US" sz="1200" dirty="0"/>
+          </a:p>
+          <a:p>
+            <a:pPr marL="0" indent="0" algn="just">
+              <a:buNone/>
+            </a:pPr>
+            <a:r>
+              <a:rPr lang="en-US" sz="1200" dirty="0"/>
+              <a:t>The rectangle creation tool creates a rectangle such that these points are diagonally opposite corners. These points and the other corners are the control points. Dragging a control point changes the associated corner.</a:t>
+            </a:r>
+          </a:p>
+          <a:p>
+            <a:pPr marL="0" indent="0" algn="just">
+              <a:buNone/>
+            </a:pPr>
+            <a:endParaRPr lang="en-US" sz="1200" dirty="0"/>
+          </a:p>
+          <a:p>
+            <a:pPr marL="0" indent="0" algn="just">
+              <a:buNone/>
+            </a:pPr>
+            <a:r>
+              <a:rPr lang="en-US" sz="1200" dirty="0"/>
+              <a:t>The ellipse creation tool creates an ellipse fitting within the rectangle defined by the two points described above. The major radius is one half the width of the rectangle, and the minor radius is one half the height of the rectangle. The control points are at the corners of the bounding rectangle. Dragging control points changes the associated corner.</a:t>
+            </a:r>
+          </a:p>
+        </p:txBody>
+      </p:sp>
     </p:spTree>
+  </p:cSld>
+  <p:clrMapOvr>
+    <a:masterClrMapping/>
+  </p:clrMapOvr>
+  <p:timing>
+    <p:tnLst>
+      <p:par>
+        <p:cTn id="1" dur="indefinite" restart="never" nodeType="tmRoot"/>
+      </p:par>
+    </p:tnLst>
+  </p:timing>
+</p:sld>
+</file>
+
+<file path=ppt/slides/slide12.xml><?xml version="1.0" encoding="utf-8"?>
+<p:sld xmlns:a="http://schemas.openxmlformats.org/drawingml/2006/main" xmlns:r="http://schemas.openxmlformats.org/officeDocument/2006/relationships" xmlns:p="http://schemas.openxmlformats.org/presentationml/2006/main">
+  <p:cSld>
+    <p:spTree>
+      <p:nvGrpSpPr>
+        <p:cNvPr id="1" name=""/>
+        <p:cNvGrpSpPr/>
+        <p:nvPr/>
+      </p:nvGrpSpPr>
+      <p:grpSpPr>
+        <a:xfrm>
+          <a:off x="0" y="0"/>
+          <a:ext cx="0" cy="0"/>
+          <a:chOff x="0" y="0"/>
+          <a:chExt cx="0" cy="0"/>
+        </a:xfrm>
+      </p:grpSpPr>
+      <p:sp>
+        <p:nvSpPr>
+          <p:cNvPr id="504837" name="Rectangle 2"/>
+          <p:cNvSpPr>
+            <a:spLocks noGrp="1" noChangeArrowheads="1"/>
+          </p:cNvSpPr>
+          <p:nvPr>
+            <p:ph type="title"/>
+          </p:nvPr>
+        </p:nvSpPr>
+        <p:spPr/>
+        <p:txBody>
+          <a:bodyPr vert="horz" lIns="0" tIns="0" rIns="0" bIns="0" rtlCol="0" anchor="ctr">
+            <a:noAutofit/>
+          </a:bodyPr>
+          <a:lstStyle/>
+          <a:p>
+            <a:r>
+              <a:rPr lang="en-US" dirty="0"/>
+              <a:t>Drawing Editor: </a:t>
+            </a:r>
+            <a:r>
+              <a:rPr lang="en-US" dirty="0" err="1"/>
+              <a:t>Nomen</a:t>
+            </a:r>
+            <a:r>
+              <a:rPr lang="en-US" dirty="0"/>
+              <a:t> </a:t>
+            </a:r>
+            <a:r>
+              <a:rPr lang="en-US" dirty="0" err="1"/>
+              <a:t>Phrasen</a:t>
+            </a:r>
+            <a:endParaRPr lang="en-US" dirty="0"/>
+          </a:p>
+        </p:txBody>
+      </p:sp>
+      <p:sp>
+        <p:nvSpPr>
+          <p:cNvPr id="504838" name="Rectangle 3"/>
+          <p:cNvSpPr>
+            <a:spLocks noGrp="1" noChangeArrowheads="1"/>
+          </p:cNvSpPr>
+          <p:nvPr>
+            <p:ph idx="1"/>
+          </p:nvPr>
+        </p:nvSpPr>
+        <p:spPr/>
+        <p:txBody>
+          <a:bodyPr vert="horz" lIns="0" tIns="0" rIns="0" bIns="0" rtlCol="0">
+            <a:normAutofit/>
+          </a:bodyPr>
+          <a:lstStyle/>
+          <a:p>
+            <a:pPr marL="0" indent="184150" algn="just">
+              <a:lnSpc>
+                <a:spcPct val="90000"/>
+              </a:lnSpc>
+              <a:buNone/>
+            </a:pPr>
+            <a:r>
+              <a:rPr lang="en-US" sz="1800" dirty="0"/>
+              <a:t>The </a:t>
+            </a:r>
+            <a:r>
+              <a:rPr lang="en-US" sz="1800" u="sng" dirty="0"/>
+              <a:t>drawing editor</a:t>
+            </a:r>
+            <a:r>
+              <a:rPr lang="en-US" sz="1800" dirty="0"/>
+              <a:t> is an </a:t>
+            </a:r>
+            <a:r>
+              <a:rPr lang="en-US" sz="1800" u="sng" dirty="0"/>
+              <a:t>interactive graphics editor</a:t>
+            </a:r>
+            <a:r>
+              <a:rPr lang="en-US" sz="1800" dirty="0"/>
+              <a:t>. With it, </a:t>
+            </a:r>
+            <a:r>
+              <a:rPr lang="en-US" sz="1800" u="sng" dirty="0"/>
+              <a:t>users</a:t>
+            </a:r>
+            <a:r>
+              <a:rPr lang="en-US" sz="1800" dirty="0"/>
+              <a:t> can create and edit </a:t>
+            </a:r>
+            <a:r>
+              <a:rPr lang="en-US" sz="1800" u="sng" dirty="0"/>
+              <a:t>drawings</a:t>
+            </a:r>
+            <a:r>
+              <a:rPr lang="en-US" sz="1800" dirty="0"/>
+              <a:t> composed of </a:t>
+            </a:r>
+            <a:r>
+              <a:rPr lang="en-US" sz="1800" u="sng" dirty="0"/>
+              <a:t>lines</a:t>
+            </a:r>
+            <a:r>
+              <a:rPr lang="en-US" sz="1800" dirty="0"/>
+              <a:t>, </a:t>
+            </a:r>
+            <a:r>
+              <a:rPr lang="en-US" sz="1800" u="sng" dirty="0"/>
+              <a:t>rectangles</a:t>
+            </a:r>
+            <a:r>
+              <a:rPr lang="en-US" sz="1800" dirty="0"/>
+              <a:t>, </a:t>
+            </a:r>
+            <a:r>
+              <a:rPr lang="en-US" sz="1800" u="sng" dirty="0"/>
+              <a:t>ellipses</a:t>
+            </a:r>
+            <a:r>
+              <a:rPr lang="en-US" sz="1800" dirty="0"/>
+              <a:t> and </a:t>
+            </a:r>
+            <a:r>
+              <a:rPr lang="en-US" sz="1800" u="sng" dirty="0"/>
+              <a:t>text</a:t>
+            </a:r>
+            <a:r>
+              <a:rPr lang="en-US" sz="1800" dirty="0"/>
+              <a:t>.</a:t>
+            </a:r>
+          </a:p>
+          <a:p>
+            <a:pPr marL="0" indent="184150" algn="just">
+              <a:lnSpc>
+                <a:spcPct val="90000"/>
+              </a:lnSpc>
+              <a:buNone/>
+            </a:pPr>
+            <a:r>
+              <a:rPr lang="en-US" sz="1800" u="sng" dirty="0"/>
+              <a:t>Tools</a:t>
+            </a:r>
+            <a:r>
+              <a:rPr lang="en-US" sz="1800" dirty="0"/>
+              <a:t> control the </a:t>
+            </a:r>
+            <a:r>
+              <a:rPr lang="en-US" sz="1800" u="sng" dirty="0"/>
+              <a:t>mode of operation</a:t>
+            </a:r>
+            <a:r>
+              <a:rPr lang="en-US" sz="1800" dirty="0"/>
+              <a:t> of the </a:t>
+            </a:r>
+            <a:r>
+              <a:rPr lang="en-US" sz="1800" u="sng" dirty="0"/>
+              <a:t>editor</a:t>
+            </a:r>
+            <a:r>
+              <a:rPr lang="en-US" sz="1800" dirty="0"/>
+              <a:t>. Exactly one tool is active at any given </a:t>
+            </a:r>
+            <a:r>
+              <a:rPr lang="en-US" sz="1800" u="sng" dirty="0"/>
+              <a:t>time</a:t>
+            </a:r>
+            <a:r>
+              <a:rPr lang="en-US" sz="1800" dirty="0"/>
+              <a:t>.</a:t>
+            </a:r>
+          </a:p>
+          <a:p>
+            <a:pPr marL="0" indent="184150" algn="just">
+              <a:lnSpc>
+                <a:spcPct val="90000"/>
+              </a:lnSpc>
+              <a:buNone/>
+            </a:pPr>
+            <a:r>
+              <a:rPr lang="en-US" sz="1800" dirty="0"/>
+              <a:t>Two kinds of tools exist: the </a:t>
+            </a:r>
+            <a:r>
+              <a:rPr lang="en-US" sz="1800" u="sng" dirty="0"/>
+              <a:t>selection tool</a:t>
+            </a:r>
+            <a:r>
+              <a:rPr lang="en-US" sz="1800" dirty="0"/>
+              <a:t> and </a:t>
+            </a:r>
+            <a:r>
+              <a:rPr lang="en-US" sz="1800" u="sng" dirty="0"/>
+              <a:t>creation tools</a:t>
+            </a:r>
+            <a:r>
+              <a:rPr lang="en-US" sz="1800" dirty="0"/>
+              <a:t>. When the selection tool is active, existing </a:t>
+            </a:r>
+            <a:r>
+              <a:rPr lang="en-US" sz="1800" u="sng" dirty="0"/>
+              <a:t>drawing elements</a:t>
+            </a:r>
+            <a:r>
+              <a:rPr lang="en-US" sz="1800" dirty="0"/>
+              <a:t> can be selected with the </a:t>
+            </a:r>
+            <a:r>
+              <a:rPr lang="en-US" sz="1800" u="sng" dirty="0"/>
+              <a:t>cursor</a:t>
+            </a:r>
+            <a:r>
+              <a:rPr lang="en-US" sz="1800" dirty="0"/>
+              <a:t>. One or more drawing elements can be selected and manipulated; if several drawing elements are selected, they can be manipulated as if they were a single </a:t>
+            </a:r>
+            <a:r>
+              <a:rPr lang="en-US" sz="1800" u="sng" dirty="0"/>
+              <a:t>element</a:t>
+            </a:r>
+            <a:r>
+              <a:rPr lang="en-US" sz="1800" dirty="0"/>
+              <a:t>. Elements that have been selected in this way are referred to as the </a:t>
+            </a:r>
+            <a:r>
+              <a:rPr lang="en-US" sz="1800" u="sng" dirty="0"/>
+              <a:t>current selection</a:t>
+            </a:r>
+            <a:r>
+              <a:rPr lang="en-US" sz="1800" dirty="0"/>
+              <a:t>. The current selection is indicated visually by displaying the </a:t>
+            </a:r>
+            <a:r>
+              <a:rPr lang="en-US" sz="1800" u="sng" dirty="0"/>
+              <a:t>control points</a:t>
+            </a:r>
+            <a:r>
+              <a:rPr lang="en-US" sz="1800" dirty="0"/>
+              <a:t> for the element. Clicking on and dragging a control point modifies the element with which the control point is associated.</a:t>
+            </a:r>
+          </a:p>
+          <a:p>
+            <a:pPr marL="0" indent="184150">
+              <a:lnSpc>
+                <a:spcPct val="90000"/>
+              </a:lnSpc>
+              <a:buNone/>
+            </a:pPr>
+            <a:r>
+              <a:rPr lang="en-US" sz="1800" dirty="0"/>
+              <a:t>When a creation tool is active, the current selection is empty. The cursor changes in different ways according to the specific creation tool, and the user can create an element of the selected kind. After the element is created, the selection tool is made active and the newly created element becomes the current selection.</a:t>
+            </a:r>
+          </a:p>
+          <a:p>
+            <a:pPr marL="0" indent="184150" algn="r">
+              <a:lnSpc>
+                <a:spcPct val="90000"/>
+              </a:lnSpc>
+              <a:buNone/>
+            </a:pPr>
+            <a:r>
+              <a:rPr lang="en-US" sz="1800" dirty="0"/>
+              <a:t>…</a:t>
+            </a:r>
+          </a:p>
+        </p:txBody>
+      </p:sp>
+      <p:sp>
+        <p:nvSpPr>
+          <p:cNvPr id="2" name="Foliennummernplatzhalter 1"/>
+          <p:cNvSpPr>
+            <a:spLocks noGrp="1"/>
+          </p:cNvSpPr>
+          <p:nvPr>
+            <p:ph type="sldNum" sz="quarter" idx="12"/>
+          </p:nvPr>
+        </p:nvSpPr>
+        <p:spPr/>
+        <p:txBody>
+          <a:bodyPr/>
+          <a:lstStyle/>
+          <a:p>
+            <a:pPr>
+              <a:defRPr/>
+            </a:pPr>
+            <a:fld id="{C0B85308-4B91-4084-B5EB-6B176834447A}" type="slidenum">
+              <a:rPr lang="de-DE" smtClean="0">
+                <a:solidFill>
+                  <a:prstClr val="black">
+                    <a:tint val="75000"/>
+                  </a:prstClr>
+                </a:solidFill>
+              </a:rPr>
+              <a:pPr>
+                <a:defRPr/>
+              </a:pPr>
+              <a:t>12</a:t>
+            </a:fld>
+            <a:endParaRPr lang="de-DE">
+              <a:solidFill>
+                <a:prstClr val="black">
+                  <a:tint val="75000"/>
+                </a:prstClr>
+              </a:solidFill>
+            </a:endParaRPr>
+          </a:p>
+        </p:txBody>
+      </p:sp>
+    </p:spTree>
+  </p:cSld>
+  <p:clrMapOvr>
+    <a:masterClrMapping/>
+  </p:clrMapOvr>
+  <mc:AlternateContent xmlns:mc="http://schemas.openxmlformats.org/markup-compatibility/2006">
+    <mc:Choice xmlns:p14="http://schemas.microsoft.com/office/powerpoint/2010/main" Requires="p14">
+      <p:transition spd="slow" p14:dur="2000"/>
+    </mc:Choice>
+    <mc:Fallback>
+      <p:transition spd="slow"/>
+    </mc:Fallback>
+  </mc:AlternateContent>
+  <p:timing>
+    <p:tnLst>
+      <p:par>
+        <p:cTn id="1" dur="indefinite" restart="never" nodeType="tmRoot"/>
+      </p:par>
+    </p:tnLst>
+  </p:timing>
+</p:sld>
+</file>
+
+<file path=ppt/slides/slide13.xml><?xml version="1.0" encoding="utf-8"?>
+<p:sld xmlns:a="http://schemas.openxmlformats.org/drawingml/2006/main" xmlns:r="http://schemas.openxmlformats.org/officeDocument/2006/relationships" xmlns:p="http://schemas.openxmlformats.org/presentationml/2006/main">
+  <p:cSld>
+    <p:spTree>
+      <p:nvGrpSpPr>
+        <p:cNvPr id="1" name=""/>
+        <p:cNvGrpSpPr/>
+        <p:nvPr/>
+      </p:nvGrpSpPr>
+      <p:grpSpPr>
+        <a:xfrm>
+          <a:off x="0" y="0"/>
+          <a:ext cx="0" cy="0"/>
+          <a:chOff x="0" y="0"/>
+          <a:chExt cx="0" cy="0"/>
+        </a:xfrm>
+      </p:grpSpPr>
+      <p:sp>
+        <p:nvSpPr>
+          <p:cNvPr id="2" name="Titel 1"/>
+          <p:cNvSpPr>
+            <a:spLocks noGrp="1"/>
+          </p:cNvSpPr>
+          <p:nvPr>
+            <p:ph type="title"/>
+          </p:nvPr>
+        </p:nvSpPr>
+        <p:spPr/>
+        <p:txBody>
+          <a:bodyPr/>
+          <a:lstStyle/>
+          <a:p>
+            <a:r>
+              <a:rPr lang="en-US" dirty="0"/>
+              <a:t>Drawing Editor: </a:t>
+            </a:r>
+            <a:r>
+              <a:rPr lang="en-US" dirty="0" err="1"/>
+              <a:t>Nomen</a:t>
+            </a:r>
+            <a:r>
+              <a:rPr lang="en-US" dirty="0"/>
+              <a:t> </a:t>
+            </a:r>
+            <a:r>
+              <a:rPr lang="en-US" dirty="0" err="1"/>
+              <a:t>Phrasen</a:t>
+            </a:r>
+            <a:endParaRPr lang="de-DE" dirty="0"/>
+          </a:p>
+        </p:txBody>
+      </p:sp>
+      <p:sp>
+        <p:nvSpPr>
+          <p:cNvPr id="506882" name="Rectangle 2"/>
+          <p:cNvSpPr>
+            <a:spLocks noGrp="1" noChangeArrowheads="1"/>
+          </p:cNvSpPr>
+          <p:nvPr>
+            <p:ph idx="1"/>
+          </p:nvPr>
+        </p:nvSpPr>
+        <p:spPr/>
+        <p:txBody>
+          <a:bodyPr vert="horz" lIns="0" tIns="0" rIns="0" bIns="0" rtlCol="0">
+            <a:normAutofit/>
+          </a:bodyPr>
+          <a:lstStyle/>
+          <a:p>
+            <a:pPr marL="0" indent="184150" algn="just">
+              <a:lnSpc>
+                <a:spcPct val="90000"/>
+              </a:lnSpc>
+              <a:buNone/>
+            </a:pPr>
+            <a:r>
+              <a:rPr lang="en-US" sz="1800" dirty="0"/>
+              <a:t>The </a:t>
+            </a:r>
+            <a:r>
+              <a:rPr lang="en-US" sz="1800" u="sng" dirty="0"/>
+              <a:t>text creation tool</a:t>
+            </a:r>
+            <a:r>
+              <a:rPr lang="en-US" sz="1800" dirty="0"/>
+              <a:t> changes the </a:t>
+            </a:r>
+            <a:r>
+              <a:rPr lang="en-US" sz="1800" u="sng" dirty="0"/>
+              <a:t>shape of the cursor</a:t>
+            </a:r>
+            <a:r>
+              <a:rPr lang="en-US" sz="1800" dirty="0"/>
+              <a:t> to that of an </a:t>
+            </a:r>
+            <a:r>
+              <a:rPr lang="en-US" sz="1800" u="sng" dirty="0"/>
+              <a:t>I-beam</a:t>
+            </a:r>
+            <a:r>
+              <a:rPr lang="en-US" sz="1800" dirty="0"/>
+              <a:t>. The </a:t>
+            </a:r>
+            <a:r>
+              <a:rPr lang="en-US" sz="1800" u="sng" dirty="0"/>
+              <a:t>position</a:t>
+            </a:r>
+            <a:r>
+              <a:rPr lang="en-US" sz="1800" dirty="0"/>
+              <a:t> of the first </a:t>
+            </a:r>
+            <a:r>
+              <a:rPr lang="en-US" sz="1800" u="sng" dirty="0"/>
+              <a:t>character</a:t>
+            </a:r>
+            <a:r>
+              <a:rPr lang="en-US" sz="1800" dirty="0"/>
+              <a:t> of text is determined by where the user clicks the </a:t>
+            </a:r>
+            <a:r>
+              <a:rPr lang="en-US" sz="1800" u="sng" dirty="0"/>
+              <a:t>mouse button</a:t>
+            </a:r>
+            <a:r>
+              <a:rPr lang="en-US" sz="1800" dirty="0"/>
+              <a:t>. The creation tool is no longer active when the user clicks the mouse button outside the </a:t>
+            </a:r>
+            <a:r>
+              <a:rPr lang="en-US" sz="1800" u="sng" dirty="0"/>
+              <a:t>text element</a:t>
+            </a:r>
+            <a:r>
+              <a:rPr lang="en-US" sz="1800" dirty="0"/>
+              <a:t>. The control points for a text element are the four </a:t>
+            </a:r>
+            <a:r>
+              <a:rPr lang="en-US" sz="1800" u="sng" dirty="0"/>
+              <a:t>corners</a:t>
+            </a:r>
+            <a:r>
+              <a:rPr lang="en-US" sz="1800" dirty="0"/>
+              <a:t> of the </a:t>
+            </a:r>
+            <a:r>
+              <a:rPr lang="en-US" sz="1800" u="sng" dirty="0"/>
+              <a:t>region</a:t>
+            </a:r>
+            <a:r>
+              <a:rPr lang="en-US" sz="1800" dirty="0"/>
+              <a:t> within which the text is formatted. Dragging the control points changes this region. The other creation tools allow the creation of lines, rectangles and ellipses. They change the shape of the cursor to that of a </a:t>
+            </a:r>
+            <a:r>
+              <a:rPr lang="en-US" sz="1800" u="sng" dirty="0"/>
+              <a:t>crosshair</a:t>
+            </a:r>
+            <a:r>
+              <a:rPr lang="en-US" sz="1800" dirty="0"/>
+              <a:t>. The appropriate element starts to be created when the mouse button is pressed, and is completed when the mouse button is released. These two events create the </a:t>
+            </a:r>
+            <a:r>
+              <a:rPr lang="en-US" sz="1800" u="sng" dirty="0"/>
+              <a:t>start point</a:t>
+            </a:r>
+            <a:r>
+              <a:rPr lang="en-US" sz="1800" dirty="0"/>
+              <a:t> and the </a:t>
+            </a:r>
+            <a:r>
+              <a:rPr lang="en-US" sz="1800" u="sng" dirty="0"/>
+              <a:t>stop point</a:t>
+            </a:r>
+            <a:r>
+              <a:rPr lang="en-US" sz="1800" dirty="0"/>
+              <a:t>.</a:t>
+            </a:r>
+          </a:p>
+          <a:p>
+            <a:pPr marL="0" indent="184150" algn="just">
+              <a:lnSpc>
+                <a:spcPct val="90000"/>
+              </a:lnSpc>
+              <a:buNone/>
+            </a:pPr>
+            <a:r>
+              <a:rPr lang="en-US" sz="1800" dirty="0"/>
+              <a:t>The </a:t>
+            </a:r>
+            <a:r>
+              <a:rPr lang="en-US" sz="1800" u="sng" dirty="0"/>
+              <a:t>line creation tool</a:t>
+            </a:r>
+            <a:r>
+              <a:rPr lang="en-US" sz="1800" dirty="0"/>
+              <a:t> creates a line from the start point to the stop point. These are the control points of a line. Dragging a control point changes the </a:t>
+            </a:r>
+            <a:r>
+              <a:rPr lang="en-US" sz="1800" u="sng" dirty="0"/>
+              <a:t>end point</a:t>
+            </a:r>
+            <a:r>
+              <a:rPr lang="en-US" sz="1800" dirty="0"/>
+              <a:t>.</a:t>
+            </a:r>
+          </a:p>
+          <a:p>
+            <a:pPr marL="0" indent="184150" algn="just">
+              <a:lnSpc>
+                <a:spcPct val="90000"/>
+              </a:lnSpc>
+              <a:buNone/>
+            </a:pPr>
+            <a:r>
+              <a:rPr lang="en-US" sz="1800" dirty="0"/>
+              <a:t>The </a:t>
+            </a:r>
+            <a:r>
+              <a:rPr lang="en-US" sz="1800" u="sng" dirty="0"/>
+              <a:t>rectangle creation tool</a:t>
+            </a:r>
+            <a:r>
+              <a:rPr lang="en-US" sz="1800" dirty="0"/>
+              <a:t> creates a rectangle such that these points are </a:t>
+            </a:r>
+            <a:r>
+              <a:rPr lang="en-US" sz="1800" u="sng" dirty="0"/>
+              <a:t>diagonally opposite corners</a:t>
+            </a:r>
+            <a:r>
+              <a:rPr lang="en-US" sz="1800" dirty="0"/>
+              <a:t>. These points and the other corners are the control points. Dragging a control point changes the </a:t>
+            </a:r>
+            <a:r>
+              <a:rPr lang="en-US" sz="1800" u="sng" dirty="0"/>
+              <a:t>associated corner</a:t>
+            </a:r>
+            <a:r>
+              <a:rPr lang="en-US" sz="1800" dirty="0"/>
+              <a:t>.</a:t>
+            </a:r>
+          </a:p>
+          <a:p>
+            <a:pPr marL="0" indent="184150" algn="just">
+              <a:lnSpc>
+                <a:spcPct val="90000"/>
+              </a:lnSpc>
+              <a:buNone/>
+            </a:pPr>
+            <a:r>
+              <a:rPr lang="en-US" sz="1800" dirty="0"/>
+              <a:t>The </a:t>
+            </a:r>
+            <a:r>
+              <a:rPr lang="en-US" sz="1800" u="sng" dirty="0"/>
+              <a:t>ellipse creation tool</a:t>
+            </a:r>
+            <a:r>
+              <a:rPr lang="en-US" sz="1800" dirty="0"/>
+              <a:t> creates an ellipse fitting within the rectangle defined by the two </a:t>
+            </a:r>
+            <a:r>
+              <a:rPr lang="en-US" sz="1800" u="sng" dirty="0"/>
+              <a:t>points</a:t>
+            </a:r>
+            <a:r>
+              <a:rPr lang="en-US" sz="1800" dirty="0"/>
+              <a:t> described above. The </a:t>
+            </a:r>
+            <a:r>
+              <a:rPr lang="en-US" sz="1800" u="sng" dirty="0"/>
+              <a:t>major radius</a:t>
+            </a:r>
+            <a:r>
+              <a:rPr lang="en-US" sz="1800" dirty="0"/>
+              <a:t> is one half the </a:t>
+            </a:r>
+            <a:r>
+              <a:rPr lang="en-US" sz="1800" u="sng" dirty="0"/>
+              <a:t>width of the rectangle</a:t>
+            </a:r>
+            <a:r>
+              <a:rPr lang="en-US" sz="1800" dirty="0"/>
+              <a:t>, and the </a:t>
+            </a:r>
+            <a:r>
+              <a:rPr lang="en-US" sz="1800" u="sng" dirty="0"/>
+              <a:t>minor radius</a:t>
+            </a:r>
+            <a:r>
+              <a:rPr lang="en-US" sz="1800" dirty="0"/>
+              <a:t> is one half the </a:t>
+            </a:r>
+            <a:r>
+              <a:rPr lang="en-US" sz="1800" u="sng" dirty="0"/>
+              <a:t>height of the rectangle</a:t>
+            </a:r>
+            <a:r>
+              <a:rPr lang="en-US" sz="1800" dirty="0"/>
+              <a:t>. The control points are at the corners of the </a:t>
+            </a:r>
+            <a:r>
+              <a:rPr lang="en-US" sz="1800" u="sng" dirty="0"/>
+              <a:t>bounding rectangle</a:t>
+            </a:r>
+            <a:r>
+              <a:rPr lang="en-US" sz="1800" dirty="0"/>
+              <a:t>. Dragging control points changes the associated corner.</a:t>
+            </a:r>
+          </a:p>
+        </p:txBody>
+      </p:sp>
+      <p:sp>
+        <p:nvSpPr>
+          <p:cNvPr id="3" name="Foliennummernplatzhalter 2"/>
+          <p:cNvSpPr>
+            <a:spLocks noGrp="1"/>
+          </p:cNvSpPr>
+          <p:nvPr>
+            <p:ph type="sldNum" sz="quarter" idx="12"/>
+          </p:nvPr>
+        </p:nvSpPr>
+        <p:spPr/>
+        <p:txBody>
+          <a:bodyPr/>
+          <a:lstStyle/>
+          <a:p>
+            <a:pPr>
+              <a:defRPr/>
+            </a:pPr>
+            <a:fld id="{C0B85308-4B91-4084-B5EB-6B176834447A}" type="slidenum">
+              <a:rPr lang="de-DE" smtClean="0">
+                <a:solidFill>
+                  <a:prstClr val="black">
+                    <a:tint val="75000"/>
+                  </a:prstClr>
+                </a:solidFill>
+              </a:rPr>
+              <a:pPr>
+                <a:defRPr/>
+              </a:pPr>
+              <a:t>13</a:t>
+            </a:fld>
+            <a:endParaRPr lang="de-DE">
+              <a:solidFill>
+                <a:prstClr val="black">
+                  <a:tint val="75000"/>
+                </a:prstClr>
+              </a:solidFill>
+            </a:endParaRPr>
+          </a:p>
+        </p:txBody>
+      </p:sp>
+    </p:spTree>
+  </p:cSld>
+  <p:clrMapOvr>
+    <a:masterClrMapping/>
+  </p:clrMapOvr>
+  <mc:AlternateContent xmlns:mc="http://schemas.openxmlformats.org/markup-compatibility/2006">
+    <mc:Choice xmlns:p14="http://schemas.microsoft.com/office/powerpoint/2010/main" Requires="p14">
+      <p:transition spd="slow" p14:dur="2000"/>
+    </mc:Choice>
+    <mc:Fallback>
+      <p:transition spd="slow"/>
+    </mc:Fallback>
+  </mc:AlternateContent>
+  <p:timing>
+    <p:tnLst>
+      <p:par>
+        <p:cTn id="1" dur="indefinite" restart="never" nodeType="tmRoot"/>
+      </p:par>
+    </p:tnLst>
+  </p:timing>
+</p:sld>
+</file>
+
+<file path=ppt/slides/slide14.xml><?xml version="1.0" encoding="utf-8"?>
+<p:sld xmlns:a="http://schemas.openxmlformats.org/drawingml/2006/main" xmlns:r="http://schemas.openxmlformats.org/officeDocument/2006/relationships" xmlns:p="http://schemas.openxmlformats.org/presentationml/2006/main">
+  <p:cSld>
+    <p:spTree>
+      <p:nvGrpSpPr>
+        <p:cNvPr id="1" name=""/>
+        <p:cNvGrpSpPr/>
+        <p:nvPr/>
+      </p:nvGrpSpPr>
+      <p:grpSpPr>
+        <a:xfrm>
+          <a:off x="0" y="0"/>
+          <a:ext cx="0" cy="0"/>
+          <a:chOff x="0" y="0"/>
+          <a:chExt cx="0" cy="0"/>
+        </a:xfrm>
+      </p:grpSpPr>
+      <p:sp>
+        <p:nvSpPr>
+          <p:cNvPr id="2" name="Titel 1"/>
+          <p:cNvSpPr>
+            <a:spLocks noGrp="1"/>
+          </p:cNvSpPr>
+          <p:nvPr>
+            <p:ph type="title"/>
+          </p:nvPr>
+        </p:nvSpPr>
+        <p:spPr/>
+        <p:txBody>
+          <a:bodyPr/>
+          <a:lstStyle/>
+          <a:p>
+            <a:r>
+              <a:rPr lang="de-DE" dirty="0" smtClean="0"/>
+              <a:t>CRC-Karten</a:t>
+            </a:r>
+            <a:endParaRPr lang="en-US" dirty="0"/>
+          </a:p>
+        </p:txBody>
+      </p:sp>
+      <p:sp>
+        <p:nvSpPr>
+          <p:cNvPr id="3" name="Inhaltsplatzhalter 2"/>
+          <p:cNvSpPr>
+            <a:spLocks noGrp="1"/>
+          </p:cNvSpPr>
+          <p:nvPr>
+            <p:ph idx="1"/>
+          </p:nvPr>
+        </p:nvSpPr>
+        <p:spPr/>
+        <p:txBody>
+          <a:bodyPr/>
+          <a:lstStyle/>
+          <a:p>
+            <a:r>
+              <a:rPr lang="de-DE" dirty="0" smtClean="0"/>
+              <a:t>C: </a:t>
+            </a:r>
+            <a:r>
+              <a:rPr lang="de-DE" dirty="0" err="1" smtClean="0"/>
+              <a:t>Candidates</a:t>
+            </a:r>
+            <a:endParaRPr lang="de-DE" dirty="0" smtClean="0"/>
+          </a:p>
+          <a:p>
+            <a:r>
+              <a:rPr lang="de-DE" dirty="0" smtClean="0"/>
+              <a:t>R: </a:t>
+            </a:r>
+            <a:r>
+              <a:rPr lang="de-DE" dirty="0" err="1" smtClean="0"/>
+              <a:t>Responsibility</a:t>
+            </a:r>
+            <a:endParaRPr lang="de-DE" dirty="0" smtClean="0"/>
+          </a:p>
+          <a:p>
+            <a:r>
+              <a:rPr lang="de-DE" dirty="0" smtClean="0"/>
+              <a:t>C: </a:t>
+            </a:r>
+            <a:r>
+              <a:rPr lang="de-DE" dirty="0" err="1" smtClean="0"/>
+              <a:t>Collaboration</a:t>
+            </a:r>
+            <a:endParaRPr lang="en-US" dirty="0"/>
+          </a:p>
+        </p:txBody>
+      </p:sp>
+      <p:sp>
+        <p:nvSpPr>
+          <p:cNvPr id="4" name="Foliennummernplatzhalter 3"/>
+          <p:cNvSpPr>
+            <a:spLocks noGrp="1"/>
+          </p:cNvSpPr>
+          <p:nvPr>
+            <p:ph type="sldNum" sz="quarter" idx="12"/>
+          </p:nvPr>
+        </p:nvSpPr>
+        <p:spPr/>
+        <p:txBody>
+          <a:bodyPr/>
+          <a:lstStyle/>
+          <a:p>
+            <a:pPr>
+              <a:defRPr/>
+            </a:pPr>
+            <a:fld id="{C0B85308-4B91-4084-B5EB-6B176834447A}" type="slidenum">
+              <a:rPr lang="de-DE" smtClean="0"/>
+              <a:pPr>
+                <a:defRPr/>
+              </a:pPr>
+              <a:t>14</a:t>
+            </a:fld>
+            <a:endParaRPr lang="de-DE" dirty="0"/>
+          </a:p>
+        </p:txBody>
+      </p:sp>
+      <p:grpSp>
+        <p:nvGrpSpPr>
+          <p:cNvPr id="19" name="Gruppieren 18"/>
+          <p:cNvGrpSpPr/>
+          <p:nvPr/>
+        </p:nvGrpSpPr>
+        <p:grpSpPr>
+          <a:xfrm>
+            <a:off x="2423592" y="3789040"/>
+            <a:ext cx="5400600" cy="2650604"/>
+            <a:chOff x="2711624" y="3573016"/>
+            <a:chExt cx="5400600" cy="2650604"/>
+          </a:xfrm>
+        </p:grpSpPr>
+        <p:sp>
+          <p:nvSpPr>
+            <p:cNvPr id="5" name="Abgerundetes Rechteck 4"/>
+            <p:cNvSpPr/>
+            <p:nvPr/>
+          </p:nvSpPr>
+          <p:spPr>
+            <a:xfrm>
+              <a:off x="2711624" y="3573016"/>
+              <a:ext cx="5400600" cy="2650604"/>
+            </a:xfrm>
+            <a:prstGeom prst="roundRect">
+              <a:avLst/>
+            </a:prstGeom>
+            <a:solidFill>
+              <a:srgbClr val="FFC90E"/>
+            </a:solidFill>
+            <a:ln>
+              <a:noFill/>
+            </a:ln>
+          </p:spPr>
+          <p:style>
+            <a:lnRef idx="2">
+              <a:schemeClr val="accent1">
+                <a:shade val="50000"/>
+              </a:schemeClr>
+            </a:lnRef>
+            <a:fillRef idx="1">
+              <a:schemeClr val="accent1"/>
+            </a:fillRef>
+            <a:effectRef idx="0">
+              <a:schemeClr val="accent1"/>
+            </a:effectRef>
+            <a:fontRef idx="minor">
+              <a:schemeClr val="lt1"/>
+            </a:fontRef>
+          </p:style>
+          <p:txBody>
+            <a:bodyPr rtlCol="0" anchor="ctr"/>
+            <a:lstStyle/>
+            <a:p>
+              <a:pPr algn="ctr"/>
+              <a:endParaRPr lang="en-US"/>
+            </a:p>
+          </p:txBody>
+        </p:sp>
+        <p:cxnSp>
+          <p:nvCxnSpPr>
+            <p:cNvPr id="7" name="Gerader Verbinder 6"/>
+            <p:cNvCxnSpPr/>
+            <p:nvPr/>
+          </p:nvCxnSpPr>
+          <p:spPr>
+            <a:xfrm>
+              <a:off x="2711624" y="4149080"/>
+              <a:ext cx="5400600" cy="0"/>
+            </a:xfrm>
+            <a:prstGeom prst="line">
+              <a:avLst/>
+            </a:prstGeom>
+            <a:ln>
+              <a:solidFill>
+                <a:srgbClr val="AB9DDB"/>
+              </a:solidFill>
+            </a:ln>
+          </p:spPr>
+          <p:style>
+            <a:lnRef idx="1">
+              <a:schemeClr val="accent6"/>
+            </a:lnRef>
+            <a:fillRef idx="0">
+              <a:schemeClr val="accent6"/>
+            </a:fillRef>
+            <a:effectRef idx="0">
+              <a:schemeClr val="accent6"/>
+            </a:effectRef>
+            <a:fontRef idx="minor">
+              <a:schemeClr val="tx1"/>
+            </a:fontRef>
+          </p:style>
+        </p:cxnSp>
+        <p:cxnSp>
+          <p:nvCxnSpPr>
+            <p:cNvPr id="10" name="Gerader Verbinder 9"/>
+            <p:cNvCxnSpPr/>
+            <p:nvPr/>
+          </p:nvCxnSpPr>
+          <p:spPr>
+            <a:xfrm flipV="1">
+              <a:off x="5519936" y="4149080"/>
+              <a:ext cx="0" cy="2074540"/>
+            </a:xfrm>
+            <a:prstGeom prst="line">
+              <a:avLst/>
+            </a:prstGeom>
+            <a:ln>
+              <a:solidFill>
+                <a:srgbClr val="AB9DDB"/>
+              </a:solidFill>
+            </a:ln>
+          </p:spPr>
+          <p:style>
+            <a:lnRef idx="1">
+              <a:schemeClr val="accent6"/>
+            </a:lnRef>
+            <a:fillRef idx="0">
+              <a:schemeClr val="accent6"/>
+            </a:fillRef>
+            <a:effectRef idx="0">
+              <a:schemeClr val="accent6"/>
+            </a:effectRef>
+            <a:fontRef idx="minor">
+              <a:schemeClr val="tx1"/>
+            </a:fontRef>
+          </p:style>
+        </p:cxnSp>
+        <p:sp>
+          <p:nvSpPr>
+            <p:cNvPr id="14" name="Rechteck 13"/>
+            <p:cNvSpPr/>
+            <p:nvPr/>
+          </p:nvSpPr>
+          <p:spPr>
+            <a:xfrm>
+              <a:off x="3143672" y="3720324"/>
+              <a:ext cx="2268252" cy="360040"/>
+            </a:xfrm>
+            <a:prstGeom prst="rect">
+              <a:avLst/>
+            </a:prstGeom>
+            <a:noFill/>
+            <a:ln>
+              <a:noFill/>
+            </a:ln>
+          </p:spPr>
+          <p:style>
+            <a:lnRef idx="2">
+              <a:schemeClr val="accent1">
+                <a:shade val="50000"/>
+              </a:schemeClr>
+            </a:lnRef>
+            <a:fillRef idx="1">
+              <a:schemeClr val="accent1"/>
+            </a:fillRef>
+            <a:effectRef idx="0">
+              <a:schemeClr val="accent1"/>
+            </a:effectRef>
+            <a:fontRef idx="minor">
+              <a:schemeClr val="lt1"/>
+            </a:fontRef>
+          </p:style>
+          <p:txBody>
+            <a:bodyPr rtlCol="0" anchor="ctr"/>
+            <a:lstStyle/>
+            <a:p>
+              <a:pPr algn="ctr"/>
+              <a:r>
+                <a:rPr lang="de-DE" sz="2400" dirty="0" smtClean="0">
+                  <a:solidFill>
+                    <a:srgbClr val="AB9DDB"/>
+                  </a:solidFill>
+                </a:rPr>
+                <a:t>Klassenname</a:t>
+              </a:r>
+              <a:endParaRPr lang="en-US" sz="2400" dirty="0">
+                <a:solidFill>
+                  <a:srgbClr val="AB9DDB"/>
+                </a:solidFill>
+              </a:endParaRPr>
+            </a:p>
+          </p:txBody>
+        </p:sp>
+        <p:sp>
+          <p:nvSpPr>
+            <p:cNvPr id="15" name="Rechteck 14"/>
+            <p:cNvSpPr/>
+            <p:nvPr/>
+          </p:nvSpPr>
+          <p:spPr>
+            <a:xfrm>
+              <a:off x="2711624" y="4320360"/>
+              <a:ext cx="2808312" cy="360040"/>
+            </a:xfrm>
+            <a:prstGeom prst="rect">
+              <a:avLst/>
+            </a:prstGeom>
+            <a:noFill/>
+            <a:ln>
+              <a:noFill/>
+            </a:ln>
+          </p:spPr>
+          <p:style>
+            <a:lnRef idx="2">
+              <a:schemeClr val="accent1">
+                <a:shade val="50000"/>
+              </a:schemeClr>
+            </a:lnRef>
+            <a:fillRef idx="1">
+              <a:schemeClr val="accent1"/>
+            </a:fillRef>
+            <a:effectRef idx="0">
+              <a:schemeClr val="accent1"/>
+            </a:effectRef>
+            <a:fontRef idx="minor">
+              <a:schemeClr val="lt1"/>
+            </a:fontRef>
+          </p:style>
+          <p:txBody>
+            <a:bodyPr rtlCol="0" anchor="ctr"/>
+            <a:lstStyle/>
+            <a:p>
+              <a:pPr algn="ctr"/>
+              <a:r>
+                <a:rPr lang="de-DE" sz="2400" dirty="0" smtClean="0">
+                  <a:solidFill>
+                    <a:srgbClr val="AB9DDB"/>
+                  </a:solidFill>
+                </a:rPr>
+                <a:t>Verantwortlichkeit 1</a:t>
+              </a:r>
+              <a:endParaRPr lang="en-US" sz="2400" dirty="0">
+                <a:solidFill>
+                  <a:srgbClr val="AB9DDB"/>
+                </a:solidFill>
+              </a:endParaRPr>
+            </a:p>
+          </p:txBody>
+        </p:sp>
+        <p:sp>
+          <p:nvSpPr>
+            <p:cNvPr id="16" name="Rechteck 15"/>
+            <p:cNvSpPr/>
+            <p:nvPr/>
+          </p:nvSpPr>
+          <p:spPr>
+            <a:xfrm>
+              <a:off x="2711624" y="4937613"/>
+              <a:ext cx="2808312" cy="360040"/>
+            </a:xfrm>
+            <a:prstGeom prst="rect">
+              <a:avLst/>
+            </a:prstGeom>
+            <a:noFill/>
+            <a:ln>
+              <a:noFill/>
+            </a:ln>
+          </p:spPr>
+          <p:style>
+            <a:lnRef idx="2">
+              <a:schemeClr val="accent1">
+                <a:shade val="50000"/>
+              </a:schemeClr>
+            </a:lnRef>
+            <a:fillRef idx="1">
+              <a:schemeClr val="accent1"/>
+            </a:fillRef>
+            <a:effectRef idx="0">
+              <a:schemeClr val="accent1"/>
+            </a:effectRef>
+            <a:fontRef idx="minor">
+              <a:schemeClr val="lt1"/>
+            </a:fontRef>
+          </p:style>
+          <p:txBody>
+            <a:bodyPr rtlCol="0" anchor="ctr"/>
+            <a:lstStyle/>
+            <a:p>
+              <a:pPr algn="ctr"/>
+              <a:r>
+                <a:rPr lang="de-DE" sz="2400" dirty="0" smtClean="0">
+                  <a:solidFill>
+                    <a:srgbClr val="AB9DDB"/>
+                  </a:solidFill>
+                </a:rPr>
+                <a:t>Verantwortlichkeit 2</a:t>
+              </a:r>
+              <a:endParaRPr lang="en-US" sz="2400" dirty="0">
+                <a:solidFill>
+                  <a:srgbClr val="AB9DDB"/>
+                </a:solidFill>
+              </a:endParaRPr>
+            </a:p>
+          </p:txBody>
+        </p:sp>
+        <p:sp>
+          <p:nvSpPr>
+            <p:cNvPr id="17" name="Rechteck 16"/>
+            <p:cNvSpPr/>
+            <p:nvPr/>
+          </p:nvSpPr>
+          <p:spPr>
+            <a:xfrm>
+              <a:off x="5555940" y="4337577"/>
+              <a:ext cx="2484276" cy="360040"/>
+            </a:xfrm>
+            <a:prstGeom prst="rect">
+              <a:avLst/>
+            </a:prstGeom>
+            <a:noFill/>
+            <a:ln>
+              <a:noFill/>
+            </a:ln>
+          </p:spPr>
+          <p:style>
+            <a:lnRef idx="2">
+              <a:schemeClr val="accent1">
+                <a:shade val="50000"/>
+              </a:schemeClr>
+            </a:lnRef>
+            <a:fillRef idx="1">
+              <a:schemeClr val="accent1"/>
+            </a:fillRef>
+            <a:effectRef idx="0">
+              <a:schemeClr val="accent1"/>
+            </a:effectRef>
+            <a:fontRef idx="minor">
+              <a:schemeClr val="lt1"/>
+            </a:fontRef>
+          </p:style>
+          <p:txBody>
+            <a:bodyPr rtlCol="0" anchor="ctr"/>
+            <a:lstStyle/>
+            <a:p>
+              <a:r>
+                <a:rPr lang="de-DE" sz="2400" dirty="0" smtClean="0">
+                  <a:solidFill>
+                    <a:srgbClr val="AB9DDB"/>
+                  </a:solidFill>
+                </a:rPr>
+                <a:t>Klasse 1, Klasse 2</a:t>
+              </a:r>
+              <a:endParaRPr lang="en-US" sz="2400" dirty="0">
+                <a:solidFill>
+                  <a:srgbClr val="AB9DDB"/>
+                </a:solidFill>
+              </a:endParaRPr>
+            </a:p>
+          </p:txBody>
+        </p:sp>
+        <p:sp>
+          <p:nvSpPr>
+            <p:cNvPr id="18" name="Rechteck 17"/>
+            <p:cNvSpPr/>
+            <p:nvPr/>
+          </p:nvSpPr>
+          <p:spPr>
+            <a:xfrm>
+              <a:off x="5555940" y="4942409"/>
+              <a:ext cx="2484276" cy="360040"/>
+            </a:xfrm>
+            <a:prstGeom prst="rect">
+              <a:avLst/>
+            </a:prstGeom>
+            <a:noFill/>
+            <a:ln>
+              <a:noFill/>
+            </a:ln>
+          </p:spPr>
+          <p:style>
+            <a:lnRef idx="2">
+              <a:schemeClr val="accent1">
+                <a:shade val="50000"/>
+              </a:schemeClr>
+            </a:lnRef>
+            <a:fillRef idx="1">
+              <a:schemeClr val="accent1"/>
+            </a:fillRef>
+            <a:effectRef idx="0">
+              <a:schemeClr val="accent1"/>
+            </a:effectRef>
+            <a:fontRef idx="minor">
+              <a:schemeClr val="lt1"/>
+            </a:fontRef>
+          </p:style>
+          <p:txBody>
+            <a:bodyPr rtlCol="0" anchor="ctr"/>
+            <a:lstStyle/>
+            <a:p>
+              <a:r>
+                <a:rPr lang="de-DE" sz="2400" dirty="0" smtClean="0">
+                  <a:solidFill>
+                    <a:srgbClr val="AB9DDB"/>
+                  </a:solidFill>
+                </a:rPr>
+                <a:t>Klasse 3</a:t>
+              </a:r>
+              <a:endParaRPr lang="en-US" sz="2400" dirty="0">
+                <a:solidFill>
+                  <a:srgbClr val="AB9DDB"/>
+                </a:solidFill>
+              </a:endParaRPr>
+            </a:p>
+          </p:txBody>
+        </p:sp>
+      </p:grpSp>
+    </p:spTree>
+    <p:extLst>
+      <p:ext uri="{BB962C8B-B14F-4D97-AF65-F5344CB8AC3E}">
+        <p14:creationId xmlns:p14="http://schemas.microsoft.com/office/powerpoint/2010/main" val="708003519"/>
+      </p:ext>
+    </p:extLst>
   </p:cSld>
   <p:clrMapOvr>
     <a:masterClrMapping/>
@@ -11324,11 +12460,7 @@
                                           </p:stCondLst>
                                         </p:cTn>
                                         <p:tgtEl>
-                                          <p:spTgt spid="496646">
-                                            <p:txEl>
-                                              <p:pRg st="1" end="1"/>
-                                            </p:txEl>
-                                          </p:spTgt>
+                                          <p:spTgt spid="19"/>
                                         </p:tgtEl>
                                         <p:attrNameLst>
                                           <p:attrName>style.visibility</p:attrName>
@@ -11340,246 +12472,9 @@
                                     </p:set>
                                     <p:animEffect transition="in" filter="fade">
                                       <p:cBhvr>
-                                        <p:cTn id="7" dur="1000"/>
+                                        <p:cTn id="7" dur="500"/>
                                         <p:tgtEl>
-                                          <p:spTgt spid="496646">
-                                            <p:txEl>
-                                              <p:pRg st="1" end="1"/>
-                                            </p:txEl>
-                                          </p:spTgt>
-                                        </p:tgtEl>
-                                      </p:cBhvr>
-                                    </p:animEffect>
-                                  </p:childTnLst>
-                                </p:cTn>
-                              </p:par>
-                              <p:par>
-                                <p:cTn id="8" presetID="10" presetClass="entr" presetSubtype="0" fill="hold" nodeType="withEffect">
-                                  <p:stCondLst>
-                                    <p:cond delay="0"/>
-                                  </p:stCondLst>
-                                  <p:childTnLst>
-                                    <p:set>
-                                      <p:cBhvr>
-                                        <p:cTn id="9" dur="1" fill="hold">
-                                          <p:stCondLst>
-                                            <p:cond delay="0"/>
-                                          </p:stCondLst>
-                                        </p:cTn>
-                                        <p:tgtEl>
-                                          <p:spTgt spid="496646">
-                                            <p:txEl>
-                                              <p:pRg st="2" end="2"/>
-                                            </p:txEl>
-                                          </p:spTgt>
-                                        </p:tgtEl>
-                                        <p:attrNameLst>
-                                          <p:attrName>style.visibility</p:attrName>
-                                        </p:attrNameLst>
-                                      </p:cBhvr>
-                                      <p:to>
-                                        <p:strVal val="visible"/>
-                                      </p:to>
-                                    </p:set>
-                                    <p:animEffect transition="in" filter="fade">
-                                      <p:cBhvr>
-                                        <p:cTn id="10" dur="1000"/>
-                                        <p:tgtEl>
-                                          <p:spTgt spid="496646">
-                                            <p:txEl>
-                                              <p:pRg st="2" end="2"/>
-                                            </p:txEl>
-                                          </p:spTgt>
-                                        </p:tgtEl>
-                                      </p:cBhvr>
-                                    </p:animEffect>
-                                  </p:childTnLst>
-                                </p:cTn>
-                              </p:par>
-                              <p:par>
-                                <p:cTn id="11" presetID="10" presetClass="entr" presetSubtype="0" fill="hold" nodeType="withEffect">
-                                  <p:stCondLst>
-                                    <p:cond delay="0"/>
-                                  </p:stCondLst>
-                                  <p:childTnLst>
-                                    <p:set>
-                                      <p:cBhvr>
-                                        <p:cTn id="12" dur="1" fill="hold">
-                                          <p:stCondLst>
-                                            <p:cond delay="0"/>
-                                          </p:stCondLst>
-                                        </p:cTn>
-                                        <p:tgtEl>
-                                          <p:spTgt spid="496646">
-                                            <p:txEl>
-                                              <p:pRg st="3" end="3"/>
-                                            </p:txEl>
-                                          </p:spTgt>
-                                        </p:tgtEl>
-                                        <p:attrNameLst>
-                                          <p:attrName>style.visibility</p:attrName>
-                                        </p:attrNameLst>
-                                      </p:cBhvr>
-                                      <p:to>
-                                        <p:strVal val="visible"/>
-                                      </p:to>
-                                    </p:set>
-                                    <p:animEffect transition="in" filter="fade">
-                                      <p:cBhvr>
-                                        <p:cTn id="13" dur="1000"/>
-                                        <p:tgtEl>
-                                          <p:spTgt spid="496646">
-                                            <p:txEl>
-                                              <p:pRg st="3" end="3"/>
-                                            </p:txEl>
-                                          </p:spTgt>
-                                        </p:tgtEl>
-                                      </p:cBhvr>
-                                    </p:animEffect>
-                                  </p:childTnLst>
-                                </p:cTn>
-                              </p:par>
-                              <p:par>
-                                <p:cTn id="14" presetID="10" presetClass="entr" presetSubtype="0" fill="hold" nodeType="withEffect">
-                                  <p:stCondLst>
-                                    <p:cond delay="0"/>
-                                  </p:stCondLst>
-                                  <p:childTnLst>
-                                    <p:set>
-                                      <p:cBhvr>
-                                        <p:cTn id="15" dur="1" fill="hold">
-                                          <p:stCondLst>
-                                            <p:cond delay="0"/>
-                                          </p:stCondLst>
-                                        </p:cTn>
-                                        <p:tgtEl>
-                                          <p:spTgt spid="496646">
-                                            <p:txEl>
-                                              <p:pRg st="4" end="4"/>
-                                            </p:txEl>
-                                          </p:spTgt>
-                                        </p:tgtEl>
-                                        <p:attrNameLst>
-                                          <p:attrName>style.visibility</p:attrName>
-                                        </p:attrNameLst>
-                                      </p:cBhvr>
-                                      <p:to>
-                                        <p:strVal val="visible"/>
-                                      </p:to>
-                                    </p:set>
-                                    <p:animEffect transition="in" filter="fade">
-                                      <p:cBhvr>
-                                        <p:cTn id="16" dur="1000"/>
-                                        <p:tgtEl>
-                                          <p:spTgt spid="496646">
-                                            <p:txEl>
-                                              <p:pRg st="4" end="4"/>
-                                            </p:txEl>
-                                          </p:spTgt>
-                                        </p:tgtEl>
-                                      </p:cBhvr>
-                                    </p:animEffect>
-                                  </p:childTnLst>
-                                </p:cTn>
-                              </p:par>
-                              <p:par>
-                                <p:cTn id="17" presetID="10" presetClass="entr" presetSubtype="0" fill="hold" nodeType="withEffect">
-                                  <p:stCondLst>
-                                    <p:cond delay="0"/>
-                                  </p:stCondLst>
-                                  <p:childTnLst>
-                                    <p:set>
-                                      <p:cBhvr>
-                                        <p:cTn id="18" dur="1" fill="hold">
-                                          <p:stCondLst>
-                                            <p:cond delay="0"/>
-                                          </p:stCondLst>
-                                        </p:cTn>
-                                        <p:tgtEl>
-                                          <p:spTgt spid="496646">
-                                            <p:txEl>
-                                              <p:pRg st="5" end="5"/>
-                                            </p:txEl>
-                                          </p:spTgt>
-                                        </p:tgtEl>
-                                        <p:attrNameLst>
-                                          <p:attrName>style.visibility</p:attrName>
-                                        </p:attrNameLst>
-                                      </p:cBhvr>
-                                      <p:to>
-                                        <p:strVal val="visible"/>
-                                      </p:to>
-                                    </p:set>
-                                    <p:animEffect transition="in" filter="fade">
-                                      <p:cBhvr>
-                                        <p:cTn id="19" dur="1000"/>
-                                        <p:tgtEl>
-                                          <p:spTgt spid="496646">
-                                            <p:txEl>
-                                              <p:pRg st="5" end="5"/>
-                                            </p:txEl>
-                                          </p:spTgt>
-                                        </p:tgtEl>
-                                      </p:cBhvr>
-                                    </p:animEffect>
-                                  </p:childTnLst>
-                                </p:cTn>
-                              </p:par>
-                            </p:childTnLst>
-                          </p:cTn>
-                        </p:par>
-                      </p:childTnLst>
-                    </p:cTn>
-                  </p:par>
-                  <p:par>
-                    <p:cTn id="20" fill="hold">
-                      <p:stCondLst>
-                        <p:cond delay="indefinite"/>
-                      </p:stCondLst>
-                      <p:childTnLst>
-                        <p:par>
-                          <p:cTn id="21" fill="hold">
-                            <p:stCondLst>
-                              <p:cond delay="0"/>
-                            </p:stCondLst>
-                            <p:childTnLst>
-                              <p:par>
-                                <p:cTn id="22" presetID="10" presetClass="entr" presetSubtype="0" fill="hold" nodeType="clickEffect">
-                                  <p:stCondLst>
-                                    <p:cond delay="0"/>
-                                  </p:stCondLst>
-                                  <p:childTnLst>
-                                    <p:set>
-                                      <p:cBhvr>
-                                        <p:cTn id="23" dur="1" fill="hold">
-                                          <p:stCondLst>
-                                            <p:cond delay="0"/>
-                                          </p:stCondLst>
-                                        </p:cTn>
-                                        <p:tgtEl>
-                                          <p:spTgt spid="496646">
-                                            <p:txEl>
-                                              <p:pRg st="6" end="6"/>
-                                            </p:txEl>
-                                          </p:spTgt>
-                                        </p:tgtEl>
-                                        <p:attrNameLst>
-                                          <p:attrName>style.visibility</p:attrName>
-                                        </p:attrNameLst>
-                                      </p:cBhvr>
-                                      <p:to>
-                                        <p:strVal val="visible"/>
-                                      </p:to>
-                                    </p:set>
-                                    <p:animEffect transition="in" filter="fade">
-                                      <p:cBhvr>
-                                        <p:cTn id="24" dur="1000"/>
-                                        <p:tgtEl>
-                                          <p:spTgt spid="496646">
-                                            <p:txEl>
-                                              <p:pRg st="6" end="6"/>
-                                            </p:txEl>
-                                          </p:spTgt>
+                                          <p:spTgt spid="19"/>
                                         </p:tgtEl>
                                       </p:cBhvr>
                                     </p:animEffect>
@@ -11617,803 +12512,6 @@
 </p:sld>
 </file>
 
-<file path=ppt/slides/slide12.xml><?xml version="1.0" encoding="utf-8"?>
-<p:sld xmlns:a="http://schemas.openxmlformats.org/drawingml/2006/main" xmlns:r="http://schemas.openxmlformats.org/officeDocument/2006/relationships" xmlns:p="http://schemas.openxmlformats.org/presentationml/2006/main">
-  <p:cSld>
-    <p:spTree>
-      <p:nvGrpSpPr>
-        <p:cNvPr id="1" name=""/>
-        <p:cNvGrpSpPr/>
-        <p:nvPr/>
-      </p:nvGrpSpPr>
-      <p:grpSpPr>
-        <a:xfrm>
-          <a:off x="0" y="0"/>
-          <a:ext cx="0" cy="0"/>
-          <a:chOff x="0" y="0"/>
-          <a:chExt cx="0" cy="0"/>
-        </a:xfrm>
-      </p:grpSpPr>
-      <p:sp>
-        <p:nvSpPr>
-          <p:cNvPr id="498693" name="Rectangle 2"/>
-          <p:cNvSpPr>
-            <a:spLocks noGrp="1" noChangeArrowheads="1"/>
-          </p:cNvSpPr>
-          <p:nvPr>
-            <p:ph type="title"/>
-          </p:nvPr>
-        </p:nvSpPr>
-        <p:spPr/>
-        <p:txBody>
-          <a:bodyPr vert="horz" lIns="0" tIns="0" rIns="0" bIns="0" rtlCol="0" anchor="ctr">
-            <a:noAutofit/>
-          </a:bodyPr>
-          <a:lstStyle/>
-          <a:p>
-            <a:r>
-              <a:rPr lang="de-DE" dirty="0" smtClean="0"/>
-              <a:t>Initiale Exploration: </a:t>
-            </a:r>
-            <a:r>
-              <a:rPr lang="de-DE" dirty="0" smtClean="0"/>
-              <a:t>Finden </a:t>
-            </a:r>
-            <a:r>
-              <a:rPr lang="de-DE" dirty="0"/>
-              <a:t>der Klassen</a:t>
-            </a:r>
-          </a:p>
-        </p:txBody>
-      </p:sp>
-      <p:sp>
-        <p:nvSpPr>
-          <p:cNvPr id="498694" name="Rectangle 3"/>
-          <p:cNvSpPr>
-            <a:spLocks noGrp="1" noChangeArrowheads="1"/>
-          </p:cNvSpPr>
-          <p:nvPr>
-            <p:ph idx="1"/>
-          </p:nvPr>
-        </p:nvSpPr>
-        <p:spPr/>
-        <p:txBody>
-          <a:bodyPr vert="horz" lIns="0" tIns="0" rIns="0" bIns="0" rtlCol="0">
-            <a:normAutofit/>
-          </a:bodyPr>
-          <a:lstStyle/>
-          <a:p>
-            <a:pPr marL="609600" indent="-609600">
-              <a:buNone/>
-            </a:pPr>
-            <a:r>
-              <a:rPr lang="de-DE" i="1" dirty="0">
-                <a:solidFill>
-                  <a:srgbClr val="7F0101"/>
-                </a:solidFill>
-              </a:rPr>
-              <a:t>Start mit der </a:t>
-            </a:r>
-            <a:r>
-              <a:rPr lang="de-DE" i="1" dirty="0" err="1">
-                <a:solidFill>
-                  <a:srgbClr val="7F0101"/>
-                </a:solidFill>
-              </a:rPr>
-              <a:t>Requirements</a:t>
-            </a:r>
-            <a:r>
-              <a:rPr lang="de-DE" i="1" dirty="0">
-                <a:solidFill>
-                  <a:srgbClr val="7F0101"/>
-                </a:solidFill>
-              </a:rPr>
-              <a:t> Spezifikation:</a:t>
-            </a:r>
-          </a:p>
-          <a:p>
-            <a:pPr marL="609600" indent="-609600">
-              <a:buNone/>
-            </a:pPr>
-            <a:r>
-              <a:rPr lang="de-DE" dirty="0"/>
-              <a:t>	Was sind die Ziele, der erwartete Input und Output des Systems, welches entworfen wird?</a:t>
-            </a:r>
-          </a:p>
-          <a:p>
-            <a:pPr marL="609600" indent="-609600">
-              <a:buFont typeface="Arial" charset="0"/>
-              <a:buChar char="•"/>
-            </a:pPr>
-            <a:endParaRPr lang="de-DE" dirty="0"/>
-          </a:p>
-          <a:p>
-            <a:pPr marL="609600" indent="-609600">
-              <a:buFontTx/>
-              <a:buAutoNum type="arabicPeriod"/>
-            </a:pPr>
-            <a:r>
-              <a:rPr lang="de-DE" dirty="0"/>
-              <a:t>Suche nach </a:t>
-            </a:r>
-            <a:r>
-              <a:rPr lang="de-DE" i="1" dirty="0">
-                <a:solidFill>
-                  <a:srgbClr val="7F0101"/>
-                </a:solidFill>
-              </a:rPr>
-              <a:t>Nomen Phrasen</a:t>
-            </a:r>
-            <a:r>
-              <a:rPr lang="de-DE" dirty="0"/>
-              <a:t>:</a:t>
-            </a:r>
-          </a:p>
-          <a:p>
-            <a:pPr marL="990600" lvl="1" indent="-533400"/>
-            <a:r>
-              <a:rPr lang="de-DE" dirty="0"/>
-              <a:t>Separiere in offensichtliche Klassen, Kandidaten für Klassen und keine Klassen</a:t>
-            </a:r>
-          </a:p>
-        </p:txBody>
-      </p:sp>
-      <p:sp>
-        <p:nvSpPr>
-          <p:cNvPr id="2" name="Foliennummernplatzhalter 1"/>
-          <p:cNvSpPr>
-            <a:spLocks noGrp="1"/>
-          </p:cNvSpPr>
-          <p:nvPr>
-            <p:ph type="sldNum" sz="quarter" idx="12"/>
-          </p:nvPr>
-        </p:nvSpPr>
-        <p:spPr/>
-        <p:txBody>
-          <a:bodyPr/>
-          <a:lstStyle/>
-          <a:p>
-            <a:pPr>
-              <a:defRPr/>
-            </a:pPr>
-            <a:fld id="{C0B85308-4B91-4084-B5EB-6B176834447A}" type="slidenum">
-              <a:rPr lang="de-DE" smtClean="0">
-                <a:solidFill>
-                  <a:prstClr val="black">
-                    <a:tint val="75000"/>
-                  </a:prstClr>
-                </a:solidFill>
-              </a:rPr>
-              <a:pPr>
-                <a:defRPr/>
-              </a:pPr>
-              <a:t>12</a:t>
-            </a:fld>
-            <a:endParaRPr lang="de-DE">
-              <a:solidFill>
-                <a:prstClr val="black">
-                  <a:tint val="75000"/>
-                </a:prstClr>
-              </a:solidFill>
-            </a:endParaRPr>
-          </a:p>
-        </p:txBody>
-      </p:sp>
-    </p:spTree>
-  </p:cSld>
-  <p:clrMapOvr>
-    <a:masterClrMapping/>
-  </p:clrMapOvr>
-  <p:timing>
-    <p:tnLst>
-      <p:par>
-        <p:cTn id="1" dur="indefinite" restart="never" nodeType="tmRoot"/>
-      </p:par>
-    </p:tnLst>
-  </p:timing>
-</p:sld>
-</file>
-
-<file path=ppt/slides/slide13.xml><?xml version="1.0" encoding="utf-8"?>
-<p:sld xmlns:a="http://schemas.openxmlformats.org/drawingml/2006/main" xmlns:r="http://schemas.openxmlformats.org/officeDocument/2006/relationships" xmlns:p="http://schemas.openxmlformats.org/presentationml/2006/main">
-  <p:cSld>
-    <p:spTree>
-      <p:nvGrpSpPr>
-        <p:cNvPr id="1" name=""/>
-        <p:cNvGrpSpPr/>
-        <p:nvPr/>
-      </p:nvGrpSpPr>
-      <p:grpSpPr>
-        <a:xfrm>
-          <a:off x="0" y="0"/>
-          <a:ext cx="0" cy="0"/>
-          <a:chOff x="0" y="0"/>
-          <a:chExt cx="0" cy="0"/>
-        </a:xfrm>
-      </p:grpSpPr>
-      <p:sp>
-        <p:nvSpPr>
-          <p:cNvPr id="502790" name="Rectangle 3"/>
-          <p:cNvSpPr>
-            <a:spLocks noGrp="1" noChangeArrowheads="1"/>
-          </p:cNvSpPr>
-          <p:nvPr>
-            <p:ph idx="1"/>
-          </p:nvPr>
-        </p:nvSpPr>
-        <p:spPr>
-          <a:xfrm>
-            <a:off x="1907208" y="1816100"/>
-            <a:ext cx="5112568" cy="4594820"/>
-          </a:xfrm>
-        </p:spPr>
-        <p:txBody>
-          <a:bodyPr vert="horz" lIns="0" tIns="0" rIns="0" bIns="0" rtlCol="0" anchor="t">
-            <a:normAutofit/>
-          </a:bodyPr>
-          <a:lstStyle/>
-          <a:p>
-            <a:pPr marL="0" indent="0" algn="just">
-              <a:buNone/>
-            </a:pPr>
-            <a:r>
-              <a:rPr lang="en-US" sz="1200" dirty="0"/>
-              <a:t>The drawing editor is an interactive graphics editor. With it, users can create and edit drawings composed of lines, rectangles, ellipses and text.</a:t>
-            </a:r>
-          </a:p>
-          <a:p>
-            <a:pPr marL="0" indent="0" algn="just">
-              <a:buNone/>
-            </a:pPr>
-            <a:endParaRPr lang="en-US" sz="1200" dirty="0"/>
-          </a:p>
-          <a:p>
-            <a:pPr marL="0" indent="0" algn="just">
-              <a:buNone/>
-            </a:pPr>
-            <a:r>
-              <a:rPr lang="en-US" sz="1200" dirty="0"/>
-              <a:t>Tools control the mode of operation of the editor. Exactly one tool is active at any given time.</a:t>
-            </a:r>
-          </a:p>
-          <a:p>
-            <a:pPr marL="0" indent="0" algn="just">
-              <a:buNone/>
-            </a:pPr>
-            <a:endParaRPr lang="en-US" sz="1200" dirty="0"/>
-          </a:p>
-          <a:p>
-            <a:pPr marL="0" indent="0" algn="just">
-              <a:buNone/>
-            </a:pPr>
-            <a:r>
-              <a:rPr lang="en-US" sz="1200" dirty="0"/>
-              <a:t>Two kinds of tools exist: the selection tool and creation tools. When the selection tool is active, existing drawing elements can be selected with the cursor. One or more drawing elements can be selected and manipulated; if several drawing elements are selected, they can be manipulated as if they were a single element. Elements that have been selected in this way are referred to as the current selection. The current selection is indicated visually by displaying the control points for the element. Clicking on and dragging a control point modifies the element with which the control point is associated.</a:t>
-            </a:r>
-          </a:p>
-          <a:p>
-            <a:pPr marL="0" indent="0" algn="just">
-              <a:buNone/>
-            </a:pPr>
-            <a:endParaRPr lang="en-US" sz="1200" dirty="0"/>
-          </a:p>
-          <a:p>
-            <a:pPr marL="0" indent="0" algn="just">
-              <a:buNone/>
-            </a:pPr>
-            <a:r>
-              <a:rPr lang="en-US" sz="1200" dirty="0"/>
-              <a:t>When a creation tool is active, the current selection is empty. The cursor changes in different ways according to the specific creation tool, and the user can create an element of the selected kind. After the element is created, the selection tool is made active and the newly created element becomes the current selection.</a:t>
-            </a:r>
-          </a:p>
-          <a:p>
-            <a:pPr marL="0" indent="0" algn="just">
-              <a:buNone/>
-            </a:pPr>
-            <a:endParaRPr lang="en-US" sz="1200" dirty="0"/>
-          </a:p>
-          <a:p>
-            <a:pPr marL="0" indent="0" algn="just">
-              <a:buNone/>
-            </a:pPr>
-            <a:r>
-              <a:rPr lang="en-US" sz="1200" dirty="0"/>
-              <a:t>The text creation tool changes the shape of the cursor to that of an I-beam. The position of the first character of text is determined by where the user clicks the mouse button. </a:t>
-            </a:r>
-          </a:p>
-        </p:txBody>
-      </p:sp>
-      <p:sp>
-        <p:nvSpPr>
-          <p:cNvPr id="2" name="Foliennummernplatzhalter 1"/>
-          <p:cNvSpPr>
-            <a:spLocks noGrp="1"/>
-          </p:cNvSpPr>
-          <p:nvPr>
-            <p:ph type="sldNum" sz="quarter" idx="12"/>
-          </p:nvPr>
-        </p:nvSpPr>
-        <p:spPr/>
-        <p:txBody>
-          <a:bodyPr/>
-          <a:lstStyle/>
-          <a:p>
-            <a:pPr>
-              <a:defRPr/>
-            </a:pPr>
-            <a:fld id="{C0B85308-4B91-4084-B5EB-6B176834447A}" type="slidenum">
-              <a:rPr lang="de-DE" smtClean="0">
-                <a:solidFill>
-                  <a:prstClr val="black">
-                    <a:tint val="75000"/>
-                  </a:prstClr>
-                </a:solidFill>
-              </a:rPr>
-              <a:pPr>
-                <a:defRPr/>
-              </a:pPr>
-              <a:t>13</a:t>
-            </a:fld>
-            <a:endParaRPr lang="de-DE">
-              <a:solidFill>
-                <a:prstClr val="black">
-                  <a:tint val="75000"/>
-                </a:prstClr>
-              </a:solidFill>
-            </a:endParaRPr>
-          </a:p>
-        </p:txBody>
-      </p:sp>
-      <p:sp>
-        <p:nvSpPr>
-          <p:cNvPr id="502789" name="Rectangle 2"/>
-          <p:cNvSpPr>
-            <a:spLocks noGrp="1" noChangeArrowheads="1"/>
-          </p:cNvSpPr>
-          <p:nvPr>
-            <p:ph type="title"/>
-          </p:nvPr>
-        </p:nvSpPr>
-        <p:spPr/>
-        <p:txBody>
-          <a:bodyPr vert="horz" lIns="0" tIns="0" rIns="0" bIns="0" rtlCol="0" anchor="ctr">
-            <a:noAutofit/>
-          </a:bodyPr>
-          <a:lstStyle/>
-          <a:p>
-            <a:r>
-              <a:rPr lang="en-US" dirty="0" err="1"/>
-              <a:t>Beispiel</a:t>
-            </a:r>
-            <a:r>
-              <a:rPr lang="en-US" dirty="0"/>
-              <a:t>: Drawing Editor Requirements Specification</a:t>
-            </a:r>
-          </a:p>
-        </p:txBody>
-      </p:sp>
-      <p:sp>
-        <p:nvSpPr>
-          <p:cNvPr id="502791" name="Rectangle 4"/>
-          <p:cNvSpPr>
-            <a:spLocks noGrp="1" noChangeArrowheads="1"/>
-          </p:cNvSpPr>
-          <p:nvPr>
-            <p:ph type="body" sz="half" idx="4294967295"/>
-          </p:nvPr>
-        </p:nvSpPr>
-        <p:spPr>
-          <a:xfrm>
-            <a:off x="7248128" y="1575891"/>
-            <a:ext cx="4249737" cy="5075238"/>
-          </a:xfrm>
-        </p:spPr>
-        <p:txBody>
-          <a:bodyPr vert="horz" lIns="0" tIns="0" rIns="0" bIns="0" rtlCol="0" anchor="t">
-            <a:normAutofit/>
-          </a:bodyPr>
-          <a:lstStyle/>
-          <a:p>
-            <a:pPr marL="0" indent="0" algn="just">
-              <a:buNone/>
-            </a:pPr>
-            <a:r>
-              <a:rPr lang="en-US" sz="1200" dirty="0"/>
-              <a:t>The creation tool is no longer active when the user clicks the mouse button outside the text element. The control points for a text element are the four corners of the region within which the text is formatted. Dragging the control points changes this region. The other creation tools allow the creation of lines, rectangles and ellipses. They change the shape of the cursor to that of a crosshair. The appropriate element starts to be created when the mouse button is pressed, and is completed when the mouse button is released. These two events create the start point and the stop point.</a:t>
-            </a:r>
-          </a:p>
-          <a:p>
-            <a:pPr marL="0" indent="0" algn="just">
-              <a:buNone/>
-            </a:pPr>
-            <a:r>
-              <a:rPr lang="en-US" sz="1200" dirty="0"/>
-              <a:t>The line creation tool creates a line from the start point to the stop point. These are the control points of a line. Dragging a control point changes the end point.</a:t>
-            </a:r>
-          </a:p>
-          <a:p>
-            <a:pPr marL="0" indent="0" algn="just">
-              <a:buNone/>
-            </a:pPr>
-            <a:endParaRPr lang="en-US" sz="1200" dirty="0"/>
-          </a:p>
-          <a:p>
-            <a:pPr marL="0" indent="0" algn="just">
-              <a:buNone/>
-            </a:pPr>
-            <a:r>
-              <a:rPr lang="en-US" sz="1200" dirty="0"/>
-              <a:t>The rectangle creation tool creates a rectangle such that these points are diagonally opposite corners. These points and the other corners are the control points. Dragging a control point changes the associated corner.</a:t>
-            </a:r>
-          </a:p>
-          <a:p>
-            <a:pPr marL="0" indent="0" algn="just">
-              <a:buNone/>
-            </a:pPr>
-            <a:endParaRPr lang="en-US" sz="1200" dirty="0"/>
-          </a:p>
-          <a:p>
-            <a:pPr marL="0" indent="0" algn="just">
-              <a:buNone/>
-            </a:pPr>
-            <a:r>
-              <a:rPr lang="en-US" sz="1200" dirty="0"/>
-              <a:t>The ellipse creation tool creates an ellipse fitting within the rectangle defined by the two points described above. The major radius is one half the width of the rectangle, and the minor radius is one half the height of the rectangle. The control points are at the corners of the bounding rectangle. Dragging control points changes the associated corner.</a:t>
-            </a:r>
-          </a:p>
-        </p:txBody>
-      </p:sp>
-    </p:spTree>
-  </p:cSld>
-  <p:clrMapOvr>
-    <a:masterClrMapping/>
-  </p:clrMapOvr>
-  <p:timing>
-    <p:tnLst>
-      <p:par>
-        <p:cTn id="1" dur="indefinite" restart="never" nodeType="tmRoot"/>
-      </p:par>
-    </p:tnLst>
-  </p:timing>
-</p:sld>
-</file>
-
-<file path=ppt/slides/slide14.xml><?xml version="1.0" encoding="utf-8"?>
-<p:sld xmlns:a="http://schemas.openxmlformats.org/drawingml/2006/main" xmlns:r="http://schemas.openxmlformats.org/officeDocument/2006/relationships" xmlns:p="http://schemas.openxmlformats.org/presentationml/2006/main">
-  <p:cSld>
-    <p:spTree>
-      <p:nvGrpSpPr>
-        <p:cNvPr id="1" name=""/>
-        <p:cNvGrpSpPr/>
-        <p:nvPr/>
-      </p:nvGrpSpPr>
-      <p:grpSpPr>
-        <a:xfrm>
-          <a:off x="0" y="0"/>
-          <a:ext cx="0" cy="0"/>
-          <a:chOff x="0" y="0"/>
-          <a:chExt cx="0" cy="0"/>
-        </a:xfrm>
-      </p:grpSpPr>
-      <p:sp>
-        <p:nvSpPr>
-          <p:cNvPr id="504837" name="Rectangle 2"/>
-          <p:cNvSpPr>
-            <a:spLocks noGrp="1" noChangeArrowheads="1"/>
-          </p:cNvSpPr>
-          <p:nvPr>
-            <p:ph type="title"/>
-          </p:nvPr>
-        </p:nvSpPr>
-        <p:spPr/>
-        <p:txBody>
-          <a:bodyPr vert="horz" lIns="0" tIns="0" rIns="0" bIns="0" rtlCol="0" anchor="ctr">
-            <a:noAutofit/>
-          </a:bodyPr>
-          <a:lstStyle/>
-          <a:p>
-            <a:r>
-              <a:rPr lang="en-US" dirty="0"/>
-              <a:t>Drawing Editor: </a:t>
-            </a:r>
-            <a:r>
-              <a:rPr lang="en-US" dirty="0" err="1"/>
-              <a:t>Nomen</a:t>
-            </a:r>
-            <a:r>
-              <a:rPr lang="en-US" dirty="0"/>
-              <a:t> </a:t>
-            </a:r>
-            <a:r>
-              <a:rPr lang="en-US" dirty="0" err="1"/>
-              <a:t>Phrasen</a:t>
-            </a:r>
-            <a:endParaRPr lang="en-US" dirty="0"/>
-          </a:p>
-        </p:txBody>
-      </p:sp>
-      <p:sp>
-        <p:nvSpPr>
-          <p:cNvPr id="504838" name="Rectangle 3"/>
-          <p:cNvSpPr>
-            <a:spLocks noGrp="1" noChangeArrowheads="1"/>
-          </p:cNvSpPr>
-          <p:nvPr>
-            <p:ph idx="1"/>
-          </p:nvPr>
-        </p:nvSpPr>
-        <p:spPr/>
-        <p:txBody>
-          <a:bodyPr vert="horz" lIns="0" tIns="0" rIns="0" bIns="0" rtlCol="0">
-            <a:normAutofit/>
-          </a:bodyPr>
-          <a:lstStyle/>
-          <a:p>
-            <a:pPr marL="0" indent="184150" algn="just">
-              <a:lnSpc>
-                <a:spcPct val="90000"/>
-              </a:lnSpc>
-              <a:buNone/>
-            </a:pPr>
-            <a:r>
-              <a:rPr lang="en-US" sz="1800"/>
-              <a:t>The </a:t>
-            </a:r>
-            <a:r>
-              <a:rPr lang="en-US" sz="1800" u="sng"/>
-              <a:t>drawing editor</a:t>
-            </a:r>
-            <a:r>
-              <a:rPr lang="en-US" sz="1800"/>
-              <a:t> is an </a:t>
-            </a:r>
-            <a:r>
-              <a:rPr lang="en-US" sz="1800" u="sng"/>
-              <a:t>interactive graphics editor</a:t>
-            </a:r>
-            <a:r>
-              <a:rPr lang="en-US" sz="1800"/>
-              <a:t>. With it, </a:t>
-            </a:r>
-            <a:r>
-              <a:rPr lang="en-US" sz="1800" u="sng"/>
-              <a:t>users</a:t>
-            </a:r>
-            <a:r>
-              <a:rPr lang="en-US" sz="1800"/>
-              <a:t> can create and edit </a:t>
-            </a:r>
-            <a:r>
-              <a:rPr lang="en-US" sz="1800" u="sng"/>
-              <a:t>drawings</a:t>
-            </a:r>
-            <a:r>
-              <a:rPr lang="en-US" sz="1800"/>
-              <a:t> composed of </a:t>
-            </a:r>
-            <a:r>
-              <a:rPr lang="en-US" sz="1800" u="sng"/>
-              <a:t>lines</a:t>
-            </a:r>
-            <a:r>
-              <a:rPr lang="en-US" sz="1800"/>
-              <a:t>, </a:t>
-            </a:r>
-            <a:r>
-              <a:rPr lang="en-US" sz="1800" u="sng"/>
-              <a:t>rectangles</a:t>
-            </a:r>
-            <a:r>
-              <a:rPr lang="en-US" sz="1800"/>
-              <a:t>, </a:t>
-            </a:r>
-            <a:r>
-              <a:rPr lang="en-US" sz="1800" u="sng"/>
-              <a:t>ellipses</a:t>
-            </a:r>
-            <a:r>
-              <a:rPr lang="en-US" sz="1800"/>
-              <a:t> and </a:t>
-            </a:r>
-            <a:r>
-              <a:rPr lang="en-US" sz="1800" u="sng"/>
-              <a:t>text</a:t>
-            </a:r>
-            <a:r>
-              <a:rPr lang="en-US" sz="1800"/>
-              <a:t>.</a:t>
-            </a:r>
-          </a:p>
-          <a:p>
-            <a:pPr marL="0" indent="184150" algn="just">
-              <a:lnSpc>
-                <a:spcPct val="90000"/>
-              </a:lnSpc>
-              <a:buNone/>
-            </a:pPr>
-            <a:r>
-              <a:rPr lang="en-US" sz="1800" u="sng"/>
-              <a:t>Tools</a:t>
-            </a:r>
-            <a:r>
-              <a:rPr lang="en-US" sz="1800"/>
-              <a:t> control the </a:t>
-            </a:r>
-            <a:r>
-              <a:rPr lang="en-US" sz="1800" u="sng"/>
-              <a:t>mode of operation</a:t>
-            </a:r>
-            <a:r>
-              <a:rPr lang="en-US" sz="1800"/>
-              <a:t> of the </a:t>
-            </a:r>
-            <a:r>
-              <a:rPr lang="en-US" sz="1800" u="sng"/>
-              <a:t>editor</a:t>
-            </a:r>
-            <a:r>
-              <a:rPr lang="en-US" sz="1800"/>
-              <a:t>. Exactly one tool is active at any given </a:t>
-            </a:r>
-            <a:r>
-              <a:rPr lang="en-US" sz="1800" u="sng"/>
-              <a:t>time</a:t>
-            </a:r>
-            <a:r>
-              <a:rPr lang="en-US" sz="1800"/>
-              <a:t>.</a:t>
-            </a:r>
-          </a:p>
-          <a:p>
-            <a:pPr marL="0" indent="184150" algn="just">
-              <a:lnSpc>
-                <a:spcPct val="90000"/>
-              </a:lnSpc>
-              <a:buNone/>
-            </a:pPr>
-            <a:r>
-              <a:rPr lang="en-US" sz="1800"/>
-              <a:t>Two kinds of tools exist: the </a:t>
-            </a:r>
-            <a:r>
-              <a:rPr lang="en-US" sz="1800" u="sng"/>
-              <a:t>selection tool</a:t>
-            </a:r>
-            <a:r>
-              <a:rPr lang="en-US" sz="1800"/>
-              <a:t> and </a:t>
-            </a:r>
-            <a:r>
-              <a:rPr lang="en-US" sz="1800" u="sng"/>
-              <a:t>creation tools</a:t>
-            </a:r>
-            <a:r>
-              <a:rPr lang="en-US" sz="1800"/>
-              <a:t>. When the selection tool is active, existing </a:t>
-            </a:r>
-            <a:r>
-              <a:rPr lang="en-US" sz="1800" u="sng"/>
-              <a:t>drawing elements</a:t>
-            </a:r>
-            <a:r>
-              <a:rPr lang="en-US" sz="1800"/>
-              <a:t> can be selected with the </a:t>
-            </a:r>
-            <a:r>
-              <a:rPr lang="en-US" sz="1800" u="sng"/>
-              <a:t>cursor</a:t>
-            </a:r>
-            <a:r>
-              <a:rPr lang="en-US" sz="1800"/>
-              <a:t>. One or more drawing elements can be selected and manipulated; if several drawing elements are selected, they can be manipulated as if they were a single </a:t>
-            </a:r>
-            <a:r>
-              <a:rPr lang="en-US" sz="1800" u="sng"/>
-              <a:t>element</a:t>
-            </a:r>
-            <a:r>
-              <a:rPr lang="en-US" sz="1800"/>
-              <a:t>. Elements that have been selected in this way are referred to as the </a:t>
-            </a:r>
-            <a:r>
-              <a:rPr lang="en-US" sz="1800" u="sng"/>
-              <a:t>current selection</a:t>
-            </a:r>
-            <a:r>
-              <a:rPr lang="en-US" sz="1800"/>
-              <a:t>. The current selection is indicated visually by displaying the </a:t>
-            </a:r>
-            <a:r>
-              <a:rPr lang="en-US" sz="1800" u="sng"/>
-              <a:t>control points</a:t>
-            </a:r>
-            <a:r>
-              <a:rPr lang="en-US" sz="1800"/>
-              <a:t> for the element. Clicking on and dragging a control point modifies the element with which the control point is associated.</a:t>
-            </a:r>
-          </a:p>
-          <a:p>
-            <a:pPr marL="0" indent="184150">
-              <a:lnSpc>
-                <a:spcPct val="90000"/>
-              </a:lnSpc>
-              <a:buNone/>
-            </a:pPr>
-            <a:r>
-              <a:rPr lang="en-US" sz="1800"/>
-              <a:t>When a creation tool is active, the current selection is empty. The cursor changes in different ways according to the specific creation tool, and the user can create an element of the selected kind. After the element is created, the selection tool is made active and the newly created element becomes the current selection.</a:t>
-            </a:r>
-          </a:p>
-          <a:p>
-            <a:pPr marL="0" indent="184150" algn="r">
-              <a:lnSpc>
-                <a:spcPct val="90000"/>
-              </a:lnSpc>
-              <a:buNone/>
-            </a:pPr>
-            <a:r>
-              <a:rPr lang="en-US" sz="1800"/>
-              <a:t>…</a:t>
-            </a:r>
-          </a:p>
-        </p:txBody>
-      </p:sp>
-      <p:sp>
-        <p:nvSpPr>
-          <p:cNvPr id="2" name="Foliennummernplatzhalter 1"/>
-          <p:cNvSpPr>
-            <a:spLocks noGrp="1"/>
-          </p:cNvSpPr>
-          <p:nvPr>
-            <p:ph type="sldNum" sz="quarter" idx="12"/>
-          </p:nvPr>
-        </p:nvSpPr>
-        <p:spPr/>
-        <p:txBody>
-          <a:bodyPr/>
-          <a:lstStyle/>
-          <a:p>
-            <a:pPr>
-              <a:defRPr/>
-            </a:pPr>
-            <a:fld id="{C0B85308-4B91-4084-B5EB-6B176834447A}" type="slidenum">
-              <a:rPr lang="de-DE" smtClean="0">
-                <a:solidFill>
-                  <a:prstClr val="black">
-                    <a:tint val="75000"/>
-                  </a:prstClr>
-                </a:solidFill>
-              </a:rPr>
-              <a:pPr>
-                <a:defRPr/>
-              </a:pPr>
-              <a:t>14</a:t>
-            </a:fld>
-            <a:endParaRPr lang="de-DE">
-              <a:solidFill>
-                <a:prstClr val="black">
-                  <a:tint val="75000"/>
-                </a:prstClr>
-              </a:solidFill>
-            </a:endParaRPr>
-          </a:p>
-        </p:txBody>
-      </p:sp>
-    </p:spTree>
-  </p:cSld>
-  <p:clrMapOvr>
-    <a:masterClrMapping/>
-  </p:clrMapOvr>
-  <p:timing>
-    <p:tnLst>
-      <p:par>
-        <p:cTn id="1" dur="indefinite" restart="never" nodeType="tmRoot"/>
-      </p:par>
-    </p:tnLst>
-  </p:timing>
-</p:sld>
-</file>
-
 <file path=ppt/slides/slide15.xml><?xml version="1.0" encoding="utf-8"?>
 <p:sld xmlns:a="http://schemas.openxmlformats.org/drawingml/2006/main" xmlns:r="http://schemas.openxmlformats.org/officeDocument/2006/relationships" xmlns:p="http://schemas.openxmlformats.org/presentationml/2006/main">
   <p:cSld>
@@ -12447,291 +12545,21 @@
           <a:lstStyle/>
           <a:p>
             <a:r>
-              <a:rPr lang="en-US" dirty="0"/>
-              <a:t>Drawing Editor: </a:t>
-            </a:r>
-            <a:r>
-              <a:rPr lang="en-US" dirty="0" err="1"/>
-              <a:t>Nomen</a:t>
-            </a:r>
-            <a:r>
-              <a:rPr lang="en-US" dirty="0"/>
-              <a:t> </a:t>
-            </a:r>
-            <a:r>
-              <a:rPr lang="en-US" dirty="0" err="1"/>
-              <a:t>Phrasen</a:t>
-            </a:r>
-            <a:endParaRPr lang="de-DE" dirty="0"/>
+              <a:rPr lang="de-DE" dirty="0" smtClean="0"/>
+              <a:t>CRC-Karten</a:t>
+            </a:r>
+            <a:endParaRPr lang="en-US" dirty="0"/>
           </a:p>
         </p:txBody>
       </p:sp>
       <p:sp>
         <p:nvSpPr>
-          <p:cNvPr id="506882" name="Rectangle 2"/>
-          <p:cNvSpPr>
-            <a:spLocks noGrp="1" noChangeArrowheads="1"/>
+          <p:cNvPr id="3" name="Inhaltsplatzhalter 2"/>
+          <p:cNvSpPr>
+            <a:spLocks noGrp="1"/>
           </p:cNvSpPr>
           <p:nvPr>
             <p:ph idx="1"/>
-          </p:nvPr>
-        </p:nvSpPr>
-        <p:spPr/>
-        <p:txBody>
-          <a:bodyPr vert="horz" lIns="0" tIns="0" rIns="0" bIns="0" rtlCol="0">
-            <a:normAutofit/>
-          </a:bodyPr>
-          <a:lstStyle/>
-          <a:p>
-            <a:pPr marL="0" indent="184150" algn="just">
-              <a:lnSpc>
-                <a:spcPct val="90000"/>
-              </a:lnSpc>
-              <a:buNone/>
-            </a:pPr>
-            <a:r>
-              <a:rPr lang="en-US" sz="1800" dirty="0"/>
-              <a:t>The </a:t>
-            </a:r>
-            <a:r>
-              <a:rPr lang="en-US" sz="1800" u="sng" dirty="0"/>
-              <a:t>text creation tool</a:t>
-            </a:r>
-            <a:r>
-              <a:rPr lang="en-US" sz="1800" dirty="0"/>
-              <a:t> changes the </a:t>
-            </a:r>
-            <a:r>
-              <a:rPr lang="en-US" sz="1800" u="sng" dirty="0"/>
-              <a:t>shape of the cursor</a:t>
-            </a:r>
-            <a:r>
-              <a:rPr lang="en-US" sz="1800" dirty="0"/>
-              <a:t> to that of an </a:t>
-            </a:r>
-            <a:r>
-              <a:rPr lang="en-US" sz="1800" u="sng" dirty="0"/>
-              <a:t>I-beam</a:t>
-            </a:r>
-            <a:r>
-              <a:rPr lang="en-US" sz="1800" dirty="0"/>
-              <a:t>. The </a:t>
-            </a:r>
-            <a:r>
-              <a:rPr lang="en-US" sz="1800" u="sng" dirty="0"/>
-              <a:t>position</a:t>
-            </a:r>
-            <a:r>
-              <a:rPr lang="en-US" sz="1800" dirty="0"/>
-              <a:t> of the first </a:t>
-            </a:r>
-            <a:r>
-              <a:rPr lang="en-US" sz="1800" u="sng" dirty="0"/>
-              <a:t>character</a:t>
-            </a:r>
-            <a:r>
-              <a:rPr lang="en-US" sz="1800" dirty="0"/>
-              <a:t> of text is determined by where the user clicks the </a:t>
-            </a:r>
-            <a:r>
-              <a:rPr lang="en-US" sz="1800" u="sng" dirty="0"/>
-              <a:t>mouse button</a:t>
-            </a:r>
-            <a:r>
-              <a:rPr lang="en-US" sz="1800" dirty="0"/>
-              <a:t>. The creation tool is no longer active when the user clicks the mouse button outside the </a:t>
-            </a:r>
-            <a:r>
-              <a:rPr lang="en-US" sz="1800" u="sng" dirty="0"/>
-              <a:t>text element</a:t>
-            </a:r>
-            <a:r>
-              <a:rPr lang="en-US" sz="1800" dirty="0"/>
-              <a:t>. The control points for a text element are the four </a:t>
-            </a:r>
-            <a:r>
-              <a:rPr lang="en-US" sz="1800" u="sng" dirty="0"/>
-              <a:t>corners</a:t>
-            </a:r>
-            <a:r>
-              <a:rPr lang="en-US" sz="1800" dirty="0"/>
-              <a:t> of the </a:t>
-            </a:r>
-            <a:r>
-              <a:rPr lang="en-US" sz="1800" u="sng" dirty="0"/>
-              <a:t>region</a:t>
-            </a:r>
-            <a:r>
-              <a:rPr lang="en-US" sz="1800" dirty="0"/>
-              <a:t> within which the text is formatted. Dragging the control points changes this region. The other creation tools allow the creation of lines, rectangles and ellipses. They change the shape of the cursor to that of a </a:t>
-            </a:r>
-            <a:r>
-              <a:rPr lang="en-US" sz="1800" u="sng" dirty="0"/>
-              <a:t>crosshair</a:t>
-            </a:r>
-            <a:r>
-              <a:rPr lang="en-US" sz="1800" dirty="0"/>
-              <a:t>. The appropriate element starts to be created when the mouse button is pressed, and is completed when the mouse button is released. These two events create the </a:t>
-            </a:r>
-            <a:r>
-              <a:rPr lang="en-US" sz="1800" u="sng" dirty="0"/>
-              <a:t>start point</a:t>
-            </a:r>
-            <a:r>
-              <a:rPr lang="en-US" sz="1800" dirty="0"/>
-              <a:t> and the </a:t>
-            </a:r>
-            <a:r>
-              <a:rPr lang="en-US" sz="1800" u="sng" dirty="0"/>
-              <a:t>stop point</a:t>
-            </a:r>
-            <a:r>
-              <a:rPr lang="en-US" sz="1800" dirty="0"/>
-              <a:t>.</a:t>
-            </a:r>
-          </a:p>
-          <a:p>
-            <a:pPr marL="0" indent="184150" algn="just">
-              <a:lnSpc>
-                <a:spcPct val="90000"/>
-              </a:lnSpc>
-              <a:buNone/>
-            </a:pPr>
-            <a:r>
-              <a:rPr lang="en-US" sz="1800" dirty="0"/>
-              <a:t>The </a:t>
-            </a:r>
-            <a:r>
-              <a:rPr lang="en-US" sz="1800" u="sng" dirty="0"/>
-              <a:t>line creation tool</a:t>
-            </a:r>
-            <a:r>
-              <a:rPr lang="en-US" sz="1800" dirty="0"/>
-              <a:t> creates a line from the start point to the stop point. These are the control points of a line. Dragging a control point changes the </a:t>
-            </a:r>
-            <a:r>
-              <a:rPr lang="en-US" sz="1800" u="sng" dirty="0"/>
-              <a:t>end point</a:t>
-            </a:r>
-            <a:r>
-              <a:rPr lang="en-US" sz="1800" dirty="0"/>
-              <a:t>.</a:t>
-            </a:r>
-          </a:p>
-          <a:p>
-            <a:pPr marL="0" indent="184150" algn="just">
-              <a:lnSpc>
-                <a:spcPct val="90000"/>
-              </a:lnSpc>
-              <a:buNone/>
-            </a:pPr>
-            <a:r>
-              <a:rPr lang="en-US" sz="1800" dirty="0"/>
-              <a:t>The </a:t>
-            </a:r>
-            <a:r>
-              <a:rPr lang="en-US" sz="1800" u="sng" dirty="0"/>
-              <a:t>rectangle creation tool</a:t>
-            </a:r>
-            <a:r>
-              <a:rPr lang="en-US" sz="1800" dirty="0"/>
-              <a:t> creates a rectangle such that these points are </a:t>
-            </a:r>
-            <a:r>
-              <a:rPr lang="en-US" sz="1800" u="sng" dirty="0"/>
-              <a:t>diagonally opposite corners</a:t>
-            </a:r>
-            <a:r>
-              <a:rPr lang="en-US" sz="1800" dirty="0"/>
-              <a:t>. These points and the other corners are the control points. Dragging a control point changes the </a:t>
-            </a:r>
-            <a:r>
-              <a:rPr lang="en-US" sz="1800" u="sng" dirty="0"/>
-              <a:t>associated corner</a:t>
-            </a:r>
-            <a:r>
-              <a:rPr lang="en-US" sz="1800" dirty="0"/>
-              <a:t>.</a:t>
-            </a:r>
-          </a:p>
-          <a:p>
-            <a:pPr marL="0" indent="184150" algn="just">
-              <a:lnSpc>
-                <a:spcPct val="90000"/>
-              </a:lnSpc>
-              <a:buNone/>
-            </a:pPr>
-            <a:r>
-              <a:rPr lang="en-US" sz="1800" dirty="0"/>
-              <a:t>The </a:t>
-            </a:r>
-            <a:r>
-              <a:rPr lang="en-US" sz="1800" u="sng" dirty="0"/>
-              <a:t>ellipse creation tool</a:t>
-            </a:r>
-            <a:r>
-              <a:rPr lang="en-US" sz="1800" dirty="0"/>
-              <a:t> creates an ellipse fitting within the rectangle defined by the two </a:t>
-            </a:r>
-            <a:r>
-              <a:rPr lang="en-US" sz="1800" u="sng" dirty="0"/>
-              <a:t>points</a:t>
-            </a:r>
-            <a:r>
-              <a:rPr lang="en-US" sz="1800" dirty="0"/>
-              <a:t> described above. The </a:t>
-            </a:r>
-            <a:r>
-              <a:rPr lang="en-US" sz="1800" u="sng" dirty="0"/>
-              <a:t>major radius</a:t>
-            </a:r>
-            <a:r>
-              <a:rPr lang="en-US" sz="1800" dirty="0"/>
-              <a:t> is one half the </a:t>
-            </a:r>
-            <a:r>
-              <a:rPr lang="en-US" sz="1800" u="sng" dirty="0"/>
-              <a:t>width of the rectangle</a:t>
-            </a:r>
-            <a:r>
-              <a:rPr lang="en-US" sz="1800" dirty="0"/>
-              <a:t>, and the </a:t>
-            </a:r>
-            <a:r>
-              <a:rPr lang="en-US" sz="1800" u="sng" dirty="0"/>
-              <a:t>minor radius</a:t>
-            </a:r>
-            <a:r>
-              <a:rPr lang="en-US" sz="1800" dirty="0"/>
-              <a:t> is one half the </a:t>
-            </a:r>
-            <a:r>
-              <a:rPr lang="en-US" sz="1800" u="sng" dirty="0"/>
-              <a:t>height of the rectangle</a:t>
-            </a:r>
-            <a:r>
-              <a:rPr lang="en-US" sz="1800" dirty="0"/>
-              <a:t>. The control points are at the corners of the </a:t>
-            </a:r>
-            <a:r>
-              <a:rPr lang="en-US" sz="1800" u="sng" dirty="0"/>
-              <a:t>bounding rectangle</a:t>
-            </a:r>
-            <a:r>
-              <a:rPr lang="en-US" sz="1800" dirty="0"/>
-              <a:t>. Dragging control points changes the associated corner.</a:t>
-            </a:r>
-          </a:p>
-        </p:txBody>
-      </p:sp>
-      <p:sp>
-        <p:nvSpPr>
-          <p:cNvPr id="3" name="Foliennummernplatzhalter 2"/>
-          <p:cNvSpPr>
-            <a:spLocks noGrp="1"/>
-          </p:cNvSpPr>
-          <p:nvPr>
-            <p:ph type="sldNum" sz="quarter" idx="12"/>
           </p:nvPr>
         </p:nvSpPr>
         <p:spPr/>
@@ -12739,33 +12567,86 @@
           <a:bodyPr/>
           <a:lstStyle/>
           <a:p>
+            <a:endParaRPr lang="en-US"/>
+          </a:p>
+        </p:txBody>
+      </p:sp>
+      <p:sp>
+        <p:nvSpPr>
+          <p:cNvPr id="4" name="Foliennummernplatzhalter 3"/>
+          <p:cNvSpPr>
+            <a:spLocks noGrp="1"/>
+          </p:cNvSpPr>
+          <p:nvPr>
+            <p:ph type="sldNum" sz="quarter" idx="12"/>
+          </p:nvPr>
+        </p:nvSpPr>
+        <p:spPr/>
+        <p:txBody>
+          <a:bodyPr/>
+          <a:lstStyle/>
+          <a:p>
             <a:pPr>
               <a:defRPr/>
             </a:pPr>
             <a:fld id="{C0B85308-4B91-4084-B5EB-6B176834447A}" type="slidenum">
-              <a:rPr lang="de-DE" smtClean="0">
-                <a:solidFill>
-                  <a:prstClr val="black">
-                    <a:tint val="75000"/>
-                  </a:prstClr>
-                </a:solidFill>
-              </a:rPr>
+              <a:rPr lang="de-DE" smtClean="0"/>
               <a:pPr>
                 <a:defRPr/>
               </a:pPr>
               <a:t>15</a:t>
             </a:fld>
-            <a:endParaRPr lang="de-DE">
-              <a:solidFill>
-                <a:prstClr val="black">
-                  <a:tint val="75000"/>
-                </a:prstClr>
-              </a:solidFill>
-            </a:endParaRPr>
+            <a:endParaRPr lang="de-DE" dirty="0"/>
           </a:p>
         </p:txBody>
       </p:sp>
+      <p:pic>
+        <p:nvPicPr>
+          <p:cNvPr id="1026" name="Picture 2" descr="Paul Gestwicki's Blog: Spring 2013 Game Studio: Modeling ..."/>
+          <p:cNvPicPr>
+            <a:picLocks noChangeAspect="1" noChangeArrowheads="1"/>
+          </p:cNvPicPr>
+          <p:nvPr/>
+        </p:nvPicPr>
+        <p:blipFill>
+          <a:blip r:embed="rId3">
+            <a:extLst>
+              <a:ext uri="{28A0092B-C50C-407E-A947-70E740481C1C}">
+                <a14:useLocalDpi xmlns:a14="http://schemas.microsoft.com/office/drawing/2010/main" val="0"/>
+              </a:ext>
+            </a:extLst>
+          </a:blip>
+          <a:srcRect/>
+          <a:stretch>
+            <a:fillRect/>
+          </a:stretch>
+        </p:blipFill>
+        <p:spPr bwMode="auto">
+          <a:xfrm>
+            <a:off x="3143671" y="1912744"/>
+            <a:ext cx="7139791" cy="4428480"/>
+          </a:xfrm>
+          <a:prstGeom prst="rect">
+            <a:avLst/>
+          </a:prstGeom>
+          <a:noFill/>
+          <a:extLst>
+            <a:ext uri="{909E8E84-426E-40DD-AFC4-6F175D3DCCD1}">
+              <a14:hiddenFill xmlns:a14="http://schemas.microsoft.com/office/drawing/2010/main">
+                <a:solidFill>
+                  <a:srgbClr val="FFFFFF"/>
+                </a:solidFill>
+              </a14:hiddenFill>
+            </a:ext>
+          </a:extLst>
+        </p:spPr>
+      </p:pic>
     </p:spTree>
+    <p:extLst>
+      <p:ext uri="{BB962C8B-B14F-4D97-AF65-F5344CB8AC3E}">
+        <p14:creationId xmlns:p14="http://schemas.microsoft.com/office/powerpoint/2010/main" val="2504765807"/>
+      </p:ext>
+    </p:extLst>
   </p:cSld>
   <p:clrMapOvr>
     <a:masterClrMapping/>
@@ -13288,11 +13169,7 @@
           <a:p>
             <a:r>
               <a:rPr lang="de-DE" dirty="0"/>
-              <a:t>Initiale Exploration: Finden </a:t>
-            </a:r>
-            <a:r>
-              <a:rPr lang="de-DE" dirty="0"/>
-              <a:t>der </a:t>
+              <a:t>Initiale Exploration: Finden der </a:t>
             </a:r>
             <a:r>
               <a:rPr lang="de-DE" dirty="0" smtClean="0"/>
@@ -14554,15 +14431,33 @@
                                   </p:childTnLst>
                                 </p:cTn>
                               </p:par>
+                            </p:childTnLst>
+                          </p:cTn>
+                        </p:par>
+                      </p:childTnLst>
+                    </p:cTn>
+                  </p:par>
+                  <p:par>
+                    <p:cTn id="16" fill="hold">
+                      <p:stCondLst>
+                        <p:cond delay="indefinite"/>
+                      </p:stCondLst>
+                      <p:childTnLst>
+                        <p:par>
+                          <p:cTn id="17" fill="hold">
+                            <p:stCondLst>
+                              <p:cond delay="0"/>
+                            </p:stCondLst>
+                            <p:childTnLst>
                               <p:par>
-                                <p:cTn id="16" presetID="10" presetClass="entr" presetSubtype="0" fill="hold" nodeType="withEffect">
+                                <p:cTn id="18" presetID="10" presetClass="entr" presetSubtype="0" fill="hold" nodeType="clickEffect">
                                   <p:stCondLst>
                                     <p:cond delay="0"/>
                                   </p:stCondLst>
                                   <p:childTnLst>
                                     <p:set>
                                       <p:cBhvr>
-                                        <p:cTn id="17" dur="1" fill="hold">
+                                        <p:cTn id="19" dur="1" fill="hold">
                                           <p:stCondLst>
                                             <p:cond delay="0"/>
                                           </p:stCondLst>
@@ -14584,7 +14479,7 @@
                                     </p:set>
                                     <p:animEffect transition="in" filter="fade">
                                       <p:cBhvr>
-                                        <p:cTn id="18" dur="500"/>
+                                        <p:cTn id="20" dur="500"/>
                                         <p:tgtEl>
                                           <p:spTgt spid="510982">
                                             <p:txEl>
@@ -14598,14 +14493,14 @@
                                 </p:cTn>
                               </p:par>
                               <p:par>
-                                <p:cTn id="19" presetID="10" presetClass="entr" presetSubtype="0" fill="hold" nodeType="withEffect">
+                                <p:cTn id="21" presetID="10" presetClass="entr" presetSubtype="0" fill="hold" nodeType="withEffect">
                                   <p:stCondLst>
                                     <p:cond delay="0"/>
                                   </p:stCondLst>
                                   <p:childTnLst>
                                     <p:set>
                                       <p:cBhvr>
-                                        <p:cTn id="20" dur="1" fill="hold">
+                                        <p:cTn id="22" dur="1" fill="hold">
                                           <p:stCondLst>
                                             <p:cond delay="0"/>
                                           </p:stCondLst>
@@ -14627,7 +14522,7 @@
                                     </p:set>
                                     <p:animEffect transition="in" filter="fade">
                                       <p:cBhvr>
-                                        <p:cTn id="21" dur="500"/>
+                                        <p:cTn id="23" dur="500"/>
                                         <p:tgtEl>
                                           <p:spTgt spid="510982">
                                             <p:txEl>
@@ -14641,14 +14536,14 @@
                                 </p:cTn>
                               </p:par>
                               <p:par>
-                                <p:cTn id="22" presetID="10" presetClass="entr" presetSubtype="0" fill="hold" nodeType="withEffect">
+                                <p:cTn id="24" presetID="10" presetClass="entr" presetSubtype="0" fill="hold" nodeType="withEffect">
                                   <p:stCondLst>
                                     <p:cond delay="0"/>
                                   </p:stCondLst>
                                   <p:childTnLst>
                                     <p:set>
                                       <p:cBhvr>
-                                        <p:cTn id="23" dur="1" fill="hold">
+                                        <p:cTn id="25" dur="1" fill="hold">
                                           <p:stCondLst>
                                             <p:cond delay="0"/>
                                           </p:stCondLst>
@@ -14670,7 +14565,7 @@
                                     </p:set>
                                     <p:animEffect transition="in" filter="fade">
                                       <p:cBhvr>
-                                        <p:cTn id="24" dur="500"/>
+                                        <p:cTn id="26" dur="500"/>
                                         <p:tgtEl>
                                           <p:spTgt spid="510982">
                                             <p:txEl>
@@ -14684,14 +14579,14 @@
                                 </p:cTn>
                               </p:par>
                               <p:par>
-                                <p:cTn id="25" presetID="10" presetClass="entr" presetSubtype="0" fill="hold" nodeType="withEffect">
+                                <p:cTn id="27" presetID="10" presetClass="entr" presetSubtype="0" fill="hold" nodeType="withEffect">
                                   <p:stCondLst>
                                     <p:cond delay="0"/>
                                   </p:stCondLst>
                                   <p:childTnLst>
                                     <p:set>
                                       <p:cBhvr>
-                                        <p:cTn id="26" dur="1" fill="hold">
+                                        <p:cTn id="28" dur="1" fill="hold">
                                           <p:stCondLst>
                                             <p:cond delay="0"/>
                                           </p:stCondLst>
@@ -14713,7 +14608,7 @@
                                     </p:set>
                                     <p:animEffect transition="in" filter="fade">
                                       <p:cBhvr>
-                                        <p:cTn id="27" dur="500"/>
+                                        <p:cTn id="29" dur="500"/>
                                         <p:tgtEl>
                                           <p:spTgt spid="510982">
                                             <p:txEl>
@@ -14727,14 +14622,14 @@
                                 </p:cTn>
                               </p:par>
                               <p:par>
-                                <p:cTn id="28" presetID="10" presetClass="entr" presetSubtype="0" fill="hold" nodeType="withEffect">
+                                <p:cTn id="30" presetID="10" presetClass="entr" presetSubtype="0" fill="hold" nodeType="withEffect">
                                   <p:stCondLst>
                                     <p:cond delay="0"/>
                                   </p:stCondLst>
                                   <p:childTnLst>
                                     <p:set>
                                       <p:cBhvr>
-                                        <p:cTn id="29" dur="1" fill="hold">
+                                        <p:cTn id="31" dur="1" fill="hold">
                                           <p:stCondLst>
                                             <p:cond delay="0"/>
                                           </p:stCondLst>
@@ -14756,7 +14651,7 @@
                                     </p:set>
                                     <p:animEffect transition="in" filter="fade">
                                       <p:cBhvr>
-                                        <p:cTn id="30" dur="500"/>
+                                        <p:cTn id="32" dur="500"/>
                                         <p:tgtEl>
                                           <p:spTgt spid="510982">
                                             <p:txEl>
@@ -20310,11 +20205,7 @@
           <a:p>
             <a:r>
               <a:rPr lang="de-DE" dirty="0"/>
-              <a:t>Initiale Exploration: Identifizieren </a:t>
-            </a:r>
-            <a:r>
-              <a:rPr lang="de-DE" dirty="0"/>
-              <a:t>der Verantwortlichkeiten</a:t>
+              <a:t>Initiale Exploration: Identifizieren der Verantwortlichkeiten</a:t>
             </a:r>
           </a:p>
         </p:txBody>
@@ -20876,7 +20767,7 @@
 </file>
 
 <file path=ppt/slides/slide28.xml><?xml version="1.0" encoding="utf-8"?>
-<p:sld xmlns:a="http://schemas.openxmlformats.org/drawingml/2006/main" xmlns:r="http://schemas.openxmlformats.org/officeDocument/2006/relationships" xmlns:p="http://schemas.openxmlformats.org/presentationml/2006/main">
+<p:sld xmlns:a="http://schemas.openxmlformats.org/drawingml/2006/main" xmlns:r="http://schemas.openxmlformats.org/officeDocument/2006/relationships" xmlns:p="http://schemas.openxmlformats.org/presentationml/2006/main" show="0">
   <p:cSld>
     <p:spTree>
       <p:nvGrpSpPr>
@@ -21122,6 +21013,14 @@
   <p:clrMapOvr>
     <a:masterClrMapping/>
   </p:clrMapOvr>
+  <mc:AlternateContent xmlns:mc="http://schemas.openxmlformats.org/markup-compatibility/2006" xmlns:p14="http://schemas.microsoft.com/office/powerpoint/2010/main">
+    <mc:Choice Requires="p14">
+      <p:transition spd="slow" p14:dur="2000"/>
+    </mc:Choice>
+    <mc:Fallback xmlns="">
+      <p:transition spd="slow"/>
+    </mc:Fallback>
+  </mc:AlternateContent>
   <p:timing>
     <p:tnLst>
       <p:par>
@@ -32992,12 +32891,128 @@
       </p:grpSpPr>
       <p:sp>
         <p:nvSpPr>
-          <p:cNvPr id="2" name="Titel 1"/>
-          <p:cNvSpPr>
-            <a:spLocks noGrp="1"/>
+          <p:cNvPr id="496645" name="Rectangle 2"/>
+          <p:cNvSpPr>
+            <a:spLocks noGrp="1" noChangeArrowheads="1"/>
           </p:cNvSpPr>
           <p:nvPr>
             <p:ph type="title"/>
+          </p:nvPr>
+        </p:nvSpPr>
+        <p:spPr/>
+        <p:txBody>
+          <a:bodyPr vert="horz" lIns="0" tIns="0" rIns="0" bIns="0" rtlCol="0" anchor="ctr">
+            <a:noAutofit/>
+          </a:bodyPr>
+          <a:lstStyle/>
+          <a:p>
+            <a:r>
+              <a:rPr lang="de-DE" dirty="0"/>
+              <a:t>Detaillierte Analyse</a:t>
+            </a:r>
+          </a:p>
+        </p:txBody>
+      </p:sp>
+      <p:sp>
+        <p:nvSpPr>
+          <p:cNvPr id="496646" name="Rectangle 3"/>
+          <p:cNvSpPr>
+            <a:spLocks noGrp="1" noChangeArrowheads="1"/>
+          </p:cNvSpPr>
+          <p:nvPr>
+            <p:ph idx="1"/>
+          </p:nvPr>
+        </p:nvSpPr>
+        <p:spPr/>
+        <p:txBody>
+          <a:bodyPr vert="horz" lIns="0" tIns="0" rIns="0" bIns="0" rtlCol="0">
+            <a:normAutofit/>
+          </a:bodyPr>
+          <a:lstStyle/>
+          <a:p>
+            <a:pPr marL="533400" indent="-533400">
+              <a:buFontTx/>
+              <a:buAutoNum type="arabicPeriod"/>
+            </a:pPr>
+            <a:r>
+              <a:rPr lang="de-DE" i="1" dirty="0">
+                <a:solidFill>
+                  <a:srgbClr val="7F0101"/>
+                </a:solidFill>
+              </a:rPr>
+              <a:t>Bestimme</a:t>
+            </a:r>
+            <a:r>
+              <a:rPr lang="de-DE" dirty="0"/>
+              <a:t> gemeinsame Verantwortlichkeiten zur Bildung von Klassenhierarchien</a:t>
+            </a:r>
+          </a:p>
+          <a:p>
+            <a:pPr marL="533400" indent="-533400">
+              <a:buFontTx/>
+              <a:buAutoNum type="arabicPeriod"/>
+            </a:pPr>
+            <a:r>
+              <a:rPr lang="de-DE" i="1" dirty="0">
+                <a:solidFill>
+                  <a:srgbClr val="7F0101"/>
+                </a:solidFill>
+              </a:rPr>
+              <a:t>Konkretisiere</a:t>
+            </a:r>
+            <a:r>
+              <a:rPr lang="de-DE" dirty="0"/>
+              <a:t> Kollaborationen zwischen Objekte</a:t>
+            </a:r>
+          </a:p>
+          <a:p>
+            <a:pPr marL="914400" lvl="1" indent="-457200"/>
+            <a:r>
+              <a:rPr lang="de-DE" dirty="0"/>
+              <a:t>Ist der Nachrichtenverkehr sehr stark in Teilen des Systems? </a:t>
+            </a:r>
+          </a:p>
+          <a:p>
+            <a:pPr marL="914400" lvl="1" indent="-457200"/>
+            <a:r>
+              <a:rPr lang="de-DE" dirty="0"/>
+              <a:t>Gibt es Klassen, die mit allen anderen kollaborieren?</a:t>
+            </a:r>
+          </a:p>
+          <a:p>
+            <a:pPr marL="914400" lvl="1" indent="-457200"/>
+            <a:r>
+              <a:rPr lang="de-DE" dirty="0"/>
+              <a:t>Gibt es Klassen, die mit niemandem kollaborieren?</a:t>
+            </a:r>
+          </a:p>
+          <a:p>
+            <a:pPr marL="914400" lvl="1" indent="-457200"/>
+            <a:r>
+              <a:rPr lang="de-DE" dirty="0"/>
+              <a:t>Gibt es Gruppen von Klassen, die als Subsystem betrachtet werden können? </a:t>
+            </a:r>
+          </a:p>
+          <a:p>
+            <a:pPr marL="533400" indent="-533400">
+              <a:buFontTx/>
+              <a:buAutoNum type="arabicPeriod"/>
+            </a:pPr>
+            <a:r>
+              <a:rPr lang="de-DE" dirty="0"/>
+              <a:t>Wandle Klassenverantwortlichkeiten in voll spezifizierte Signaturen um</a:t>
+            </a:r>
+          </a:p>
+        </p:txBody>
+      </p:sp>
+      <p:sp>
+        <p:nvSpPr>
+          <p:cNvPr id="2" name="Foliennummernplatzhalter 1"/>
+          <p:cNvSpPr>
+            <a:spLocks noGrp="1"/>
+          </p:cNvSpPr>
+          <p:nvPr>
+            <p:ph type="sldNum" sz="quarter" idx="12"/>
           </p:nvPr>
         </p:nvSpPr>
         <p:spPr/>
@@ -33005,507 +33020,33 @@
           <a:bodyPr/>
           <a:lstStyle/>
           <a:p>
-            <a:r>
-              <a:rPr lang="de-DE" dirty="0" smtClean="0"/>
-              <a:t>CRC-Karten</a:t>
-            </a:r>
-            <a:endParaRPr lang="en-US" dirty="0"/>
-          </a:p>
-        </p:txBody>
-      </p:sp>
-      <p:sp>
-        <p:nvSpPr>
-          <p:cNvPr id="3" name="Inhaltsplatzhalter 2"/>
-          <p:cNvSpPr>
-            <a:spLocks noGrp="1"/>
-          </p:cNvSpPr>
-          <p:nvPr>
-            <p:ph idx="1"/>
-          </p:nvPr>
-        </p:nvSpPr>
-        <p:spPr/>
-        <p:txBody>
-          <a:bodyPr/>
-          <a:lstStyle/>
-          <a:p>
-            <a:r>
-              <a:rPr lang="de-DE" dirty="0" smtClean="0"/>
-              <a:t>C: </a:t>
-            </a:r>
-            <a:r>
-              <a:rPr lang="de-DE" dirty="0" err="1" smtClean="0"/>
-              <a:t>Candidates</a:t>
-            </a:r>
-            <a:endParaRPr lang="de-DE" dirty="0" smtClean="0"/>
-          </a:p>
-          <a:p>
-            <a:r>
-              <a:rPr lang="de-DE" dirty="0" smtClean="0"/>
-              <a:t>R: </a:t>
-            </a:r>
-            <a:r>
-              <a:rPr lang="de-DE" dirty="0" err="1" smtClean="0"/>
-              <a:t>Responsibility</a:t>
-            </a:r>
-            <a:endParaRPr lang="de-DE" dirty="0" smtClean="0"/>
-          </a:p>
-          <a:p>
-            <a:r>
-              <a:rPr lang="de-DE" dirty="0" smtClean="0"/>
-              <a:t>C: </a:t>
-            </a:r>
-            <a:r>
-              <a:rPr lang="de-DE" dirty="0" err="1" smtClean="0"/>
-              <a:t>Collaboration</a:t>
-            </a:r>
-            <a:endParaRPr lang="en-US" dirty="0"/>
-          </a:p>
-        </p:txBody>
-      </p:sp>
-      <p:sp>
-        <p:nvSpPr>
-          <p:cNvPr id="4" name="Foliennummernplatzhalter 3"/>
-          <p:cNvSpPr>
-            <a:spLocks noGrp="1"/>
-          </p:cNvSpPr>
-          <p:nvPr>
-            <p:ph type="sldNum" sz="quarter" idx="12"/>
-          </p:nvPr>
-        </p:nvSpPr>
-        <p:spPr/>
-        <p:txBody>
-          <a:bodyPr/>
-          <a:lstStyle/>
-          <a:p>
             <a:pPr>
               <a:defRPr/>
             </a:pPr>
             <a:fld id="{C0B85308-4B91-4084-B5EB-6B176834447A}" type="slidenum">
-              <a:rPr lang="de-DE" smtClean="0"/>
+              <a:rPr lang="de-DE" smtClean="0">
+                <a:solidFill>
+                  <a:prstClr val="black">
+                    <a:tint val="75000"/>
+                  </a:prstClr>
+                </a:solidFill>
+              </a:rPr>
               <a:pPr>
                 <a:defRPr/>
               </a:pPr>
               <a:t>9</a:t>
             </a:fld>
-            <a:endParaRPr lang="de-DE" dirty="0"/>
+            <a:endParaRPr lang="de-DE">
+              <a:solidFill>
+                <a:prstClr val="black">
+                  <a:tint val="75000"/>
+                </a:prstClr>
+              </a:solidFill>
+            </a:endParaRPr>
           </a:p>
         </p:txBody>
       </p:sp>
-      <p:grpSp>
-        <p:nvGrpSpPr>
-          <p:cNvPr id="19" name="Gruppieren 18"/>
-          <p:cNvGrpSpPr/>
-          <p:nvPr/>
-        </p:nvGrpSpPr>
-        <p:grpSpPr>
-          <a:xfrm>
-            <a:off x="2423592" y="3789040"/>
-            <a:ext cx="5400600" cy="2650604"/>
-            <a:chOff x="2711624" y="3573016"/>
-            <a:chExt cx="5400600" cy="2650604"/>
-          </a:xfrm>
-        </p:grpSpPr>
-        <p:sp>
-          <p:nvSpPr>
-            <p:cNvPr id="5" name="Abgerundetes Rechteck 4"/>
-            <p:cNvSpPr/>
-            <p:nvPr/>
-          </p:nvSpPr>
-          <p:spPr>
-            <a:xfrm>
-              <a:off x="2711624" y="3573016"/>
-              <a:ext cx="5400600" cy="2650604"/>
-            </a:xfrm>
-            <a:prstGeom prst="roundRect">
-              <a:avLst/>
-            </a:prstGeom>
-            <a:solidFill>
-              <a:srgbClr val="FFC90E"/>
-            </a:solidFill>
-            <a:ln>
-              <a:noFill/>
-            </a:ln>
-          </p:spPr>
-          <p:style>
-            <a:lnRef idx="2">
-              <a:schemeClr val="accent1">
-                <a:shade val="50000"/>
-              </a:schemeClr>
-            </a:lnRef>
-            <a:fillRef idx="1">
-              <a:schemeClr val="accent1"/>
-            </a:fillRef>
-            <a:effectRef idx="0">
-              <a:schemeClr val="accent1"/>
-            </a:effectRef>
-            <a:fontRef idx="minor">
-              <a:schemeClr val="lt1"/>
-            </a:fontRef>
-          </p:style>
-          <p:txBody>
-            <a:bodyPr rtlCol="0" anchor="ctr"/>
-            <a:lstStyle/>
-            <a:p>
-              <a:pPr algn="ctr"/>
-              <a:endParaRPr lang="en-US"/>
-            </a:p>
-          </p:txBody>
-        </p:sp>
-        <p:cxnSp>
-          <p:nvCxnSpPr>
-            <p:cNvPr id="7" name="Gerader Verbinder 6"/>
-            <p:cNvCxnSpPr/>
-            <p:nvPr/>
-          </p:nvCxnSpPr>
-          <p:spPr>
-            <a:xfrm>
-              <a:off x="2711624" y="4149080"/>
-              <a:ext cx="5400600" cy="0"/>
-            </a:xfrm>
-            <a:prstGeom prst="line">
-              <a:avLst/>
-            </a:prstGeom>
-            <a:ln>
-              <a:solidFill>
-                <a:srgbClr val="AB9DDB"/>
-              </a:solidFill>
-            </a:ln>
-          </p:spPr>
-          <p:style>
-            <a:lnRef idx="1">
-              <a:schemeClr val="accent6"/>
-            </a:lnRef>
-            <a:fillRef idx="0">
-              <a:schemeClr val="accent6"/>
-            </a:fillRef>
-            <a:effectRef idx="0">
-              <a:schemeClr val="accent6"/>
-            </a:effectRef>
-            <a:fontRef idx="minor">
-              <a:schemeClr val="tx1"/>
-            </a:fontRef>
-          </p:style>
-        </p:cxnSp>
-        <p:cxnSp>
-          <p:nvCxnSpPr>
-            <p:cNvPr id="10" name="Gerader Verbinder 9"/>
-            <p:cNvCxnSpPr/>
-            <p:nvPr/>
-          </p:nvCxnSpPr>
-          <p:spPr>
-            <a:xfrm flipV="1">
-              <a:off x="5519936" y="4149080"/>
-              <a:ext cx="0" cy="2074540"/>
-            </a:xfrm>
-            <a:prstGeom prst="line">
-              <a:avLst/>
-            </a:prstGeom>
-            <a:ln>
-              <a:solidFill>
-                <a:srgbClr val="AB9DDB"/>
-              </a:solidFill>
-            </a:ln>
-          </p:spPr>
-          <p:style>
-            <a:lnRef idx="1">
-              <a:schemeClr val="accent6"/>
-            </a:lnRef>
-            <a:fillRef idx="0">
-              <a:schemeClr val="accent6"/>
-            </a:fillRef>
-            <a:effectRef idx="0">
-              <a:schemeClr val="accent6"/>
-            </a:effectRef>
-            <a:fontRef idx="minor">
-              <a:schemeClr val="tx1"/>
-            </a:fontRef>
-          </p:style>
-        </p:cxnSp>
-        <p:sp>
-          <p:nvSpPr>
-            <p:cNvPr id="14" name="Rechteck 13"/>
-            <p:cNvSpPr/>
-            <p:nvPr/>
-          </p:nvSpPr>
-          <p:spPr>
-            <a:xfrm>
-              <a:off x="3143672" y="3720324"/>
-              <a:ext cx="2268252" cy="360040"/>
-            </a:xfrm>
-            <a:prstGeom prst="rect">
-              <a:avLst/>
-            </a:prstGeom>
-            <a:noFill/>
-            <a:ln>
-              <a:noFill/>
-            </a:ln>
-          </p:spPr>
-          <p:style>
-            <a:lnRef idx="2">
-              <a:schemeClr val="accent1">
-                <a:shade val="50000"/>
-              </a:schemeClr>
-            </a:lnRef>
-            <a:fillRef idx="1">
-              <a:schemeClr val="accent1"/>
-            </a:fillRef>
-            <a:effectRef idx="0">
-              <a:schemeClr val="accent1"/>
-            </a:effectRef>
-            <a:fontRef idx="minor">
-              <a:schemeClr val="lt1"/>
-            </a:fontRef>
-          </p:style>
-          <p:txBody>
-            <a:bodyPr rtlCol="0" anchor="ctr"/>
-            <a:lstStyle/>
-            <a:p>
-              <a:pPr algn="ctr"/>
-              <a:r>
-                <a:rPr lang="de-DE" sz="2400" dirty="0" smtClean="0">
-                  <a:solidFill>
-                    <a:srgbClr val="AB9DDB"/>
-                  </a:solidFill>
-                </a:rPr>
-                <a:t>Klassenname</a:t>
-              </a:r>
-              <a:endParaRPr lang="en-US" sz="2400" dirty="0">
-                <a:solidFill>
-                  <a:srgbClr val="AB9DDB"/>
-                </a:solidFill>
-              </a:endParaRPr>
-            </a:p>
-          </p:txBody>
-        </p:sp>
-        <p:sp>
-          <p:nvSpPr>
-            <p:cNvPr id="15" name="Rechteck 14"/>
-            <p:cNvSpPr/>
-            <p:nvPr/>
-          </p:nvSpPr>
-          <p:spPr>
-            <a:xfrm>
-              <a:off x="2711624" y="4320360"/>
-              <a:ext cx="2808312" cy="360040"/>
-            </a:xfrm>
-            <a:prstGeom prst="rect">
-              <a:avLst/>
-            </a:prstGeom>
-            <a:noFill/>
-            <a:ln>
-              <a:noFill/>
-            </a:ln>
-          </p:spPr>
-          <p:style>
-            <a:lnRef idx="2">
-              <a:schemeClr val="accent1">
-                <a:shade val="50000"/>
-              </a:schemeClr>
-            </a:lnRef>
-            <a:fillRef idx="1">
-              <a:schemeClr val="accent1"/>
-            </a:fillRef>
-            <a:effectRef idx="0">
-              <a:schemeClr val="accent1"/>
-            </a:effectRef>
-            <a:fontRef idx="minor">
-              <a:schemeClr val="lt1"/>
-            </a:fontRef>
-          </p:style>
-          <p:txBody>
-            <a:bodyPr rtlCol="0" anchor="ctr"/>
-            <a:lstStyle/>
-            <a:p>
-              <a:pPr algn="ctr"/>
-              <a:r>
-                <a:rPr lang="de-DE" sz="2400" dirty="0" smtClean="0">
-                  <a:solidFill>
-                    <a:srgbClr val="AB9DDB"/>
-                  </a:solidFill>
-                </a:rPr>
-                <a:t>Verantwortlichkeit 1</a:t>
-              </a:r>
-              <a:endParaRPr lang="en-US" sz="2400" dirty="0">
-                <a:solidFill>
-                  <a:srgbClr val="AB9DDB"/>
-                </a:solidFill>
-              </a:endParaRPr>
-            </a:p>
-          </p:txBody>
-        </p:sp>
-        <p:sp>
-          <p:nvSpPr>
-            <p:cNvPr id="16" name="Rechteck 15"/>
-            <p:cNvSpPr/>
-            <p:nvPr/>
-          </p:nvSpPr>
-          <p:spPr>
-            <a:xfrm>
-              <a:off x="2711624" y="4937613"/>
-              <a:ext cx="2808312" cy="360040"/>
-            </a:xfrm>
-            <a:prstGeom prst="rect">
-              <a:avLst/>
-            </a:prstGeom>
-            <a:noFill/>
-            <a:ln>
-              <a:noFill/>
-            </a:ln>
-          </p:spPr>
-          <p:style>
-            <a:lnRef idx="2">
-              <a:schemeClr val="accent1">
-                <a:shade val="50000"/>
-              </a:schemeClr>
-            </a:lnRef>
-            <a:fillRef idx="1">
-              <a:schemeClr val="accent1"/>
-            </a:fillRef>
-            <a:effectRef idx="0">
-              <a:schemeClr val="accent1"/>
-            </a:effectRef>
-            <a:fontRef idx="minor">
-              <a:schemeClr val="lt1"/>
-            </a:fontRef>
-          </p:style>
-          <p:txBody>
-            <a:bodyPr rtlCol="0" anchor="ctr"/>
-            <a:lstStyle/>
-            <a:p>
-              <a:pPr algn="ctr"/>
-              <a:r>
-                <a:rPr lang="de-DE" sz="2400" dirty="0" smtClean="0">
-                  <a:solidFill>
-                    <a:srgbClr val="AB9DDB"/>
-                  </a:solidFill>
-                </a:rPr>
-                <a:t>Verantwortlichkeit 2</a:t>
-              </a:r>
-              <a:endParaRPr lang="en-US" sz="2400" dirty="0">
-                <a:solidFill>
-                  <a:srgbClr val="AB9DDB"/>
-                </a:solidFill>
-              </a:endParaRPr>
-            </a:p>
-          </p:txBody>
-        </p:sp>
-        <p:sp>
-          <p:nvSpPr>
-            <p:cNvPr id="17" name="Rechteck 16"/>
-            <p:cNvSpPr/>
-            <p:nvPr/>
-          </p:nvSpPr>
-          <p:spPr>
-            <a:xfrm>
-              <a:off x="5555940" y="4337577"/>
-              <a:ext cx="2484276" cy="360040"/>
-            </a:xfrm>
-            <a:prstGeom prst="rect">
-              <a:avLst/>
-            </a:prstGeom>
-            <a:noFill/>
-            <a:ln>
-              <a:noFill/>
-            </a:ln>
-          </p:spPr>
-          <p:style>
-            <a:lnRef idx="2">
-              <a:schemeClr val="accent1">
-                <a:shade val="50000"/>
-              </a:schemeClr>
-            </a:lnRef>
-            <a:fillRef idx="1">
-              <a:schemeClr val="accent1"/>
-            </a:fillRef>
-            <a:effectRef idx="0">
-              <a:schemeClr val="accent1"/>
-            </a:effectRef>
-            <a:fontRef idx="minor">
-              <a:schemeClr val="lt1"/>
-            </a:fontRef>
-          </p:style>
-          <p:txBody>
-            <a:bodyPr rtlCol="0" anchor="ctr"/>
-            <a:lstStyle/>
-            <a:p>
-              <a:r>
-                <a:rPr lang="de-DE" sz="2400" dirty="0" smtClean="0">
-                  <a:solidFill>
-                    <a:srgbClr val="AB9DDB"/>
-                  </a:solidFill>
-                </a:rPr>
-                <a:t>Klasse 1, Klasse 2</a:t>
-              </a:r>
-              <a:endParaRPr lang="en-US" sz="2400" dirty="0">
-                <a:solidFill>
-                  <a:srgbClr val="AB9DDB"/>
-                </a:solidFill>
-              </a:endParaRPr>
-            </a:p>
-          </p:txBody>
-        </p:sp>
-        <p:sp>
-          <p:nvSpPr>
-            <p:cNvPr id="18" name="Rechteck 17"/>
-            <p:cNvSpPr/>
-            <p:nvPr/>
-          </p:nvSpPr>
-          <p:spPr>
-            <a:xfrm>
-              <a:off x="5555940" y="4942409"/>
-              <a:ext cx="2484276" cy="360040"/>
-            </a:xfrm>
-            <a:prstGeom prst="rect">
-              <a:avLst/>
-            </a:prstGeom>
-            <a:noFill/>
-            <a:ln>
-              <a:noFill/>
-            </a:ln>
-          </p:spPr>
-          <p:style>
-            <a:lnRef idx="2">
-              <a:schemeClr val="accent1">
-                <a:shade val="50000"/>
-              </a:schemeClr>
-            </a:lnRef>
-            <a:fillRef idx="1">
-              <a:schemeClr val="accent1"/>
-            </a:fillRef>
-            <a:effectRef idx="0">
-              <a:schemeClr val="accent1"/>
-            </a:effectRef>
-            <a:fontRef idx="minor">
-              <a:schemeClr val="lt1"/>
-            </a:fontRef>
-          </p:style>
-          <p:txBody>
-            <a:bodyPr rtlCol="0" anchor="ctr"/>
-            <a:lstStyle/>
-            <a:p>
-              <a:r>
-                <a:rPr lang="de-DE" sz="2400" dirty="0" smtClean="0">
-                  <a:solidFill>
-                    <a:srgbClr val="AB9DDB"/>
-                  </a:solidFill>
-                </a:rPr>
-                <a:t>Klasse 3</a:t>
-              </a:r>
-              <a:endParaRPr lang="en-US" sz="2400" dirty="0">
-                <a:solidFill>
-                  <a:srgbClr val="AB9DDB"/>
-                </a:solidFill>
-              </a:endParaRPr>
-            </a:p>
-          </p:txBody>
-        </p:sp>
-      </p:grpSp>
     </p:spTree>
-    <p:extLst>
-      <p:ext uri="{BB962C8B-B14F-4D97-AF65-F5344CB8AC3E}">
-        <p14:creationId xmlns:p14="http://schemas.microsoft.com/office/powerpoint/2010/main" val="708003519"/>
-      </p:ext>
-    </p:extLst>
   </p:cSld>
   <p:clrMapOvr>
     <a:masterClrMapping/>
@@ -33544,7 +33085,11 @@
                                           </p:stCondLst>
                                         </p:cTn>
                                         <p:tgtEl>
-                                          <p:spTgt spid="19"/>
+                                          <p:spTgt spid="496646">
+                                            <p:txEl>
+                                              <p:pRg st="1" end="1"/>
+                                            </p:txEl>
+                                          </p:spTgt>
                                         </p:tgtEl>
                                         <p:attrNameLst>
                                           <p:attrName>style.visibility</p:attrName>
@@ -33556,9 +33101,246 @@
                                     </p:set>
                                     <p:animEffect transition="in" filter="fade">
                                       <p:cBhvr>
-                                        <p:cTn id="7" dur="500"/>
+                                        <p:cTn id="7" dur="1000"/>
                                         <p:tgtEl>
-                                          <p:spTgt spid="19"/>
+                                          <p:spTgt spid="496646">
+                                            <p:txEl>
+                                              <p:pRg st="1" end="1"/>
+                                            </p:txEl>
+                                          </p:spTgt>
+                                        </p:tgtEl>
+                                      </p:cBhvr>
+                                    </p:animEffect>
+                                  </p:childTnLst>
+                                </p:cTn>
+                              </p:par>
+                              <p:par>
+                                <p:cTn id="8" presetID="10" presetClass="entr" presetSubtype="0" fill="hold" nodeType="withEffect">
+                                  <p:stCondLst>
+                                    <p:cond delay="0"/>
+                                  </p:stCondLst>
+                                  <p:childTnLst>
+                                    <p:set>
+                                      <p:cBhvr>
+                                        <p:cTn id="9" dur="1" fill="hold">
+                                          <p:stCondLst>
+                                            <p:cond delay="0"/>
+                                          </p:stCondLst>
+                                        </p:cTn>
+                                        <p:tgtEl>
+                                          <p:spTgt spid="496646">
+                                            <p:txEl>
+                                              <p:pRg st="2" end="2"/>
+                                            </p:txEl>
+                                          </p:spTgt>
+                                        </p:tgtEl>
+                                        <p:attrNameLst>
+                                          <p:attrName>style.visibility</p:attrName>
+                                        </p:attrNameLst>
+                                      </p:cBhvr>
+                                      <p:to>
+                                        <p:strVal val="visible"/>
+                                      </p:to>
+                                    </p:set>
+                                    <p:animEffect transition="in" filter="fade">
+                                      <p:cBhvr>
+                                        <p:cTn id="10" dur="1000"/>
+                                        <p:tgtEl>
+                                          <p:spTgt spid="496646">
+                                            <p:txEl>
+                                              <p:pRg st="2" end="2"/>
+                                            </p:txEl>
+                                          </p:spTgt>
+                                        </p:tgtEl>
+                                      </p:cBhvr>
+                                    </p:animEffect>
+                                  </p:childTnLst>
+                                </p:cTn>
+                              </p:par>
+                              <p:par>
+                                <p:cTn id="11" presetID="10" presetClass="entr" presetSubtype="0" fill="hold" nodeType="withEffect">
+                                  <p:stCondLst>
+                                    <p:cond delay="0"/>
+                                  </p:stCondLst>
+                                  <p:childTnLst>
+                                    <p:set>
+                                      <p:cBhvr>
+                                        <p:cTn id="12" dur="1" fill="hold">
+                                          <p:stCondLst>
+                                            <p:cond delay="0"/>
+                                          </p:stCondLst>
+                                        </p:cTn>
+                                        <p:tgtEl>
+                                          <p:spTgt spid="496646">
+                                            <p:txEl>
+                                              <p:pRg st="3" end="3"/>
+                                            </p:txEl>
+                                          </p:spTgt>
+                                        </p:tgtEl>
+                                        <p:attrNameLst>
+                                          <p:attrName>style.visibility</p:attrName>
+                                        </p:attrNameLst>
+                                      </p:cBhvr>
+                                      <p:to>
+                                        <p:strVal val="visible"/>
+                                      </p:to>
+                                    </p:set>
+                                    <p:animEffect transition="in" filter="fade">
+                                      <p:cBhvr>
+                                        <p:cTn id="13" dur="1000"/>
+                                        <p:tgtEl>
+                                          <p:spTgt spid="496646">
+                                            <p:txEl>
+                                              <p:pRg st="3" end="3"/>
+                                            </p:txEl>
+                                          </p:spTgt>
+                                        </p:tgtEl>
+                                      </p:cBhvr>
+                                    </p:animEffect>
+                                  </p:childTnLst>
+                                </p:cTn>
+                              </p:par>
+                              <p:par>
+                                <p:cTn id="14" presetID="10" presetClass="entr" presetSubtype="0" fill="hold" nodeType="withEffect">
+                                  <p:stCondLst>
+                                    <p:cond delay="0"/>
+                                  </p:stCondLst>
+                                  <p:childTnLst>
+                                    <p:set>
+                                      <p:cBhvr>
+                                        <p:cTn id="15" dur="1" fill="hold">
+                                          <p:stCondLst>
+                                            <p:cond delay="0"/>
+                                          </p:stCondLst>
+                                        </p:cTn>
+                                        <p:tgtEl>
+                                          <p:spTgt spid="496646">
+                                            <p:txEl>
+                                              <p:pRg st="4" end="4"/>
+                                            </p:txEl>
+                                          </p:spTgt>
+                                        </p:tgtEl>
+                                        <p:attrNameLst>
+                                          <p:attrName>style.visibility</p:attrName>
+                                        </p:attrNameLst>
+                                      </p:cBhvr>
+                                      <p:to>
+                                        <p:strVal val="visible"/>
+                                      </p:to>
+                                    </p:set>
+                                    <p:animEffect transition="in" filter="fade">
+                                      <p:cBhvr>
+                                        <p:cTn id="16" dur="1000"/>
+                                        <p:tgtEl>
+                                          <p:spTgt spid="496646">
+                                            <p:txEl>
+                                              <p:pRg st="4" end="4"/>
+                                            </p:txEl>
+                                          </p:spTgt>
+                                        </p:tgtEl>
+                                      </p:cBhvr>
+                                    </p:animEffect>
+                                  </p:childTnLst>
+                                </p:cTn>
+                              </p:par>
+                              <p:par>
+                                <p:cTn id="17" presetID="10" presetClass="entr" presetSubtype="0" fill="hold" nodeType="withEffect">
+                                  <p:stCondLst>
+                                    <p:cond delay="0"/>
+                                  </p:stCondLst>
+                                  <p:childTnLst>
+                                    <p:set>
+                                      <p:cBhvr>
+                                        <p:cTn id="18" dur="1" fill="hold">
+                                          <p:stCondLst>
+                                            <p:cond delay="0"/>
+                                          </p:stCondLst>
+                                        </p:cTn>
+                                        <p:tgtEl>
+                                          <p:spTgt spid="496646">
+                                            <p:txEl>
+                                              <p:pRg st="5" end="5"/>
+                                            </p:txEl>
+                                          </p:spTgt>
+                                        </p:tgtEl>
+                                        <p:attrNameLst>
+                                          <p:attrName>style.visibility</p:attrName>
+                                        </p:attrNameLst>
+                                      </p:cBhvr>
+                                      <p:to>
+                                        <p:strVal val="visible"/>
+                                      </p:to>
+                                    </p:set>
+                                    <p:animEffect transition="in" filter="fade">
+                                      <p:cBhvr>
+                                        <p:cTn id="19" dur="1000"/>
+                                        <p:tgtEl>
+                                          <p:spTgt spid="496646">
+                                            <p:txEl>
+                                              <p:pRg st="5" end="5"/>
+                                            </p:txEl>
+                                          </p:spTgt>
+                                        </p:tgtEl>
+                                      </p:cBhvr>
+                                    </p:animEffect>
+                                  </p:childTnLst>
+                                </p:cTn>
+                              </p:par>
+                            </p:childTnLst>
+                          </p:cTn>
+                        </p:par>
+                      </p:childTnLst>
+                    </p:cTn>
+                  </p:par>
+                  <p:par>
+                    <p:cTn id="20" fill="hold">
+                      <p:stCondLst>
+                        <p:cond delay="indefinite"/>
+                      </p:stCondLst>
+                      <p:childTnLst>
+                        <p:par>
+                          <p:cTn id="21" fill="hold">
+                            <p:stCondLst>
+                              <p:cond delay="0"/>
+                            </p:stCondLst>
+                            <p:childTnLst>
+                              <p:par>
+                                <p:cTn id="22" presetID="10" presetClass="entr" presetSubtype="0" fill="hold" nodeType="clickEffect">
+                                  <p:stCondLst>
+                                    <p:cond delay="0"/>
+                                  </p:stCondLst>
+                                  <p:childTnLst>
+                                    <p:set>
+                                      <p:cBhvr>
+                                        <p:cTn id="23" dur="1" fill="hold">
+                                          <p:stCondLst>
+                                            <p:cond delay="0"/>
+                                          </p:stCondLst>
+                                        </p:cTn>
+                                        <p:tgtEl>
+                                          <p:spTgt spid="496646">
+                                            <p:txEl>
+                                              <p:pRg st="6" end="6"/>
+                                            </p:txEl>
+                                          </p:spTgt>
+                                        </p:tgtEl>
+                                        <p:attrNameLst>
+                                          <p:attrName>style.visibility</p:attrName>
+                                        </p:attrNameLst>
+                                      </p:cBhvr>
+                                      <p:to>
+                                        <p:strVal val="visible"/>
+                                      </p:to>
+                                    </p:set>
+                                    <p:animEffect transition="in" filter="fade">
+                                      <p:cBhvr>
+                                        <p:cTn id="24" dur="1000"/>
+                                        <p:tgtEl>
+                                          <p:spTgt spid="496646">
+                                            <p:txEl>
+                                              <p:pRg st="6" end="6"/>
+                                            </p:txEl>
+                                          </p:spTgt>
                                         </p:tgtEl>
                                       </p:cBhvr>
                                     </p:animEffect>
